--- a/Report/presentation_2_Gil.pptx
+++ b/Report/presentation_2_Gil.pptx
@@ -5,21 +5,13 @@
     <p:sldMasterId id="2147483672" r:id="rId1"/>
   </p:sldMasterIdLst>
   <p:notesMasterIdLst>
-    <p:notesMasterId r:id="rId14"/>
+    <p:notesMasterId r:id="rId6"/>
   </p:notesMasterIdLst>
   <p:sldIdLst>
-    <p:sldId id="256" r:id="rId2"/>
-    <p:sldId id="257" r:id="rId3"/>
-    <p:sldId id="258" r:id="rId4"/>
-    <p:sldId id="259" r:id="rId5"/>
-    <p:sldId id="260" r:id="rId6"/>
-    <p:sldId id="262" r:id="rId7"/>
-    <p:sldId id="267" r:id="rId8"/>
-    <p:sldId id="266" r:id="rId9"/>
-    <p:sldId id="263" r:id="rId10"/>
-    <p:sldId id="264" r:id="rId11"/>
-    <p:sldId id="269" r:id="rId12"/>
-    <p:sldId id="268" r:id="rId13"/>
+    <p:sldId id="272" r:id="rId2"/>
+    <p:sldId id="262" r:id="rId3"/>
+    <p:sldId id="266" r:id="rId4"/>
+    <p:sldId id="263" r:id="rId5"/>
   </p:sldIdLst>
   <p:sldSz cx="12192000" cy="6858000"/>
   <p:notesSz cx="6858000" cy="9144000"/>
@@ -208,7 +200,7 @@
           <a:p>
             <a:fld id="{FDDF5FE0-F804-4E91-803A-7CECEE48BB95}" type="datetimeFigureOut">
               <a:rPr lang="pt-PT" smtClean="0"/>
-              <a:t>27/03/2019</a:t>
+              <a:t>26/05/2019</a:t>
             </a:fld>
             <a:endParaRPr lang="pt-PT"/>
           </a:p>
@@ -494,7 +486,7 @@
       </p:grpSpPr>
       <p:sp>
         <p:nvSpPr>
-          <p:cNvPr id="2" name="Slide Image Placeholder 1"/>
+          <p:cNvPr id="2" name="Marcador de Posição da Imagem do Diapositivo 1"/>
           <p:cNvSpPr>
             <a:spLocks noGrp="1" noRot="1" noChangeAspect="1"/>
           </p:cNvSpPr>
@@ -506,7 +498,7 @@
       </p:sp>
       <p:sp>
         <p:nvSpPr>
-          <p:cNvPr id="3" name="Notes Placeholder 2"/>
+          <p:cNvPr id="3" name="Marcador de Posição de Notas 2"/>
           <p:cNvSpPr>
             <a:spLocks noGrp="1"/>
           </p:cNvSpPr>
@@ -519,93 +511,97 @@
           <a:bodyPr/>
           <a:lstStyle/>
           <a:p>
+            <a:pPr marL="0" marR="0" lvl="0" indent="0" algn="l" defTabSz="914400" rtl="0" eaLnBrk="1" fontAlgn="auto" latinLnBrk="0" hangingPunct="1">
+              <a:lnSpc>
+                <a:spcPct val="100000"/>
+              </a:lnSpc>
+              <a:spcBef>
+                <a:spcPts val="0"/>
+              </a:spcBef>
+              <a:spcAft>
+                <a:spcPts val="0"/>
+              </a:spcAft>
+              <a:buClrTx/>
+              <a:buSzTx/>
+              <a:buFontTx/>
+              <a:buNone/>
+              <a:tabLst/>
+              <a:defRPr/>
+            </a:pPr>
+            <a:r>
+              <a:rPr lang="pt-PT" dirty="0"/>
+              <a:t>&gt;&gt; apresentação geral das funcionalidades do componente.</a:t>
+            </a:r>
+          </a:p>
+          <a:p>
+            <a:pPr marL="0" marR="0" lvl="0" indent="0" algn="l" defTabSz="914400" rtl="0" eaLnBrk="1" fontAlgn="auto" latinLnBrk="0" hangingPunct="1">
+              <a:lnSpc>
+                <a:spcPct val="100000"/>
+              </a:lnSpc>
+              <a:spcBef>
+                <a:spcPts val="0"/>
+              </a:spcBef>
+              <a:spcAft>
+                <a:spcPts val="0"/>
+              </a:spcAft>
+              <a:buClrTx/>
+              <a:buSzTx/>
+              <a:buFontTx/>
+              <a:buNone/>
+              <a:tabLst/>
+              <a:defRPr/>
+            </a:pPr>
             <a:endParaRPr lang="pt-PT" dirty="0"/>
           </a:p>
-        </p:txBody>
-      </p:sp>
-      <p:sp>
-        <p:nvSpPr>
-          <p:cNvPr id="4" name="Slide Number Placeholder 3"/>
-          <p:cNvSpPr>
-            <a:spLocks noGrp="1"/>
-          </p:cNvSpPr>
-          <p:nvPr>
-            <p:ph type="sldNum" sz="quarter" idx="10"/>
-          </p:nvPr>
-        </p:nvSpPr>
-        <p:spPr/>
-        <p:txBody>
-          <a:bodyPr/>
-          <a:lstStyle/>
-          <a:p>
-            <a:fld id="{F9C76EEC-3DB8-4814-A8C5-185DA6C5A9E9}" type="slidenum">
-              <a:rPr lang="pt-PT" smtClean="0"/>
-              <a:t>1</a:t>
-            </a:fld>
-            <a:endParaRPr lang="pt-PT"/>
-          </a:p>
-        </p:txBody>
-      </p:sp>
-    </p:spTree>
-    <p:extLst>
-      <p:ext uri="{BB962C8B-B14F-4D97-AF65-F5344CB8AC3E}">
-        <p14:creationId xmlns:p14="http://schemas.microsoft.com/office/powerpoint/2010/main" val="3089481180"/>
-      </p:ext>
-    </p:extLst>
-  </p:cSld>
-  <p:clrMapOvr>
-    <a:masterClrMapping/>
-  </p:clrMapOvr>
-</p:notes>
-</file>
-
-<file path=ppt/notesSlides/notesSlide10.xml><?xml version="1.0" encoding="utf-8"?>
-<p:notes xmlns:a="http://schemas.openxmlformats.org/drawingml/2006/main" xmlns:r="http://schemas.openxmlformats.org/officeDocument/2006/relationships" xmlns:p="http://schemas.openxmlformats.org/presentationml/2006/main">
-  <p:cSld>
-    <p:spTree>
-      <p:nvGrpSpPr>
-        <p:cNvPr id="1" name=""/>
-        <p:cNvGrpSpPr/>
-        <p:nvPr/>
-      </p:nvGrpSpPr>
-      <p:grpSpPr>
-        <a:xfrm>
-          <a:off x="0" y="0"/>
-          <a:ext cx="0" cy="0"/>
-          <a:chOff x="0" y="0"/>
-          <a:chExt cx="0" cy="0"/>
-        </a:xfrm>
-      </p:grpSpPr>
-      <p:sp>
-        <p:nvSpPr>
-          <p:cNvPr id="2" name="Marcador de Posição da Imagem do Diapositivo 1"/>
-          <p:cNvSpPr>
-            <a:spLocks noGrp="1" noRot="1" noChangeAspect="1"/>
-          </p:cNvSpPr>
-          <p:nvPr>
-            <p:ph type="sldImg"/>
-          </p:nvPr>
-        </p:nvSpPr>
-        <p:spPr/>
-      </p:sp>
-      <p:sp>
-        <p:nvSpPr>
-          <p:cNvPr id="3" name="Marcador de Posição de Notas 2"/>
-          <p:cNvSpPr>
-            <a:spLocks noGrp="1"/>
-          </p:cNvSpPr>
-          <p:nvPr>
-            <p:ph type="body" idx="1"/>
-          </p:nvPr>
-        </p:nvSpPr>
-        <p:spPr/>
-        <p:txBody>
-          <a:bodyPr/>
-          <a:lstStyle/>
-          <a:p>
+          <a:p>
+            <a:pPr marL="0" marR="0" lvl="0" indent="0" algn="l" defTabSz="914400" rtl="0" eaLnBrk="1" fontAlgn="auto" latinLnBrk="0" hangingPunct="1">
+              <a:lnSpc>
+                <a:spcPct val="100000"/>
+              </a:lnSpc>
+              <a:spcBef>
+                <a:spcPts val="0"/>
+              </a:spcBef>
+              <a:spcAft>
+                <a:spcPts val="0"/>
+              </a:spcAft>
+              <a:buClrTx/>
+              <a:buSzTx/>
+              <a:buFontTx/>
+              <a:buNone/>
+              <a:tabLst/>
+              <a:defRPr/>
+            </a:pPr>
             <a:r>
               <a:rPr lang="pt-PT" dirty="0"/>
-              <a:t>GIL</a:t>
+              <a:t>	COMPONENTE  NOSSA --- ESTÁ INTEGRADA NOUTRAS  como BD &amp; PROFILER</a:t>
+            </a:r>
+            <a:br>
+              <a:rPr lang="pt-PT" dirty="0"/>
+            </a:br>
+            <a:r>
+              <a:rPr lang="pt-PT" dirty="0"/>
+              <a:t>Ponto 1.1 – dizer que vem do </a:t>
+            </a:r>
+            <a:r>
+              <a:rPr lang="pt-PT" dirty="0" err="1"/>
+              <a:t>profiler</a:t>
+            </a:r>
+            <a:r>
+              <a:rPr lang="pt-PT" dirty="0"/>
+              <a:t> (PADRAO em JSON / VETOR DE INFO) –convertemos os valores do padrão noutros valores, segundo os intervalos estabelecidos por</a:t>
+            </a:r>
+            <a:br>
+              <a:rPr lang="pt-PT" dirty="0"/>
+            </a:br>
+            <a:r>
+              <a:rPr lang="pt-PT" dirty="0"/>
+              <a:t>                   nós.</a:t>
+            </a:r>
+          </a:p>
+          <a:p>
+            <a:r>
+              <a:rPr lang="pt-PT" dirty="0"/>
+              <a:t>                –  definir “informação útil” (dados do aluno como performance, se acertou ou errou ultima pergunta,…)</a:t>
             </a:r>
           </a:p>
           <a:p>
@@ -614,46 +610,30 @@
           <a:p>
             <a:r>
               <a:rPr lang="pt-PT" dirty="0"/>
-              <a:t>Ponto 2.1 – falar q </a:t>
+              <a:t>Ponto 1.2 – explicar que analisamos esses valores e testamos contra as regras estabelecidas por nós, respetivas a cada um dos </a:t>
             </a:r>
             <a:r>
               <a:rPr lang="pt-PT" dirty="0" err="1"/>
-              <a:t>mongoDB</a:t>
+              <a:t>dominios</a:t>
             </a:r>
             <a:r>
               <a:rPr lang="pt-PT" dirty="0"/>
-              <a:t> e parão alteram constantemente conforme regras e conforme vamos querendo eficiência</a:t>
+              <a:t>.</a:t>
+            </a:r>
+          </a:p>
+          <a:p>
+            <a:endParaRPr lang="pt-PT" dirty="0"/>
+          </a:p>
+          <a:p>
+            <a:r>
+              <a:rPr lang="pt-PT" dirty="0"/>
+              <a:t>Ponto 1.3 – dizer que a regra acionada (cujas condições são satisfeitas pelos valores) vai ditar qual o tipo de frase a apresentar ao utilizador</a:t>
             </a:r>
             <a:br>
               <a:rPr lang="pt-PT" dirty="0"/>
             </a:br>
             <a:endParaRPr lang="pt-PT" dirty="0"/>
           </a:p>
-          <a:p>
-            <a:r>
-              <a:rPr lang="pt-PT" dirty="0"/>
-              <a:t>Ponto 2.2 – dizer q árvore é o q permite escolher diálogo, com base em destreza e tal</a:t>
-            </a:r>
-          </a:p>
-          <a:p>
-            <a:endParaRPr lang="pt-PT" dirty="0"/>
-          </a:p>
-          <a:p>
-            <a:r>
-              <a:rPr lang="pt-PT" dirty="0"/>
-              <a:t>Ponto 2.3 – dizer que é supervisionada para já ?</a:t>
-            </a:r>
-            <a:br>
-              <a:rPr lang="pt-PT" dirty="0"/>
-            </a:br>
-            <a:br>
-              <a:rPr lang="pt-PT" dirty="0"/>
-            </a:br>
-            <a:r>
-              <a:rPr lang="pt-PT" dirty="0"/>
-              <a:t>Ponto 3 – dizer q basicamente temos que melhorar tudo o que temos acima</a:t>
-            </a:r>
-          </a:p>
         </p:txBody>
       </p:sp>
       <p:sp>
@@ -673,7 +653,7 @@
           <a:p>
             <a:fld id="{F9C76EEC-3DB8-4814-A8C5-185DA6C5A9E9}" type="slidenum">
               <a:rPr lang="pt-PT" smtClean="0"/>
-              <a:t>10</a:t>
+              <a:t>2</a:t>
             </a:fld>
             <a:endParaRPr lang="pt-PT"/>
           </a:p>
@@ -682,224 +662,7 @@
     </p:spTree>
     <p:extLst>
       <p:ext uri="{BB962C8B-B14F-4D97-AF65-F5344CB8AC3E}">
-        <p14:creationId xmlns:p14="http://schemas.microsoft.com/office/powerpoint/2010/main" val="2653281919"/>
-      </p:ext>
-    </p:extLst>
-  </p:cSld>
-  <p:clrMapOvr>
-    <a:masterClrMapping/>
-  </p:clrMapOvr>
-</p:notes>
-</file>
-
-<file path=ppt/notesSlides/notesSlide11.xml><?xml version="1.0" encoding="utf-8"?>
-<p:notes xmlns:a="http://schemas.openxmlformats.org/drawingml/2006/main" xmlns:r="http://schemas.openxmlformats.org/officeDocument/2006/relationships" xmlns:p="http://schemas.openxmlformats.org/presentationml/2006/main">
-  <p:cSld>
-    <p:spTree>
-      <p:nvGrpSpPr>
-        <p:cNvPr id="1" name=""/>
-        <p:cNvGrpSpPr/>
-        <p:nvPr/>
-      </p:nvGrpSpPr>
-      <p:grpSpPr>
-        <a:xfrm>
-          <a:off x="0" y="0"/>
-          <a:ext cx="0" cy="0"/>
-          <a:chOff x="0" y="0"/>
-          <a:chExt cx="0" cy="0"/>
-        </a:xfrm>
-      </p:grpSpPr>
-      <p:sp>
-        <p:nvSpPr>
-          <p:cNvPr id="2" name="Marcador de Posição da Imagem do Diapositivo 1"/>
-          <p:cNvSpPr>
-            <a:spLocks noGrp="1" noRot="1" noChangeAspect="1"/>
-          </p:cNvSpPr>
-          <p:nvPr>
-            <p:ph type="sldImg"/>
-          </p:nvPr>
-        </p:nvSpPr>
-        <p:spPr/>
-      </p:sp>
-      <p:sp>
-        <p:nvSpPr>
-          <p:cNvPr id="3" name="Marcador de Posição de Notas 2"/>
-          <p:cNvSpPr>
-            <a:spLocks noGrp="1"/>
-          </p:cNvSpPr>
-          <p:nvPr>
-            <p:ph type="body" idx="1"/>
-          </p:nvPr>
-        </p:nvSpPr>
-        <p:spPr/>
-        <p:txBody>
-          <a:bodyPr/>
-          <a:lstStyle/>
-          <a:p>
-            <a:r>
-              <a:rPr lang="pt-PT" dirty="0"/>
-              <a:t>GIL</a:t>
-            </a:r>
-          </a:p>
-          <a:p>
-            <a:endParaRPr lang="pt-PT" dirty="0"/>
-          </a:p>
-          <a:p>
-            <a:r>
-              <a:rPr lang="pt-PT" dirty="0"/>
-              <a:t>Ponto 2.1 – falar q </a:t>
-            </a:r>
-            <a:r>
-              <a:rPr lang="pt-PT" dirty="0" err="1"/>
-              <a:t>mongoDB</a:t>
-            </a:r>
-            <a:r>
-              <a:rPr lang="pt-PT" dirty="0"/>
-              <a:t> e parão alteram constantemente conforme regras e conforme vamos querendo eficiência</a:t>
-            </a:r>
-            <a:br>
-              <a:rPr lang="pt-PT" dirty="0"/>
-            </a:br>
-            <a:endParaRPr lang="pt-PT" dirty="0"/>
-          </a:p>
-          <a:p>
-            <a:r>
-              <a:rPr lang="pt-PT" dirty="0"/>
-              <a:t>Ponto 2.2 – dizer q árvore é o q permite escolher diálogo, com base em destreza e tal</a:t>
-            </a:r>
-          </a:p>
-          <a:p>
-            <a:endParaRPr lang="pt-PT" dirty="0"/>
-          </a:p>
-          <a:p>
-            <a:r>
-              <a:rPr lang="pt-PT" dirty="0"/>
-              <a:t>Ponto 2.3 – dizer que é supervisionada para já ?</a:t>
-            </a:r>
-            <a:br>
-              <a:rPr lang="pt-PT" dirty="0"/>
-            </a:br>
-            <a:br>
-              <a:rPr lang="pt-PT" dirty="0"/>
-            </a:br>
-            <a:r>
-              <a:rPr lang="pt-PT" dirty="0"/>
-              <a:t>Ponto 3 – dizer q basicamente temos que melhorar tudo o que temos acima</a:t>
-            </a:r>
-          </a:p>
-        </p:txBody>
-      </p:sp>
-      <p:sp>
-        <p:nvSpPr>
-          <p:cNvPr id="4" name="Marcador de Posição do Número do Diapositivo 3"/>
-          <p:cNvSpPr>
-            <a:spLocks noGrp="1"/>
-          </p:cNvSpPr>
-          <p:nvPr>
-            <p:ph type="sldNum" sz="quarter" idx="5"/>
-          </p:nvPr>
-        </p:nvSpPr>
-        <p:spPr/>
-        <p:txBody>
-          <a:bodyPr/>
-          <a:lstStyle/>
-          <a:p>
-            <a:fld id="{F9C76EEC-3DB8-4814-A8C5-185DA6C5A9E9}" type="slidenum">
-              <a:rPr lang="pt-PT" smtClean="0"/>
-              <a:t>11</a:t>
-            </a:fld>
-            <a:endParaRPr lang="pt-PT"/>
-          </a:p>
-        </p:txBody>
-      </p:sp>
-    </p:spTree>
-    <p:extLst>
-      <p:ext uri="{BB962C8B-B14F-4D97-AF65-F5344CB8AC3E}">
-        <p14:creationId xmlns:p14="http://schemas.microsoft.com/office/powerpoint/2010/main" val="2155469764"/>
-      </p:ext>
-    </p:extLst>
-  </p:cSld>
-  <p:clrMapOvr>
-    <a:masterClrMapping/>
-  </p:clrMapOvr>
-</p:notes>
-</file>
-
-<file path=ppt/notesSlides/notesSlide12.xml><?xml version="1.0" encoding="utf-8"?>
-<p:notes xmlns:a="http://schemas.openxmlformats.org/drawingml/2006/main" xmlns:r="http://schemas.openxmlformats.org/officeDocument/2006/relationships" xmlns:p="http://schemas.openxmlformats.org/presentationml/2006/main">
-  <p:cSld>
-    <p:spTree>
-      <p:nvGrpSpPr>
-        <p:cNvPr id="1" name=""/>
-        <p:cNvGrpSpPr/>
-        <p:nvPr/>
-      </p:nvGrpSpPr>
-      <p:grpSpPr>
-        <a:xfrm>
-          <a:off x="0" y="0"/>
-          <a:ext cx="0" cy="0"/>
-          <a:chOff x="0" y="0"/>
-          <a:chExt cx="0" cy="0"/>
-        </a:xfrm>
-      </p:grpSpPr>
-      <p:sp>
-        <p:nvSpPr>
-          <p:cNvPr id="2" name="Slide Image Placeholder 1"/>
-          <p:cNvSpPr>
-            <a:spLocks noGrp="1" noRot="1" noChangeAspect="1"/>
-          </p:cNvSpPr>
-          <p:nvPr>
-            <p:ph type="sldImg"/>
-          </p:nvPr>
-        </p:nvSpPr>
-        <p:spPr/>
-      </p:sp>
-      <p:sp>
-        <p:nvSpPr>
-          <p:cNvPr id="3" name="Notes Placeholder 2"/>
-          <p:cNvSpPr>
-            <a:spLocks noGrp="1"/>
-          </p:cNvSpPr>
-          <p:nvPr>
-            <p:ph type="body" idx="1"/>
-          </p:nvPr>
-        </p:nvSpPr>
-        <p:spPr/>
-        <p:txBody>
-          <a:bodyPr/>
-          <a:lstStyle/>
-          <a:p>
-            <a:endParaRPr lang="pt-PT" dirty="0"/>
-          </a:p>
-        </p:txBody>
-      </p:sp>
-      <p:sp>
-        <p:nvSpPr>
-          <p:cNvPr id="4" name="Slide Number Placeholder 3"/>
-          <p:cNvSpPr>
-            <a:spLocks noGrp="1"/>
-          </p:cNvSpPr>
-          <p:nvPr>
-            <p:ph type="sldNum" sz="quarter" idx="10"/>
-          </p:nvPr>
-        </p:nvSpPr>
-        <p:spPr/>
-        <p:txBody>
-          <a:bodyPr/>
-          <a:lstStyle/>
-          <a:p>
-            <a:fld id="{F9C76EEC-3DB8-4814-A8C5-185DA6C5A9E9}" type="slidenum">
-              <a:rPr lang="pt-PT" smtClean="0"/>
-              <a:t>12</a:t>
-            </a:fld>
-            <a:endParaRPr lang="pt-PT"/>
-          </a:p>
-        </p:txBody>
-      </p:sp>
-    </p:spTree>
-    <p:extLst>
-      <p:ext uri="{BB962C8B-B14F-4D97-AF65-F5344CB8AC3E}">
-        <p14:creationId xmlns:p14="http://schemas.microsoft.com/office/powerpoint/2010/main" val="2587704403"/>
+        <p14:creationId xmlns:p14="http://schemas.microsoft.com/office/powerpoint/2010/main" val="1112323880"/>
       </p:ext>
     </p:extLst>
   </p:cSld>
@@ -955,7 +718,7 @@
           <a:p>
             <a:r>
               <a:rPr lang="pt-PT" dirty="0"/>
-              <a:t>LUIS</a:t>
+              <a:t>DIANA</a:t>
             </a:r>
           </a:p>
           <a:p>
@@ -964,12 +727,117 @@
           <a:p>
             <a:r>
               <a:rPr lang="pt-PT" dirty="0"/>
-              <a:t>- Basicamente ler e explicar o </a:t>
+              <a:t>&gt;&gt; </a:t>
+            </a:r>
+            <a:r>
+              <a:rPr lang="pt-PT" dirty="0" err="1"/>
+              <a:t>tipoe</a:t>
+            </a:r>
+            <a:r>
+              <a:rPr lang="pt-PT" dirty="0"/>
+              <a:t> de frase = nível </a:t>
             </a:r>
             <a:r>
               <a:rPr lang="pt-PT"/>
-              <a:t>mínimo mesmo (PALHA)</a:t>
-            </a:r>
+              <a:t>de ironia</a:t>
+            </a:r>
+            <a:endParaRPr lang="pt-PT" dirty="0"/>
+          </a:p>
+          <a:p>
+            <a:r>
+              <a:rPr lang="pt-PT" dirty="0"/>
+              <a:t>&gt;&gt; apresentação de um pequeno excerto da base de dados das frases e da sua informação de suporte.</a:t>
+            </a:r>
+          </a:p>
+          <a:p>
+            <a:r>
+              <a:rPr lang="pt-PT" dirty="0"/>
+              <a:t>&gt;&gt; exemplo de um diálogo suportado pelo sistema.</a:t>
+            </a:r>
+          </a:p>
+          <a:p>
+            <a:r>
+              <a:rPr lang="pt-PT" dirty="0"/>
+              <a:t>&gt;&gt; explicar </a:t>
+            </a:r>
+            <a:r>
+              <a:rPr lang="pt-PT" dirty="0" err="1"/>
+              <a:t>tags</a:t>
+            </a:r>
+            <a:r>
+              <a:rPr lang="pt-PT" dirty="0"/>
+              <a:t> (</a:t>
+            </a:r>
+            <a:r>
+              <a:rPr lang="pt-PT" dirty="0" err="1"/>
+              <a:t>greetings</a:t>
+            </a:r>
+            <a:r>
+              <a:rPr lang="pt-PT" dirty="0"/>
+              <a:t>, </a:t>
+            </a:r>
+            <a:r>
+              <a:rPr lang="pt-PT" dirty="0" err="1"/>
+              <a:t>funny</a:t>
+            </a:r>
+            <a:r>
+              <a:rPr lang="pt-PT" dirty="0"/>
+              <a:t> [ESTADOS ESPIRITO LEONARDO], </a:t>
+            </a:r>
+            <a:r>
+              <a:rPr lang="pt-PT" dirty="0" err="1"/>
+              <a:t>phrase</a:t>
+            </a:r>
+            <a:r>
+              <a:rPr lang="pt-PT" dirty="0"/>
+              <a:t>, </a:t>
+            </a:r>
+            <a:r>
+              <a:rPr lang="pt-PT" dirty="0" err="1"/>
+              <a:t>answer</a:t>
+            </a:r>
+            <a:r>
+              <a:rPr lang="pt-PT" dirty="0"/>
+              <a:t>…)</a:t>
+            </a:r>
+          </a:p>
+          <a:p>
+            <a:r>
+              <a:rPr lang="pt-PT" dirty="0"/>
+              <a:t>&gt;&gt; Temos em conta agora a última vez que o </a:t>
+            </a:r>
+            <a:r>
+              <a:rPr lang="pt-PT" dirty="0" err="1"/>
+              <a:t>user</a:t>
+            </a:r>
+            <a:r>
+              <a:rPr lang="pt-PT" dirty="0"/>
+              <a:t> utilizou o chat, p fazer diálogo de acordo c isso. </a:t>
+            </a:r>
+          </a:p>
+          <a:p>
+            <a:r>
+              <a:rPr lang="pt-PT" dirty="0"/>
+              <a:t>Fizemos um </a:t>
+            </a:r>
+            <a:r>
+              <a:rPr lang="pt-PT" dirty="0" err="1"/>
+              <a:t>historico</a:t>
+            </a:r>
+            <a:r>
+              <a:rPr lang="pt-PT" dirty="0"/>
+              <a:t> de </a:t>
+            </a:r>
+            <a:r>
+              <a:rPr lang="pt-PT" dirty="0" err="1"/>
+              <a:t>user</a:t>
+            </a:r>
+            <a:r>
+              <a:rPr lang="pt-PT" dirty="0"/>
+              <a:t> p guardar isso se bem que depois vamos ter isso dado pelo Manager</a:t>
+            </a:r>
+          </a:p>
+          <a:p>
             <a:endParaRPr lang="pt-PT" dirty="0"/>
           </a:p>
         </p:txBody>
@@ -991,7 +859,7 @@
           <a:p>
             <a:fld id="{F9C76EEC-3DB8-4814-A8C5-185DA6C5A9E9}" type="slidenum">
               <a:rPr lang="pt-PT" smtClean="0"/>
-              <a:t>2</a:t>
+              <a:t>3</a:t>
             </a:fld>
             <a:endParaRPr lang="pt-PT"/>
           </a:p>
@@ -1000,7 +868,7 @@
     </p:spTree>
     <p:extLst>
       <p:ext uri="{BB962C8B-B14F-4D97-AF65-F5344CB8AC3E}">
-        <p14:creationId xmlns:p14="http://schemas.microsoft.com/office/powerpoint/2010/main" val="3317858232"/>
+        <p14:creationId xmlns:p14="http://schemas.microsoft.com/office/powerpoint/2010/main" val="2373765445"/>
       </p:ext>
     </p:extLst>
   </p:cSld>
@@ -1054,917 +922,66 @@
           <a:bodyPr/>
           <a:lstStyle/>
           <a:p>
-            <a:r>
-              <a:rPr lang="pt-PT" dirty="0"/>
-              <a:t>LUIS</a:t>
-            </a:r>
-          </a:p>
-          <a:p>
-            <a:endParaRPr lang="pt-PT" dirty="0"/>
-          </a:p>
-          <a:p>
-            <a:r>
-              <a:rPr lang="pt-PT" dirty="0"/>
-              <a:t>Ponto 1 – falar também do exemplo de matemática (geometria, trigonometria,…) para encher</a:t>
-            </a:r>
-          </a:p>
-          <a:p>
-            <a:r>
-              <a:rPr lang="pt-PT" dirty="0"/>
-              <a:t> </a:t>
-            </a:r>
-          </a:p>
-          <a:p>
-            <a:r>
-              <a:rPr lang="pt-PT" dirty="0"/>
-              <a:t>Ponto 2 – 	aluno = utilizador</a:t>
-            </a:r>
-          </a:p>
-          <a:p>
-            <a:r>
-              <a:rPr lang="pt-PT" dirty="0"/>
-              <a:t>     	2.1 Explicar o que é a destreza (media tempo global a responder) e o desempenho(percentagem de respostas certas dentro de todas q já respondeu)</a:t>
-            </a:r>
-          </a:p>
-          <a:p>
-            <a:r>
-              <a:rPr lang="pt-PT" dirty="0"/>
-              <a:t>	2.1 falar do desempenho geral na realização de vários testes, como soma de desempenho de testes individuais</a:t>
-            </a:r>
-            <a:br>
-              <a:rPr lang="pt-PT" dirty="0"/>
-            </a:br>
-            <a:r>
-              <a:rPr lang="pt-PT" dirty="0"/>
-              <a:t>                	2.2 dizer que cada aluno tem sensibilidades diferentes e tal FUTURO, mas para já está adaptado a os dados de cada aluno (performance)</a:t>
-            </a:r>
-            <a:br>
-              <a:rPr lang="pt-PT" dirty="0"/>
-            </a:br>
-            <a:endParaRPr lang="pt-PT" dirty="0"/>
-          </a:p>
-          <a:p>
-            <a:r>
-              <a:rPr lang="pt-PT" dirty="0"/>
-              <a:t>Ponto 3 -  dizer que não se queria apenas o típico </a:t>
-            </a:r>
-            <a:r>
-              <a:rPr lang="pt-PT" dirty="0" err="1"/>
-              <a:t>chatbox</a:t>
-            </a:r>
-            <a:r>
-              <a:rPr lang="pt-PT" dirty="0"/>
-              <a:t> chato, mas um “</a:t>
-            </a:r>
-            <a:r>
-              <a:rPr lang="pt-PT" dirty="0" err="1"/>
-              <a:t>bot</a:t>
-            </a:r>
-            <a:r>
-              <a:rPr lang="pt-PT" dirty="0"/>
-              <a:t>” cativante e adequado a cada aluno</a:t>
-            </a:r>
-          </a:p>
-        </p:txBody>
-      </p:sp>
-      <p:sp>
-        <p:nvSpPr>
-          <p:cNvPr id="4" name="Marcador de Posição do Número do Diapositivo 3"/>
-          <p:cNvSpPr>
-            <a:spLocks noGrp="1"/>
-          </p:cNvSpPr>
-          <p:nvPr>
-            <p:ph type="sldNum" sz="quarter" idx="5"/>
-          </p:nvPr>
-        </p:nvSpPr>
-        <p:spPr/>
-        <p:txBody>
-          <a:bodyPr/>
-          <a:lstStyle/>
-          <a:p>
-            <a:fld id="{F9C76EEC-3DB8-4814-A8C5-185DA6C5A9E9}" type="slidenum">
-              <a:rPr lang="pt-PT" smtClean="0"/>
-              <a:t>3</a:t>
-            </a:fld>
-            <a:endParaRPr lang="pt-PT"/>
-          </a:p>
-        </p:txBody>
-      </p:sp>
-    </p:spTree>
-    <p:extLst>
-      <p:ext uri="{BB962C8B-B14F-4D97-AF65-F5344CB8AC3E}">
-        <p14:creationId xmlns:p14="http://schemas.microsoft.com/office/powerpoint/2010/main" val="2884616700"/>
-      </p:ext>
-    </p:extLst>
-  </p:cSld>
-  <p:clrMapOvr>
-    <a:masterClrMapping/>
-  </p:clrMapOvr>
-</p:notes>
-</file>
-
-<file path=ppt/notesSlides/notesSlide4.xml><?xml version="1.0" encoding="utf-8"?>
-<p:notes xmlns:a="http://schemas.openxmlformats.org/drawingml/2006/main" xmlns:r="http://schemas.openxmlformats.org/officeDocument/2006/relationships" xmlns:p="http://schemas.openxmlformats.org/presentationml/2006/main">
-  <p:cSld>
-    <p:spTree>
-      <p:nvGrpSpPr>
-        <p:cNvPr id="1" name=""/>
-        <p:cNvGrpSpPr/>
-        <p:nvPr/>
-      </p:nvGrpSpPr>
-      <p:grpSpPr>
-        <a:xfrm>
-          <a:off x="0" y="0"/>
-          <a:ext cx="0" cy="0"/>
-          <a:chOff x="0" y="0"/>
-          <a:chExt cx="0" cy="0"/>
-        </a:xfrm>
-      </p:grpSpPr>
-      <p:sp>
-        <p:nvSpPr>
-          <p:cNvPr id="2" name="Marcador de Posição da Imagem do Diapositivo 1"/>
-          <p:cNvSpPr>
-            <a:spLocks noGrp="1" noRot="1" noChangeAspect="1"/>
-          </p:cNvSpPr>
-          <p:nvPr>
-            <p:ph type="sldImg"/>
-          </p:nvPr>
-        </p:nvSpPr>
-        <p:spPr/>
-      </p:sp>
-      <p:sp>
-        <p:nvSpPr>
-          <p:cNvPr id="3" name="Marcador de Posição de Notas 2"/>
-          <p:cNvSpPr>
-            <a:spLocks noGrp="1"/>
-          </p:cNvSpPr>
-          <p:nvPr>
-            <p:ph type="body" idx="1"/>
-          </p:nvPr>
-        </p:nvSpPr>
-        <p:spPr/>
-        <p:txBody>
-          <a:bodyPr/>
-          <a:lstStyle/>
-          <a:p>
-            <a:pPr marL="0" marR="0" lvl="0" indent="0" algn="l" defTabSz="914400" rtl="0" eaLnBrk="1" fontAlgn="auto" latinLnBrk="0" hangingPunct="1">
-              <a:lnSpc>
-                <a:spcPct val="100000"/>
-              </a:lnSpc>
-              <a:spcBef>
-                <a:spcPts val="0"/>
-              </a:spcBef>
-              <a:spcAft>
-                <a:spcPts val="0"/>
-              </a:spcAft>
-              <a:buClrTx/>
-              <a:buSzTx/>
+            <a:pPr marL="0" indent="0">
               <a:buFontTx/>
               <a:buNone/>
-              <a:tabLst/>
-              <a:defRPr/>
             </a:pPr>
             <a:r>
               <a:rPr lang="pt-PT" dirty="0"/>
-              <a:t>LUIS</a:t>
+              <a:t>- Temos agora a gerar dinamicamente segundo um </a:t>
+            </a:r>
+            <a:r>
+              <a:rPr lang="pt-PT" dirty="0" err="1"/>
+              <a:t>dataset</a:t>
+            </a:r>
+            <a:r>
+              <a:rPr lang="pt-PT" dirty="0"/>
+              <a:t> inicial guardado em </a:t>
+            </a:r>
+            <a:r>
+              <a:rPr lang="pt-PT" dirty="0" err="1"/>
+              <a:t>mongoDB</a:t>
+            </a:r>
+            <a:r>
+              <a:rPr lang="pt-PT" dirty="0"/>
+              <a:t>, se bem que  temos é de popular mais</a:t>
             </a:r>
           </a:p>
           <a:p>
             <a:endParaRPr lang="pt-PT" dirty="0"/>
           </a:p>
-        </p:txBody>
-      </p:sp>
-      <p:sp>
-        <p:nvSpPr>
-          <p:cNvPr id="4" name="Marcador de Posição do Número do Diapositivo 3"/>
-          <p:cNvSpPr>
-            <a:spLocks noGrp="1"/>
-          </p:cNvSpPr>
-          <p:nvPr>
-            <p:ph type="sldNum" sz="quarter" idx="5"/>
-          </p:nvPr>
-        </p:nvSpPr>
-        <p:spPr/>
-        <p:txBody>
-          <a:bodyPr/>
-          <a:lstStyle/>
-          <a:p>
-            <a:fld id="{F9C76EEC-3DB8-4814-A8C5-185DA6C5A9E9}" type="slidenum">
-              <a:rPr lang="pt-PT" smtClean="0"/>
-              <a:t>4</a:t>
-            </a:fld>
-            <a:endParaRPr lang="pt-PT"/>
-          </a:p>
-        </p:txBody>
-      </p:sp>
-    </p:spTree>
-    <p:extLst>
-      <p:ext uri="{BB962C8B-B14F-4D97-AF65-F5344CB8AC3E}">
-        <p14:creationId xmlns:p14="http://schemas.microsoft.com/office/powerpoint/2010/main" val="2542676790"/>
-      </p:ext>
-    </p:extLst>
-  </p:cSld>
-  <p:clrMapOvr>
-    <a:masterClrMapping/>
-  </p:clrMapOvr>
-</p:notes>
-</file>
-
-<file path=ppt/notesSlides/notesSlide5.xml><?xml version="1.0" encoding="utf-8"?>
-<p:notes xmlns:a="http://schemas.openxmlformats.org/drawingml/2006/main" xmlns:r="http://schemas.openxmlformats.org/officeDocument/2006/relationships" xmlns:p="http://schemas.openxmlformats.org/presentationml/2006/main">
-  <p:cSld>
-    <p:spTree>
-      <p:nvGrpSpPr>
-        <p:cNvPr id="1" name=""/>
-        <p:cNvGrpSpPr/>
-        <p:nvPr/>
-      </p:nvGrpSpPr>
-      <p:grpSpPr>
-        <a:xfrm>
-          <a:off x="0" y="0"/>
-          <a:ext cx="0" cy="0"/>
-          <a:chOff x="0" y="0"/>
-          <a:chExt cx="0" cy="0"/>
-        </a:xfrm>
-      </p:grpSpPr>
-      <p:sp>
-        <p:nvSpPr>
-          <p:cNvPr id="2" name="Marcador de Posição da Imagem do Diapositivo 1"/>
-          <p:cNvSpPr>
-            <a:spLocks noGrp="1" noRot="1" noChangeAspect="1"/>
-          </p:cNvSpPr>
-          <p:nvPr>
-            <p:ph type="sldImg"/>
-          </p:nvPr>
-        </p:nvSpPr>
-        <p:spPr/>
-      </p:sp>
-      <p:sp>
-        <p:nvSpPr>
-          <p:cNvPr id="3" name="Marcador de Posição de Notas 2"/>
-          <p:cNvSpPr>
-            <a:spLocks noGrp="1"/>
-          </p:cNvSpPr>
-          <p:nvPr>
-            <p:ph type="body" idx="1"/>
-          </p:nvPr>
-        </p:nvSpPr>
-        <p:spPr/>
-        <p:txBody>
-          <a:bodyPr/>
-          <a:lstStyle/>
-          <a:p>
-            <a:pPr marL="0" marR="0" lvl="0" indent="0" algn="l" defTabSz="914400" rtl="0" eaLnBrk="1" fontAlgn="auto" latinLnBrk="0" hangingPunct="1">
-              <a:lnSpc>
-                <a:spcPct val="100000"/>
-              </a:lnSpc>
-              <a:spcBef>
-                <a:spcPts val="0"/>
-              </a:spcBef>
-              <a:spcAft>
-                <a:spcPts val="0"/>
-              </a:spcAft>
-              <a:buClrTx/>
-              <a:buSzTx/>
+          <a:p>
+            <a:pPr marL="171450" indent="-171450">
               <a:buFontTx/>
-              <a:buNone/>
-              <a:tabLst/>
-              <a:defRPr/>
+              <a:buChar char="-"/>
             </a:pPr>
             <a:r>
               <a:rPr lang="pt-PT" dirty="0"/>
-              <a:t>LUIS</a:t>
-            </a:r>
-          </a:p>
-          <a:p>
-            <a:endParaRPr lang="pt-PT" dirty="0"/>
-          </a:p>
-          <a:p>
+              <a:t>No </a:t>
+            </a:r>
+            <a:r>
+              <a:rPr lang="pt-PT" dirty="0" err="1"/>
+              <a:t>python</a:t>
+            </a:r>
             <a:r>
               <a:rPr lang="pt-PT" dirty="0"/>
-              <a:t>Ponto 1: salientar que a existência dos outros módulos por estarmos a trabalhar em conjunto com outro projeto</a:t>
-            </a:r>
-            <a:br>
+              <a:t> falar do script para geração de frases, com cadeias de </a:t>
+            </a:r>
+            <a:r>
+              <a:rPr lang="pt-PT" dirty="0" err="1"/>
+              <a:t>Markov</a:t>
+            </a:r>
+            <a:r>
               <a:rPr lang="pt-PT" dirty="0"/>
-            </a:br>
-            <a:br>
-              <a:rPr lang="pt-PT" dirty="0"/>
-            </a:br>
-            <a:r>
-              <a:rPr lang="pt-PT" dirty="0"/>
-              <a:t>Ponto 2: exemplificar domínio e subdomínio</a:t>
-            </a:r>
-          </a:p>
-        </p:txBody>
-      </p:sp>
-      <p:sp>
-        <p:nvSpPr>
-          <p:cNvPr id="4" name="Marcador de Posição do Número do Diapositivo 3"/>
-          <p:cNvSpPr>
-            <a:spLocks noGrp="1"/>
-          </p:cNvSpPr>
-          <p:nvPr>
-            <p:ph type="sldNum" sz="quarter" idx="5"/>
-          </p:nvPr>
-        </p:nvSpPr>
-        <p:spPr/>
-        <p:txBody>
-          <a:bodyPr/>
-          <a:lstStyle/>
-          <a:p>
-            <a:fld id="{F9C76EEC-3DB8-4814-A8C5-185DA6C5A9E9}" type="slidenum">
-              <a:rPr lang="pt-PT" smtClean="0"/>
-              <a:t>5</a:t>
-            </a:fld>
-            <a:endParaRPr lang="pt-PT"/>
-          </a:p>
-        </p:txBody>
-      </p:sp>
-    </p:spTree>
-    <p:extLst>
-      <p:ext uri="{BB962C8B-B14F-4D97-AF65-F5344CB8AC3E}">
-        <p14:creationId xmlns:p14="http://schemas.microsoft.com/office/powerpoint/2010/main" val="1200589705"/>
-      </p:ext>
-    </p:extLst>
-  </p:cSld>
-  <p:clrMapOvr>
-    <a:masterClrMapping/>
-  </p:clrMapOvr>
-</p:notes>
-</file>
-
-<file path=ppt/notesSlides/notesSlide6.xml><?xml version="1.0" encoding="utf-8"?>
-<p:notes xmlns:a="http://schemas.openxmlformats.org/drawingml/2006/main" xmlns:r="http://schemas.openxmlformats.org/officeDocument/2006/relationships" xmlns:p="http://schemas.openxmlformats.org/presentationml/2006/main">
-  <p:cSld>
-    <p:spTree>
-      <p:nvGrpSpPr>
-        <p:cNvPr id="1" name=""/>
-        <p:cNvGrpSpPr/>
-        <p:nvPr/>
-      </p:nvGrpSpPr>
-      <p:grpSpPr>
-        <a:xfrm>
-          <a:off x="0" y="0"/>
-          <a:ext cx="0" cy="0"/>
-          <a:chOff x="0" y="0"/>
-          <a:chExt cx="0" cy="0"/>
-        </a:xfrm>
-      </p:grpSpPr>
-      <p:sp>
-        <p:nvSpPr>
-          <p:cNvPr id="2" name="Marcador de Posição da Imagem do Diapositivo 1"/>
-          <p:cNvSpPr>
-            <a:spLocks noGrp="1" noRot="1" noChangeAspect="1"/>
-          </p:cNvSpPr>
-          <p:nvPr>
-            <p:ph type="sldImg"/>
-          </p:nvPr>
-        </p:nvSpPr>
-        <p:spPr/>
-      </p:sp>
-      <p:sp>
-        <p:nvSpPr>
-          <p:cNvPr id="3" name="Marcador de Posição de Notas 2"/>
-          <p:cNvSpPr>
-            <a:spLocks noGrp="1"/>
-          </p:cNvSpPr>
-          <p:nvPr>
-            <p:ph type="body" idx="1"/>
-          </p:nvPr>
-        </p:nvSpPr>
-        <p:spPr/>
-        <p:txBody>
-          <a:bodyPr/>
-          <a:lstStyle/>
-          <a:p>
-            <a:r>
-              <a:rPr lang="pt-PT" dirty="0"/>
-              <a:t>DIANA</a:t>
-            </a:r>
-          </a:p>
-          <a:p>
-            <a:endParaRPr lang="pt-PT" dirty="0"/>
-          </a:p>
-          <a:p>
-            <a:pPr marL="0" marR="0" lvl="0" indent="0" algn="l" defTabSz="914400" rtl="0" eaLnBrk="1" fontAlgn="auto" latinLnBrk="0" hangingPunct="1">
-              <a:lnSpc>
-                <a:spcPct val="100000"/>
-              </a:lnSpc>
-              <a:spcBef>
-                <a:spcPts val="0"/>
-              </a:spcBef>
-              <a:spcAft>
-                <a:spcPts val="0"/>
-              </a:spcAft>
-              <a:buClrTx/>
-              <a:buSzTx/>
+              <a:t> e utilização de NLTK para processamento de frases (separar por palavras)</a:t>
+            </a:r>
+          </a:p>
+          <a:p>
+            <a:pPr marL="171450" indent="-171450">
               <a:buFontTx/>
-              <a:buNone/>
-              <a:tabLst/>
-              <a:defRPr/>
-            </a:pPr>
-            <a:r>
-              <a:rPr lang="pt-PT" dirty="0"/>
-              <a:t>&gt;&gt; apresentação geral das funcionalidades do componente.</a:t>
-            </a:r>
-          </a:p>
-          <a:p>
-            <a:pPr marL="0" marR="0" lvl="0" indent="0" algn="l" defTabSz="914400" rtl="0" eaLnBrk="1" fontAlgn="auto" latinLnBrk="0" hangingPunct="1">
-              <a:lnSpc>
-                <a:spcPct val="100000"/>
-              </a:lnSpc>
-              <a:spcBef>
-                <a:spcPts val="0"/>
-              </a:spcBef>
-              <a:spcAft>
-                <a:spcPts val="0"/>
-              </a:spcAft>
-              <a:buClrTx/>
-              <a:buSzTx/>
-              <a:buFontTx/>
-              <a:buNone/>
-              <a:tabLst/>
-              <a:defRPr/>
+              <a:buChar char="-"/>
             </a:pPr>
             <a:endParaRPr lang="pt-PT" dirty="0"/>
-          </a:p>
-          <a:p>
-            <a:pPr marL="0" marR="0" lvl="0" indent="0" algn="l" defTabSz="914400" rtl="0" eaLnBrk="1" fontAlgn="auto" latinLnBrk="0" hangingPunct="1">
-              <a:lnSpc>
-                <a:spcPct val="100000"/>
-              </a:lnSpc>
-              <a:spcBef>
-                <a:spcPts val="0"/>
-              </a:spcBef>
-              <a:spcAft>
-                <a:spcPts val="0"/>
-              </a:spcAft>
-              <a:buClrTx/>
-              <a:buSzTx/>
-              <a:buFontTx/>
-              <a:buNone/>
-              <a:tabLst/>
-              <a:defRPr/>
-            </a:pPr>
-            <a:r>
-              <a:rPr lang="pt-PT" dirty="0"/>
-              <a:t>	COMPONENTE  NOSSA --- ESTÁ INTEGRADA NOUTRAS  como BD &amp; PROFILER</a:t>
-            </a:r>
-            <a:br>
-              <a:rPr lang="pt-PT" dirty="0"/>
-            </a:br>
-            <a:r>
-              <a:rPr lang="pt-PT" dirty="0"/>
-              <a:t>Ponto 1.1 – dizer que vem do </a:t>
-            </a:r>
-            <a:r>
-              <a:rPr lang="pt-PT" dirty="0" err="1"/>
-              <a:t>profiler</a:t>
-            </a:r>
-            <a:r>
-              <a:rPr lang="pt-PT" dirty="0"/>
-              <a:t> (PADRAO em JSON / VETOR DE INFO) –convertemos os valores do padrão noutros valores, segundo os intervalos estabelecidos por</a:t>
-            </a:r>
-            <a:br>
-              <a:rPr lang="pt-PT" dirty="0"/>
-            </a:br>
-            <a:r>
-              <a:rPr lang="pt-PT" dirty="0"/>
-              <a:t>                   nós.</a:t>
-            </a:r>
-          </a:p>
-          <a:p>
-            <a:r>
-              <a:rPr lang="pt-PT" dirty="0"/>
-              <a:t>                –  definir “informação útil” (dados do aluno como performance, se acertou ou errou ultima pergunta,…)</a:t>
-            </a:r>
-          </a:p>
-          <a:p>
-            <a:endParaRPr lang="pt-PT" dirty="0"/>
-          </a:p>
-          <a:p>
-            <a:r>
-              <a:rPr lang="pt-PT" dirty="0"/>
-              <a:t>Ponto 1.2 – explicar que analisamos esses valores e testamos contra as regras estabelecidas por nós, respetivas a cada um dos </a:t>
-            </a:r>
-            <a:r>
-              <a:rPr lang="pt-PT" dirty="0" err="1"/>
-              <a:t>dominios</a:t>
-            </a:r>
-            <a:r>
-              <a:rPr lang="pt-PT" dirty="0"/>
-              <a:t>.</a:t>
-            </a:r>
-          </a:p>
-          <a:p>
-            <a:endParaRPr lang="pt-PT" dirty="0"/>
-          </a:p>
-          <a:p>
-            <a:r>
-              <a:rPr lang="pt-PT" dirty="0"/>
-              <a:t>Ponto 1.3 – dizer que a regra acionada (cujas condições são satisfeitas pelos valores) vai ditar qual o tipo de frase a apresentar ao utilizador</a:t>
-            </a:r>
-            <a:br>
-              <a:rPr lang="pt-PT" dirty="0"/>
-            </a:br>
-            <a:endParaRPr lang="pt-PT" dirty="0"/>
-          </a:p>
-        </p:txBody>
-      </p:sp>
-      <p:sp>
-        <p:nvSpPr>
-          <p:cNvPr id="4" name="Marcador de Posição do Número do Diapositivo 3"/>
-          <p:cNvSpPr>
-            <a:spLocks noGrp="1"/>
-          </p:cNvSpPr>
-          <p:nvPr>
-            <p:ph type="sldNum" sz="quarter" idx="5"/>
-          </p:nvPr>
-        </p:nvSpPr>
-        <p:spPr/>
-        <p:txBody>
-          <a:bodyPr/>
-          <a:lstStyle/>
-          <a:p>
-            <a:fld id="{F9C76EEC-3DB8-4814-A8C5-185DA6C5A9E9}" type="slidenum">
-              <a:rPr lang="pt-PT" smtClean="0"/>
-              <a:t>6</a:t>
-            </a:fld>
-            <a:endParaRPr lang="pt-PT"/>
-          </a:p>
-        </p:txBody>
-      </p:sp>
-    </p:spTree>
-    <p:extLst>
-      <p:ext uri="{BB962C8B-B14F-4D97-AF65-F5344CB8AC3E}">
-        <p14:creationId xmlns:p14="http://schemas.microsoft.com/office/powerpoint/2010/main" val="1112323880"/>
-      </p:ext>
-    </p:extLst>
-  </p:cSld>
-  <p:clrMapOvr>
-    <a:masterClrMapping/>
-  </p:clrMapOvr>
-</p:notes>
-</file>
-
-<file path=ppt/notesSlides/notesSlide7.xml><?xml version="1.0" encoding="utf-8"?>
-<p:notes xmlns:a="http://schemas.openxmlformats.org/drawingml/2006/main" xmlns:r="http://schemas.openxmlformats.org/officeDocument/2006/relationships" xmlns:p="http://schemas.openxmlformats.org/presentationml/2006/main">
-  <p:cSld>
-    <p:spTree>
-      <p:nvGrpSpPr>
-        <p:cNvPr id="1" name=""/>
-        <p:cNvGrpSpPr/>
-        <p:nvPr/>
-      </p:nvGrpSpPr>
-      <p:grpSpPr>
-        <a:xfrm>
-          <a:off x="0" y="0"/>
-          <a:ext cx="0" cy="0"/>
-          <a:chOff x="0" y="0"/>
-          <a:chExt cx="0" cy="0"/>
-        </a:xfrm>
-      </p:grpSpPr>
-      <p:sp>
-        <p:nvSpPr>
-          <p:cNvPr id="2" name="Marcador de Posição da Imagem do Diapositivo 1"/>
-          <p:cNvSpPr>
-            <a:spLocks noGrp="1" noRot="1" noChangeAspect="1"/>
-          </p:cNvSpPr>
-          <p:nvPr>
-            <p:ph type="sldImg"/>
-          </p:nvPr>
-        </p:nvSpPr>
-        <p:spPr/>
-      </p:sp>
-      <p:sp>
-        <p:nvSpPr>
-          <p:cNvPr id="3" name="Marcador de Posição de Notas 2"/>
-          <p:cNvSpPr>
-            <a:spLocks noGrp="1"/>
-          </p:cNvSpPr>
-          <p:nvPr>
-            <p:ph type="body" idx="1"/>
-          </p:nvPr>
-        </p:nvSpPr>
-        <p:spPr/>
-        <p:txBody>
-          <a:bodyPr/>
-          <a:lstStyle/>
-          <a:p>
-            <a:r>
-              <a:rPr lang="pt-PT" dirty="0"/>
-              <a:t>DIANA</a:t>
-            </a:r>
-          </a:p>
-          <a:p>
-            <a:endParaRPr lang="pt-PT" dirty="0"/>
-          </a:p>
-          <a:p>
-            <a:r>
-              <a:rPr lang="pt-PT" dirty="0"/>
-              <a:t>&gt;&gt; descrição de como o componente atua dentro do sistema global </a:t>
-            </a:r>
-          </a:p>
-          <a:p>
-            <a:r>
-              <a:rPr lang="pt-PT" dirty="0"/>
-              <a:t>---- dizer que não tratamos de ir buscar as perguntas da matéria à BD nem somos o </a:t>
-            </a:r>
-            <a:r>
-              <a:rPr lang="pt-PT" dirty="0" err="1"/>
-              <a:t>profiler</a:t>
-            </a:r>
-            <a:r>
-              <a:rPr lang="pt-PT" dirty="0"/>
-              <a:t>, apenas somos responsáveis pelas frases de diálogo com o aluno</a:t>
-            </a:r>
-          </a:p>
-          <a:p>
-            <a:r>
-              <a:rPr lang="pt-PT" dirty="0"/>
-              <a:t>&gt;&gt; arquitetura básica do componente e sua interação com os outros módulos</a:t>
-            </a:r>
-            <a:br>
-              <a:rPr lang="pt-PT" dirty="0"/>
-            </a:br>
-            <a:r>
-              <a:rPr lang="pt-PT" dirty="0"/>
-              <a:t>---- imagem</a:t>
-            </a:r>
-          </a:p>
-          <a:p>
-            <a:endParaRPr lang="pt-PT" dirty="0"/>
-          </a:p>
-        </p:txBody>
-      </p:sp>
-      <p:sp>
-        <p:nvSpPr>
-          <p:cNvPr id="4" name="Marcador de Posição do Número do Diapositivo 3"/>
-          <p:cNvSpPr>
-            <a:spLocks noGrp="1"/>
-          </p:cNvSpPr>
-          <p:nvPr>
-            <p:ph type="sldNum" sz="quarter" idx="5"/>
-          </p:nvPr>
-        </p:nvSpPr>
-        <p:spPr/>
-        <p:txBody>
-          <a:bodyPr/>
-          <a:lstStyle/>
-          <a:p>
-            <a:fld id="{F9C76EEC-3DB8-4814-A8C5-185DA6C5A9E9}" type="slidenum">
-              <a:rPr lang="pt-PT" smtClean="0"/>
-              <a:t>7</a:t>
-            </a:fld>
-            <a:endParaRPr lang="pt-PT"/>
-          </a:p>
-        </p:txBody>
-      </p:sp>
-    </p:spTree>
-    <p:extLst>
-      <p:ext uri="{BB962C8B-B14F-4D97-AF65-F5344CB8AC3E}">
-        <p14:creationId xmlns:p14="http://schemas.microsoft.com/office/powerpoint/2010/main" val="3339019805"/>
-      </p:ext>
-    </p:extLst>
-  </p:cSld>
-  <p:clrMapOvr>
-    <a:masterClrMapping/>
-  </p:clrMapOvr>
-</p:notes>
-</file>
-
-<file path=ppt/notesSlides/notesSlide8.xml><?xml version="1.0" encoding="utf-8"?>
-<p:notes xmlns:a="http://schemas.openxmlformats.org/drawingml/2006/main" xmlns:r="http://schemas.openxmlformats.org/officeDocument/2006/relationships" xmlns:p="http://schemas.openxmlformats.org/presentationml/2006/main">
-  <p:cSld>
-    <p:spTree>
-      <p:nvGrpSpPr>
-        <p:cNvPr id="1" name=""/>
-        <p:cNvGrpSpPr/>
-        <p:nvPr/>
-      </p:nvGrpSpPr>
-      <p:grpSpPr>
-        <a:xfrm>
-          <a:off x="0" y="0"/>
-          <a:ext cx="0" cy="0"/>
-          <a:chOff x="0" y="0"/>
-          <a:chExt cx="0" cy="0"/>
-        </a:xfrm>
-      </p:grpSpPr>
-      <p:sp>
-        <p:nvSpPr>
-          <p:cNvPr id="2" name="Marcador de Posição da Imagem do Diapositivo 1"/>
-          <p:cNvSpPr>
-            <a:spLocks noGrp="1" noRot="1" noChangeAspect="1"/>
-          </p:cNvSpPr>
-          <p:nvPr>
-            <p:ph type="sldImg"/>
-          </p:nvPr>
-        </p:nvSpPr>
-        <p:spPr/>
-      </p:sp>
-      <p:sp>
-        <p:nvSpPr>
-          <p:cNvPr id="3" name="Marcador de Posição de Notas 2"/>
-          <p:cNvSpPr>
-            <a:spLocks noGrp="1"/>
-          </p:cNvSpPr>
-          <p:nvPr>
-            <p:ph type="body" idx="1"/>
-          </p:nvPr>
-        </p:nvSpPr>
-        <p:spPr/>
-        <p:txBody>
-          <a:bodyPr/>
-          <a:lstStyle/>
-          <a:p>
-            <a:r>
-              <a:rPr lang="pt-PT" dirty="0"/>
-              <a:t>DIANA</a:t>
-            </a:r>
-          </a:p>
-          <a:p>
-            <a:endParaRPr lang="pt-PT" dirty="0"/>
-          </a:p>
-          <a:p>
-            <a:r>
-              <a:rPr lang="pt-PT" dirty="0"/>
-              <a:t>&gt;&gt; apresentação de um pequeno excerto da base de dados das frases e da sua informação de suporte.</a:t>
-            </a:r>
-          </a:p>
-          <a:p>
-            <a:r>
-              <a:rPr lang="pt-PT" dirty="0"/>
-              <a:t>&gt;&gt; exemplo de um diálogo suportado pelo sistema.</a:t>
-            </a:r>
-          </a:p>
-          <a:p>
-            <a:r>
-              <a:rPr lang="pt-PT" dirty="0"/>
-              <a:t>&gt;&gt; explicar </a:t>
-            </a:r>
-            <a:r>
-              <a:rPr lang="pt-PT" dirty="0" err="1"/>
-              <a:t>tags</a:t>
-            </a:r>
-            <a:r>
-              <a:rPr lang="pt-PT" dirty="0"/>
-              <a:t> (</a:t>
-            </a:r>
-            <a:r>
-              <a:rPr lang="pt-PT" dirty="0" err="1"/>
-              <a:t>greetings</a:t>
-            </a:r>
-            <a:r>
-              <a:rPr lang="pt-PT" dirty="0"/>
-              <a:t>, </a:t>
-            </a:r>
-            <a:r>
-              <a:rPr lang="pt-PT" dirty="0" err="1"/>
-              <a:t>funny</a:t>
-            </a:r>
-            <a:r>
-              <a:rPr lang="pt-PT"/>
-              <a:t> [ESTADOS ESPIRITO LEONARDO], </a:t>
-            </a:r>
-            <a:r>
-              <a:rPr lang="pt-PT" dirty="0" err="1"/>
-              <a:t>phrase</a:t>
-            </a:r>
-            <a:r>
-              <a:rPr lang="pt-PT" dirty="0"/>
-              <a:t>, </a:t>
-            </a:r>
-            <a:r>
-              <a:rPr lang="pt-PT" dirty="0" err="1"/>
-              <a:t>counter</a:t>
-            </a:r>
-            <a:r>
-              <a:rPr lang="pt-PT" dirty="0"/>
-              <a:t>, </a:t>
-            </a:r>
-            <a:r>
-              <a:rPr lang="pt-PT" dirty="0" err="1"/>
-              <a:t>answer</a:t>
-            </a:r>
-            <a:r>
-              <a:rPr lang="pt-PT" dirty="0"/>
-              <a:t>…)</a:t>
-            </a:r>
-          </a:p>
-          <a:p>
-            <a:endParaRPr lang="pt-PT" dirty="0"/>
-          </a:p>
-        </p:txBody>
-      </p:sp>
-      <p:sp>
-        <p:nvSpPr>
-          <p:cNvPr id="4" name="Marcador de Posição do Número do Diapositivo 3"/>
-          <p:cNvSpPr>
-            <a:spLocks noGrp="1"/>
-          </p:cNvSpPr>
-          <p:nvPr>
-            <p:ph type="sldNum" sz="quarter" idx="5"/>
-          </p:nvPr>
-        </p:nvSpPr>
-        <p:spPr/>
-        <p:txBody>
-          <a:bodyPr/>
-          <a:lstStyle/>
-          <a:p>
-            <a:fld id="{F9C76EEC-3DB8-4814-A8C5-185DA6C5A9E9}" type="slidenum">
-              <a:rPr lang="pt-PT" smtClean="0"/>
-              <a:t>8</a:t>
-            </a:fld>
-            <a:endParaRPr lang="pt-PT"/>
-          </a:p>
-        </p:txBody>
-      </p:sp>
-    </p:spTree>
-    <p:extLst>
-      <p:ext uri="{BB962C8B-B14F-4D97-AF65-F5344CB8AC3E}">
-        <p14:creationId xmlns:p14="http://schemas.microsoft.com/office/powerpoint/2010/main" val="2373765445"/>
-      </p:ext>
-    </p:extLst>
-  </p:cSld>
-  <p:clrMapOvr>
-    <a:masterClrMapping/>
-  </p:clrMapOvr>
-</p:notes>
-</file>
-
-<file path=ppt/notesSlides/notesSlide9.xml><?xml version="1.0" encoding="utf-8"?>
-<p:notes xmlns:a="http://schemas.openxmlformats.org/drawingml/2006/main" xmlns:r="http://schemas.openxmlformats.org/officeDocument/2006/relationships" xmlns:p="http://schemas.openxmlformats.org/presentationml/2006/main">
-  <p:cSld>
-    <p:spTree>
-      <p:nvGrpSpPr>
-        <p:cNvPr id="1" name=""/>
-        <p:cNvGrpSpPr/>
-        <p:nvPr/>
-      </p:nvGrpSpPr>
-      <p:grpSpPr>
-        <a:xfrm>
-          <a:off x="0" y="0"/>
-          <a:ext cx="0" cy="0"/>
-          <a:chOff x="0" y="0"/>
-          <a:chExt cx="0" cy="0"/>
-        </a:xfrm>
-      </p:grpSpPr>
-      <p:sp>
-        <p:nvSpPr>
-          <p:cNvPr id="2" name="Marcador de Posição da Imagem do Diapositivo 1"/>
-          <p:cNvSpPr>
-            <a:spLocks noGrp="1" noRot="1" noChangeAspect="1"/>
-          </p:cNvSpPr>
-          <p:nvPr>
-            <p:ph type="sldImg"/>
-          </p:nvPr>
-        </p:nvSpPr>
-        <p:spPr/>
-      </p:sp>
-      <p:sp>
-        <p:nvSpPr>
-          <p:cNvPr id="3" name="Marcador de Posição de Notas 2"/>
-          <p:cNvSpPr>
-            <a:spLocks noGrp="1"/>
-          </p:cNvSpPr>
-          <p:nvPr>
-            <p:ph type="body" idx="1"/>
-          </p:nvPr>
-        </p:nvSpPr>
-        <p:spPr/>
-        <p:txBody>
-          <a:bodyPr/>
-          <a:lstStyle/>
-          <a:p>
-            <a:r>
-              <a:rPr lang="pt-PT" dirty="0"/>
-              <a:t>GIL</a:t>
-            </a:r>
-          </a:p>
-          <a:p>
-            <a:endParaRPr lang="pt-PT" dirty="0"/>
-          </a:p>
-          <a:p>
-            <a:r>
-              <a:rPr lang="pt-PT" dirty="0"/>
-              <a:t>- No </a:t>
-            </a:r>
-            <a:r>
-              <a:rPr lang="pt-PT" dirty="0" err="1"/>
-              <a:t>python</a:t>
-            </a:r>
-            <a:r>
-              <a:rPr lang="pt-PT" dirty="0"/>
-              <a:t> falar do script para geração de frases, com cadeias de </a:t>
-            </a:r>
-            <a:r>
-              <a:rPr lang="pt-PT" dirty="0" err="1"/>
-              <a:t>Markov</a:t>
-            </a:r>
-            <a:r>
-              <a:rPr lang="pt-PT" dirty="0"/>
-              <a:t> e utilização de NLTK para processamento de frases (separar por palavras)</a:t>
-            </a:r>
           </a:p>
           <a:p>
             <a:pPr marL="171450" indent="-171450">
@@ -2183,9 +1200,32 @@
                 <a:ea typeface="+mn-ea"/>
                 <a:cs typeface="+mn-cs"/>
               </a:rPr>
-              <a:t> são, por isso, bastante utilizadas neste tipo de situações!</a:t>
-            </a:r>
-            <a:endParaRPr lang="pt-PT" dirty="0"/>
+              <a:t> são, por isso, bastante utilizadas neste tipo de situações (</a:t>
+            </a:r>
+            <a:r>
+              <a:rPr lang="pt-PT" sz="1200" b="0" i="0" kern="1200" dirty="0" err="1">
+                <a:solidFill>
+                  <a:schemeClr val="tx1"/>
+                </a:solidFill>
+                <a:effectLst/>
+                <a:latin typeface="+mn-lt"/>
+                <a:ea typeface="+mn-ea"/>
+                <a:cs typeface="+mn-cs"/>
+              </a:rPr>
+              <a:t>chatbots</a:t>
+            </a:r>
+            <a:r>
+              <a:rPr lang="pt-PT" sz="1200" b="0" i="0" kern="1200" dirty="0">
+                <a:solidFill>
+                  <a:schemeClr val="tx1"/>
+                </a:solidFill>
+                <a:effectLst/>
+                <a:latin typeface="+mn-lt"/>
+                <a:ea typeface="+mn-ea"/>
+                <a:cs typeface="+mn-cs"/>
+              </a:rPr>
+              <a:t>)!</a:t>
+            </a:r>
           </a:p>
         </p:txBody>
       </p:sp>
@@ -2206,7 +1246,7 @@
           <a:p>
             <a:fld id="{F9C76EEC-3DB8-4814-A8C5-185DA6C5A9E9}" type="slidenum">
               <a:rPr lang="pt-PT" smtClean="0"/>
-              <a:t>9</a:t>
+              <a:t>4</a:t>
             </a:fld>
             <a:endParaRPr lang="pt-PT"/>
           </a:p>
@@ -2451,7 +1491,7 @@
           <a:p>
             <a:fld id="{D3D2C362-FAA5-4C55-BE02-652F59C753E4}" type="datetimeFigureOut">
               <a:rPr lang="pt-PT" smtClean="0"/>
-              <a:t>27/03/2019</a:t>
+              <a:t>26/05/2019</a:t>
             </a:fld>
             <a:endParaRPr lang="pt-PT"/>
           </a:p>
@@ -2659,7 +1699,7 @@
           <a:p>
             <a:fld id="{D3D2C362-FAA5-4C55-BE02-652F59C753E4}" type="datetimeFigureOut">
               <a:rPr lang="pt-PT" smtClean="0"/>
-              <a:t>27/03/2019</a:t>
+              <a:t>26/05/2019</a:t>
             </a:fld>
             <a:endParaRPr lang="pt-PT"/>
           </a:p>
@@ -2915,7 +1955,7 @@
           <a:p>
             <a:fld id="{D3D2C362-FAA5-4C55-BE02-652F59C753E4}" type="datetimeFigureOut">
               <a:rPr lang="pt-PT" smtClean="0"/>
-              <a:t>27/03/2019</a:t>
+              <a:t>26/05/2019</a:t>
             </a:fld>
             <a:endParaRPr lang="pt-PT"/>
           </a:p>
@@ -3089,7 +2129,7 @@
           <a:p>
             <a:fld id="{D3D2C362-FAA5-4C55-BE02-652F59C753E4}" type="datetimeFigureOut">
               <a:rPr lang="pt-PT" smtClean="0"/>
-              <a:t>27/03/2019</a:t>
+              <a:t>26/05/2019</a:t>
             </a:fld>
             <a:endParaRPr lang="pt-PT"/>
           </a:p>
@@ -3432,7 +2472,7 @@
           <a:p>
             <a:fld id="{D3D2C362-FAA5-4C55-BE02-652F59C753E4}" type="datetimeFigureOut">
               <a:rPr lang="pt-PT" smtClean="0"/>
-              <a:t>27/03/2019</a:t>
+              <a:t>26/05/2019</a:t>
             </a:fld>
             <a:endParaRPr lang="pt-PT"/>
           </a:p>
@@ -3707,7 +2747,7 @@
           <a:p>
             <a:fld id="{D3D2C362-FAA5-4C55-BE02-652F59C753E4}" type="datetimeFigureOut">
               <a:rPr lang="pt-PT" smtClean="0"/>
-              <a:t>27/03/2019</a:t>
+              <a:t>26/05/2019</a:t>
             </a:fld>
             <a:endParaRPr lang="pt-PT"/>
           </a:p>
@@ -4086,7 +3126,7 @@
           <a:p>
             <a:fld id="{D3D2C362-FAA5-4C55-BE02-652F59C753E4}" type="datetimeFigureOut">
               <a:rPr lang="pt-PT" smtClean="0"/>
-              <a:t>27/03/2019</a:t>
+              <a:t>26/05/2019</a:t>
             </a:fld>
             <a:endParaRPr lang="pt-PT"/>
           </a:p>
@@ -4204,7 +3244,7 @@
           <a:p>
             <a:fld id="{D3D2C362-FAA5-4C55-BE02-652F59C753E4}" type="datetimeFigureOut">
               <a:rPr lang="pt-PT" smtClean="0"/>
-              <a:t>27/03/2019</a:t>
+              <a:t>26/05/2019</a:t>
             </a:fld>
             <a:endParaRPr lang="pt-PT"/>
           </a:p>
@@ -4375,7 +3415,7 @@
           <a:p>
             <a:fld id="{D3D2C362-FAA5-4C55-BE02-652F59C753E4}" type="datetimeFigureOut">
               <a:rPr lang="pt-PT" smtClean="0"/>
-              <a:t>27/03/2019</a:t>
+              <a:t>26/05/2019</a:t>
             </a:fld>
             <a:endParaRPr lang="pt-PT"/>
           </a:p>
@@ -4729,7 +3769,7 @@
           <a:p>
             <a:fld id="{D3D2C362-FAA5-4C55-BE02-652F59C753E4}" type="datetimeFigureOut">
               <a:rPr lang="pt-PT" smtClean="0"/>
-              <a:t>27/03/2019</a:t>
+              <a:t>26/05/2019</a:t>
             </a:fld>
             <a:endParaRPr lang="pt-PT"/>
           </a:p>
@@ -5111,7 +4151,7 @@
           <a:p>
             <a:fld id="{D3D2C362-FAA5-4C55-BE02-652F59C753E4}" type="datetimeFigureOut">
               <a:rPr lang="pt-PT" smtClean="0"/>
-              <a:t>27/03/2019</a:t>
+              <a:t>26/05/2019</a:t>
             </a:fld>
             <a:endParaRPr lang="pt-PT"/>
           </a:p>
@@ -5398,7 +4438,7 @@
           <a:p>
             <a:fld id="{D3D2C362-FAA5-4C55-BE02-652F59C753E4}" type="datetimeFigureOut">
               <a:rPr lang="pt-PT" smtClean="0"/>
-              <a:t>27/03/2019</a:t>
+              <a:t>26/05/2019</a:t>
             </a:fld>
             <a:endParaRPr lang="pt-PT"/>
           </a:p>
@@ -5927,7 +4967,7 @@
           <p:cNvPr id="2" name="Título 1">
             <a:extLst>
               <a:ext uri="{FF2B5EF4-FFF2-40B4-BE49-F238E27FC236}">
-                <a16:creationId xmlns:a16="http://schemas.microsoft.com/office/drawing/2014/main" id="{7C25BD2A-223B-4886-95F6-197166A45D44}"/>
+                <a16:creationId xmlns:a16="http://schemas.microsoft.com/office/drawing/2014/main" id="{40D71B53-1F1F-4403-B5FE-3674B7071BDC}"/>
               </a:ext>
             </a:extLst>
           </p:cNvPr>
@@ -5935,261 +4975,136 @@
             <a:spLocks noGrp="1"/>
           </p:cNvSpPr>
           <p:nvPr>
-            <p:ph type="ctrTitle"/>
-          </p:nvPr>
-        </p:nvSpPr>
-        <p:spPr>
-          <a:xfrm>
-            <a:off x="1060209" y="165822"/>
-            <a:ext cx="10058400" cy="3566160"/>
-          </a:xfrm>
-        </p:spPr>
-        <p:txBody>
-          <a:bodyPr>
-            <a:normAutofit/>
-          </a:bodyPr>
+            <p:ph type="title"/>
+          </p:nvPr>
+        </p:nvSpPr>
+        <p:spPr/>
+        <p:txBody>
+          <a:bodyPr/>
           <a:lstStyle/>
           <a:p>
             <a:r>
-              <a:rPr lang="pt-PT" sz="4800" b="1" dirty="0">
-                <a:solidFill>
-                  <a:schemeClr val="bg1">
-                    <a:lumMod val="50000"/>
-                  </a:schemeClr>
-                </a:solidFill>
-              </a:rPr>
-              <a:t>Conceção e Implementação de um Gestor de Diálogos para um Tutor Artificial</a:t>
-            </a:r>
-            <a:endParaRPr lang="pt-PT" sz="4800" b="1" dirty="0"/>
-          </a:p>
-        </p:txBody>
-      </p:sp>
-      <p:sp>
-        <p:nvSpPr>
-          <p:cNvPr id="3" name="Subtítulo 2">
+              <a:rPr lang="pt-PT" dirty="0"/>
+              <a:t>Conceção e Implementação do Sistema</a:t>
+            </a:r>
+          </a:p>
+        </p:txBody>
+      </p:sp>
+      <p:pic>
+        <p:nvPicPr>
+          <p:cNvPr id="6" name="Marcador de Posição de Conteúdo 5">
             <a:extLst>
               <a:ext uri="{FF2B5EF4-FFF2-40B4-BE49-F238E27FC236}">
-                <a16:creationId xmlns:a16="http://schemas.microsoft.com/office/drawing/2014/main" id="{524F64DE-3061-42FD-9E5E-390B7D127416}"/>
+                <a16:creationId xmlns:a16="http://schemas.microsoft.com/office/drawing/2014/main" id="{3BBD17AD-75BF-44D0-AB26-1F4E27D0F5A9}"/>
               </a:ext>
             </a:extLst>
           </p:cNvPr>
-          <p:cNvSpPr>
-            <a:spLocks noGrp="1"/>
-          </p:cNvSpPr>
-          <p:nvPr>
-            <p:ph type="subTitle" idx="1"/>
-          </p:nvPr>
-        </p:nvSpPr>
-        <p:spPr>
-          <a:xfrm>
-            <a:off x="1100051" y="4356761"/>
-            <a:ext cx="10058400" cy="1143000"/>
-          </a:xfrm>
-        </p:spPr>
-        <p:txBody>
-          <a:bodyPr>
-            <a:normAutofit/>
-          </a:bodyPr>
-          <a:lstStyle/>
-          <a:p>
-            <a:pPr algn="r"/>
-            <a:r>
-              <a:rPr lang="pt-PT" cap="none" dirty="0"/>
-              <a:t>A Iniciativa LEONARDO</a:t>
-            </a:r>
-            <a:endParaRPr lang="pt-PT" dirty="0"/>
-          </a:p>
-        </p:txBody>
-      </p:sp>
-      <p:pic>
-        <p:nvPicPr>
-          <p:cNvPr id="8" name="Imagem 7" descr="EENG">
-            <a:extLst>
-              <a:ext uri="{FF2B5EF4-FFF2-40B4-BE49-F238E27FC236}">
-                <a16:creationId xmlns:a16="http://schemas.microsoft.com/office/drawing/2014/main" id="{D47250D0-4D50-410E-8522-6DAD62A9D283}"/>
-              </a:ext>
-            </a:extLst>
-          </p:cNvPr>
-          <p:cNvPicPr/>
-          <p:nvPr/>
+          <p:cNvPicPr>
+            <a:picLocks noGrp="1" noChangeAspect="1"/>
+          </p:cNvPicPr>
+          <p:nvPr>
+            <p:ph idx="1"/>
+          </p:nvPr>
         </p:nvPicPr>
         <p:blipFill>
-          <a:blip r:embed="rId3" cstate="screen">
+          <a:blip r:embed="rId2">
             <a:extLst>
               <a:ext uri="{28A0092B-C50C-407E-A947-70E740481C1C}">
-                <a14:useLocalDpi xmlns:a14="http://schemas.microsoft.com/office/drawing/2010/main"/>
+                <a14:useLocalDpi xmlns:a14="http://schemas.microsoft.com/office/drawing/2010/main" val="0"/>
               </a:ext>
             </a:extLst>
           </a:blip>
-          <a:srcRect/>
           <a:stretch>
             <a:fillRect/>
           </a:stretch>
         </p:blipFill>
-        <p:spPr bwMode="auto">
+        <p:spPr>
           <a:xfrm>
-            <a:off x="162696" y="167503"/>
-            <a:ext cx="2097179" cy="1587298"/>
+            <a:off x="5471735" y="594359"/>
+            <a:ext cx="4669568" cy="5362707"/>
           </a:xfrm>
-          <a:prstGeom prst="rect">
-            <a:avLst/>
-          </a:prstGeom>
-          <a:noFill/>
-          <a:ln w="9525">
-            <a:noFill/>
-            <a:miter lim="800000"/>
-            <a:headEnd/>
-            <a:tailEnd/>
-          </a:ln>
         </p:spPr>
       </p:pic>
       <p:sp>
         <p:nvSpPr>
-          <p:cNvPr id="9" name="CaixaDeTexto 8">
+          <p:cNvPr id="4" name="Marcador de Posição do Texto 3">
             <a:extLst>
               <a:ext uri="{FF2B5EF4-FFF2-40B4-BE49-F238E27FC236}">
-                <a16:creationId xmlns:a16="http://schemas.microsoft.com/office/drawing/2014/main" id="{C4C8927B-E775-4EF3-B23F-1E60433416E8}"/>
+                <a16:creationId xmlns:a16="http://schemas.microsoft.com/office/drawing/2014/main" id="{CA5A9C57-498A-4BB8-BCF7-784643315D2E}"/>
               </a:ext>
             </a:extLst>
           </p:cNvPr>
-          <p:cNvSpPr txBox="1"/>
-          <p:nvPr/>
-        </p:nvSpPr>
-        <p:spPr>
-          <a:xfrm>
-            <a:off x="3001280" y="204747"/>
-            <a:ext cx="6080935" cy="1200329"/>
-          </a:xfrm>
-          <a:prstGeom prst="rect">
-            <a:avLst/>
-          </a:prstGeom>
-          <a:noFill/>
-        </p:spPr>
-        <p:txBody>
-          <a:bodyPr wrap="square" rtlCol="0">
-            <a:spAutoFit/>
-          </a:bodyPr>
+          <p:cNvSpPr>
+            <a:spLocks noGrp="1"/>
+          </p:cNvSpPr>
+          <p:nvPr>
+            <p:ph type="body" sz="half" idx="2"/>
+          </p:nvPr>
+        </p:nvSpPr>
+        <p:spPr/>
+        <p:txBody>
+          <a:bodyPr/>
           <a:lstStyle/>
           <a:p>
-            <a:pPr hangingPunct="0"/>
-            <a:r>
-              <a:rPr lang="pt-PT" dirty="0">
-                <a:solidFill>
-                  <a:schemeClr val="bg1">
-                    <a:lumMod val="50000"/>
-                  </a:schemeClr>
-                </a:solidFill>
-              </a:rPr>
-              <a:t>Mestrado Integrado em Engenharia Informática</a:t>
-            </a:r>
-          </a:p>
-          <a:p>
-            <a:pPr hangingPunct="0"/>
-            <a:r>
-              <a:rPr lang="pt-PT" dirty="0">
-                <a:solidFill>
-                  <a:schemeClr val="bg1">
-                    <a:lumMod val="50000"/>
-                  </a:schemeClr>
-                </a:solidFill>
-              </a:rPr>
-              <a:t>Unidade Curricular de Laboratório de Engenharia Informática</a:t>
-            </a:r>
-          </a:p>
-          <a:p>
-            <a:pPr hangingPunct="0"/>
-            <a:endParaRPr lang="pt-PT" dirty="0">
-              <a:solidFill>
-                <a:schemeClr val="bg1">
-                  <a:lumMod val="50000"/>
-                </a:schemeClr>
-              </a:solidFill>
-            </a:endParaRPr>
-          </a:p>
-          <a:p>
-            <a:pPr hangingPunct="0"/>
-            <a:r>
-              <a:rPr lang="pt-PT" dirty="0">
-                <a:solidFill>
-                  <a:schemeClr val="bg1">
-                    <a:lumMod val="50000"/>
-                  </a:schemeClr>
-                </a:solidFill>
-              </a:rPr>
-              <a:t>Março de 2019</a:t>
-            </a:r>
-          </a:p>
-        </p:txBody>
-      </p:sp>
-      <p:sp>
-        <p:nvSpPr>
-          <p:cNvPr id="10" name="CaixaDeTexto 9">
+            <a:endParaRPr lang="pt-PT" dirty="0"/>
+          </a:p>
+        </p:txBody>
+      </p:sp>
+      <p:sp>
+        <p:nvSpPr>
+          <p:cNvPr id="17" name="Seta: Para a Esquerda e Para Cima 16">
             <a:extLst>
               <a:ext uri="{FF2B5EF4-FFF2-40B4-BE49-F238E27FC236}">
-                <a16:creationId xmlns:a16="http://schemas.microsoft.com/office/drawing/2014/main" id="{4037F2EA-6259-4F03-A24F-D9F0BDA03CB7}"/>
+                <a16:creationId xmlns:a16="http://schemas.microsoft.com/office/drawing/2014/main" id="{AA329F90-95E6-435C-9118-15AB0CA62966}"/>
               </a:ext>
             </a:extLst>
           </p:cNvPr>
-          <p:cNvSpPr txBox="1"/>
+          <p:cNvSpPr/>
           <p:nvPr/>
         </p:nvSpPr>
         <p:spPr>
-          <a:xfrm>
-            <a:off x="1134351" y="5016732"/>
-            <a:ext cx="10058400" cy="1046440"/>
+          <a:xfrm rot="10800000">
+            <a:off x="6712131" y="759821"/>
+            <a:ext cx="1094388" cy="1601242"/>
           </a:xfrm>
-          <a:prstGeom prst="rect">
-            <a:avLst/>
+          <a:prstGeom prst="leftUpArrow">
+            <a:avLst>
+              <a:gd name="adj1" fmla="val 7296"/>
+              <a:gd name="adj2" fmla="val 9509"/>
+              <a:gd name="adj3" fmla="val 13935"/>
+            </a:avLst>
           </a:prstGeom>
-          <a:noFill/>
+          <a:solidFill>
+            <a:srgbClr val="FF3300"/>
+          </a:solidFill>
         </p:spPr>
-        <p:txBody>
-          <a:bodyPr wrap="square" rtlCol="0">
-            <a:spAutoFit/>
-          </a:bodyPr>
+        <p:style>
+          <a:lnRef idx="3">
+            <a:schemeClr val="lt1"/>
+          </a:lnRef>
+          <a:fillRef idx="1">
+            <a:schemeClr val="accent1"/>
+          </a:fillRef>
+          <a:effectRef idx="1">
+            <a:schemeClr val="accent1"/>
+          </a:effectRef>
+          <a:fontRef idx="minor">
+            <a:schemeClr val="lt1"/>
+          </a:fontRef>
+        </p:style>
+        <p:txBody>
+          <a:bodyPr rtlCol="0" anchor="ctr"/>
           <a:lstStyle/>
           <a:p>
-            <a:r>
-              <a:rPr lang="pt-PT" sz="2400" b="1" dirty="0"/>
-              <a:t>Diana Costa, Gil Cunha e Luís Costa</a:t>
-            </a:r>
-            <a:br>
-              <a:rPr lang="pt-PT" sz="2400" b="1" dirty="0"/>
-            </a:br>
-            <a:endParaRPr lang="pt-PT" sz="2400" b="1" dirty="0"/>
-          </a:p>
-          <a:p>
-            <a:r>
-              <a:rPr lang="pt-PT" sz="1400" dirty="0">
-                <a:solidFill>
-                  <a:schemeClr val="bg1">
-                    <a:lumMod val="50000"/>
-                  </a:schemeClr>
-                </a:solidFill>
-              </a:rPr>
-              <a:t>Orientação de Orlando Belo</a:t>
-            </a:r>
-            <a:endParaRPr lang="pt-PT" b="1" dirty="0">
-              <a:solidFill>
-                <a:schemeClr val="bg1">
-                  <a:lumMod val="50000"/>
-                </a:schemeClr>
-              </a:solidFill>
-              <a:effectLst>
-                <a:outerShdw blurRad="38100" dist="38100" dir="2700000" algn="tl">
-                  <a:srgbClr val="000000">
-                    <a:alpha val="43137"/>
-                  </a:srgbClr>
-                </a:outerShdw>
-              </a:effectLst>
-            </a:endParaRPr>
+            <a:pPr algn="ctr"/>
+            <a:endParaRPr lang="pt-PT"/>
           </a:p>
         </p:txBody>
       </p:sp>
     </p:spTree>
     <p:extLst>
       <p:ext uri="{BB962C8B-B14F-4D97-AF65-F5344CB8AC3E}">
-        <p14:creationId xmlns:p14="http://schemas.microsoft.com/office/powerpoint/2010/main" val="1223688246"/>
+        <p14:creationId xmlns:p14="http://schemas.microsoft.com/office/powerpoint/2010/main" val="1276444743"/>
       </p:ext>
     </p:extLst>
   </p:cSld>
@@ -6199,601 +5114,92 @@
   <p:transition spd="slow">
     <p:cover/>
   </p:transition>
-</p:sld>
-</file>
-
-<file path=ppt/slides/slide10.xml><?xml version="1.0" encoding="utf-8"?>
-<p:sld xmlns:a="http://schemas.openxmlformats.org/drawingml/2006/main" xmlns:r="http://schemas.openxmlformats.org/officeDocument/2006/relationships" xmlns:p="http://schemas.openxmlformats.org/presentationml/2006/main">
-  <p:cSld>
-    <p:spTree>
-      <p:nvGrpSpPr>
-        <p:cNvPr id="1" name=""/>
-        <p:cNvGrpSpPr/>
-        <p:nvPr/>
-      </p:nvGrpSpPr>
-      <p:grpSpPr>
-        <a:xfrm>
-          <a:off x="0" y="0"/>
-          <a:ext cx="0" cy="0"/>
-          <a:chOff x="0" y="0"/>
-          <a:chExt cx="0" cy="0"/>
-        </a:xfrm>
-      </p:grpSpPr>
-      <p:sp>
-        <p:nvSpPr>
-          <p:cNvPr id="2" name="Título 1">
-            <a:extLst>
-              <a:ext uri="{FF2B5EF4-FFF2-40B4-BE49-F238E27FC236}">
-                <a16:creationId xmlns:a16="http://schemas.microsoft.com/office/drawing/2014/main" id="{E7F3627F-344B-4BBB-AE8A-D976F33B76F1}"/>
-              </a:ext>
-            </a:extLst>
-          </p:cNvPr>
-          <p:cNvSpPr>
-            <a:spLocks noGrp="1"/>
-          </p:cNvSpPr>
-          <p:nvPr>
-            <p:ph type="title"/>
-          </p:nvPr>
-        </p:nvSpPr>
-        <p:spPr/>
-        <p:txBody>
-          <a:bodyPr/>
-          <a:lstStyle/>
-          <a:p>
-            <a:r>
-              <a:rPr lang="pt-PT" dirty="0">
-                <a:solidFill>
-                  <a:schemeClr val="bg1">
-                    <a:lumMod val="50000"/>
-                  </a:schemeClr>
-                </a:solidFill>
-              </a:rPr>
-              <a:t>Conclusões</a:t>
-            </a:r>
-          </a:p>
-        </p:txBody>
-      </p:sp>
-      <p:sp>
-        <p:nvSpPr>
-          <p:cNvPr id="3" name="Marcador de Posição de Conteúdo 2">
-            <a:extLst>
-              <a:ext uri="{FF2B5EF4-FFF2-40B4-BE49-F238E27FC236}">
-                <a16:creationId xmlns:a16="http://schemas.microsoft.com/office/drawing/2014/main" id="{8FF2DE50-49B0-47EC-8D7A-0F77D0C69A13}"/>
-              </a:ext>
-            </a:extLst>
-          </p:cNvPr>
-          <p:cNvSpPr>
-            <a:spLocks noGrp="1"/>
-          </p:cNvSpPr>
-          <p:nvPr>
-            <p:ph idx="1"/>
-          </p:nvPr>
-        </p:nvSpPr>
-        <p:spPr>
-          <a:xfrm>
-            <a:off x="1171422" y="1964266"/>
-            <a:ext cx="10058400" cy="4023360"/>
-          </a:xfrm>
-        </p:spPr>
-        <p:txBody>
-          <a:bodyPr>
-            <a:normAutofit/>
-          </a:bodyPr>
-          <a:lstStyle/>
-          <a:p>
-            <a:pPr>
-              <a:buFont typeface="Wingdings" panose="05000000000000000000" pitchFamily="2" charset="2"/>
-              <a:buChar char="q"/>
-            </a:pPr>
-            <a:r>
-              <a:rPr lang="pt-PT" dirty="0"/>
-              <a:t> Tema interessante e fora da área de trabalho comum do grupo.</a:t>
-            </a:r>
-          </a:p>
-          <a:p>
-            <a:pPr>
-              <a:buFont typeface="Wingdings" panose="05000000000000000000" pitchFamily="2" charset="2"/>
-              <a:buChar char="q"/>
-            </a:pPr>
-            <a:r>
-              <a:rPr lang="pt-PT" dirty="0"/>
-              <a:t> Nesta fase:</a:t>
-            </a:r>
-          </a:p>
-          <a:p>
-            <a:pPr lvl="1">
-              <a:buFont typeface="Wingdings" panose="05000000000000000000" pitchFamily="2" charset="2"/>
-              <a:buChar char="q"/>
-            </a:pPr>
-            <a:r>
-              <a:rPr lang="pt-PT" dirty="0"/>
-              <a:t> Constituição da base de conhecimento para as falas do diálogo (em constante alteração);</a:t>
-            </a:r>
-          </a:p>
-          <a:p>
-            <a:pPr lvl="1">
-              <a:buFont typeface="Wingdings" panose="05000000000000000000" pitchFamily="2" charset="2"/>
-              <a:buChar char="q"/>
-            </a:pPr>
-            <a:r>
-              <a:rPr lang="pt-PT" dirty="0"/>
-              <a:t> Geração autónoma de frases;</a:t>
-            </a:r>
-          </a:p>
-          <a:p>
-            <a:pPr lvl="1">
-              <a:buFont typeface="Wingdings" panose="05000000000000000000" pitchFamily="2" charset="2"/>
-              <a:buChar char="q"/>
-            </a:pPr>
-            <a:r>
-              <a:rPr lang="pt-PT" dirty="0"/>
-              <a:t> Configuração do padrão (em constante alteração);</a:t>
-            </a:r>
-          </a:p>
-          <a:p>
-            <a:pPr lvl="1">
-              <a:buFont typeface="Wingdings" panose="05000000000000000000" pitchFamily="2" charset="2"/>
-              <a:buChar char="q"/>
-            </a:pPr>
-            <a:r>
-              <a:rPr lang="pt-PT" dirty="0"/>
-              <a:t> Desenvolvimento do analisador do padrão;</a:t>
-            </a:r>
-          </a:p>
-          <a:p>
-            <a:pPr lvl="1">
-              <a:buFont typeface="Wingdings" panose="05000000000000000000" pitchFamily="2" charset="2"/>
-              <a:buChar char="q"/>
-            </a:pPr>
-            <a:r>
-              <a:rPr lang="pt-PT" dirty="0"/>
-              <a:t> Desenvolvimento do motor de regras.</a:t>
-            </a:r>
-          </a:p>
-          <a:p>
-            <a:pPr marL="201168" lvl="1" indent="0">
-              <a:buNone/>
-            </a:pPr>
-            <a:endParaRPr lang="pt-PT" dirty="0"/>
-          </a:p>
-        </p:txBody>
-      </p:sp>
-    </p:spTree>
-    <p:extLst>
-      <p:ext uri="{BB962C8B-B14F-4D97-AF65-F5344CB8AC3E}">
-        <p14:creationId xmlns:p14="http://schemas.microsoft.com/office/powerpoint/2010/main" val="2408894607"/>
-      </p:ext>
-    </p:extLst>
-  </p:cSld>
-  <p:clrMapOvr>
-    <a:masterClrMapping/>
-  </p:clrMapOvr>
-  <p:transition spd="slow">
-    <p:cover/>
-  </p:transition>
-</p:sld>
-</file>
-
-<file path=ppt/slides/slide11.xml><?xml version="1.0" encoding="utf-8"?>
-<p:sld xmlns:a="http://schemas.openxmlformats.org/drawingml/2006/main" xmlns:r="http://schemas.openxmlformats.org/officeDocument/2006/relationships" xmlns:p="http://schemas.openxmlformats.org/presentationml/2006/main">
-  <p:cSld>
-    <p:spTree>
-      <p:nvGrpSpPr>
-        <p:cNvPr id="1" name=""/>
-        <p:cNvGrpSpPr/>
-        <p:nvPr/>
-      </p:nvGrpSpPr>
-      <p:grpSpPr>
-        <a:xfrm>
-          <a:off x="0" y="0"/>
-          <a:ext cx="0" cy="0"/>
-          <a:chOff x="0" y="0"/>
-          <a:chExt cx="0" cy="0"/>
-        </a:xfrm>
-      </p:grpSpPr>
-      <p:sp>
-        <p:nvSpPr>
-          <p:cNvPr id="2" name="Título 1">
-            <a:extLst>
-              <a:ext uri="{FF2B5EF4-FFF2-40B4-BE49-F238E27FC236}">
-                <a16:creationId xmlns:a16="http://schemas.microsoft.com/office/drawing/2014/main" id="{E7F3627F-344B-4BBB-AE8A-D976F33B76F1}"/>
-              </a:ext>
-            </a:extLst>
-          </p:cNvPr>
-          <p:cNvSpPr>
-            <a:spLocks noGrp="1"/>
-          </p:cNvSpPr>
-          <p:nvPr>
-            <p:ph type="title"/>
-          </p:nvPr>
-        </p:nvSpPr>
-        <p:spPr/>
-        <p:txBody>
-          <a:bodyPr/>
-          <a:lstStyle/>
-          <a:p>
-            <a:r>
-              <a:rPr lang="pt-PT" dirty="0">
-                <a:solidFill>
-                  <a:schemeClr val="bg1">
-                    <a:lumMod val="50000"/>
-                  </a:schemeClr>
-                </a:solidFill>
-              </a:rPr>
-              <a:t>Trabalho Futuro</a:t>
-            </a:r>
-          </a:p>
-        </p:txBody>
-      </p:sp>
-      <p:sp>
-        <p:nvSpPr>
-          <p:cNvPr id="3" name="Marcador de Posição de Conteúdo 2">
-            <a:extLst>
-              <a:ext uri="{FF2B5EF4-FFF2-40B4-BE49-F238E27FC236}">
-                <a16:creationId xmlns:a16="http://schemas.microsoft.com/office/drawing/2014/main" id="{8FF2DE50-49B0-47EC-8D7A-0F77D0C69A13}"/>
-              </a:ext>
-            </a:extLst>
-          </p:cNvPr>
-          <p:cNvSpPr>
-            <a:spLocks noGrp="1"/>
-          </p:cNvSpPr>
-          <p:nvPr>
-            <p:ph idx="1"/>
-          </p:nvPr>
-        </p:nvSpPr>
-        <p:spPr>
-          <a:xfrm>
-            <a:off x="1208493" y="1964266"/>
-            <a:ext cx="10058400" cy="4023360"/>
-          </a:xfrm>
-        </p:spPr>
-        <p:txBody>
-          <a:bodyPr>
-            <a:normAutofit/>
-          </a:bodyPr>
-          <a:lstStyle/>
-          <a:p>
-            <a:pPr>
-              <a:buFont typeface="Wingdings" panose="05000000000000000000" pitchFamily="2" charset="2"/>
-              <a:buChar char="q"/>
-            </a:pPr>
-            <a:r>
-              <a:rPr lang="pt-PT" dirty="0"/>
-              <a:t> Esboço da árvore de decisão.</a:t>
-            </a:r>
-          </a:p>
-          <a:p>
-            <a:pPr>
-              <a:buFont typeface="Wingdings" panose="05000000000000000000" pitchFamily="2" charset="2"/>
-              <a:buChar char="q"/>
-            </a:pPr>
-            <a:r>
-              <a:rPr lang="pt-PT" dirty="0"/>
-              <a:t> Adição e aprimoramento de regras ao motor.</a:t>
-            </a:r>
-          </a:p>
-          <a:p>
-            <a:pPr>
-              <a:buFont typeface="Wingdings" panose="05000000000000000000" pitchFamily="2" charset="2"/>
-              <a:buChar char="q"/>
-            </a:pPr>
-            <a:r>
-              <a:rPr lang="pt-PT" dirty="0"/>
-              <a:t> Continuação do desenvolvimento do sistema atual.</a:t>
-            </a:r>
-          </a:p>
-        </p:txBody>
-      </p:sp>
-    </p:spTree>
-    <p:extLst>
-      <p:ext uri="{BB962C8B-B14F-4D97-AF65-F5344CB8AC3E}">
-        <p14:creationId xmlns:p14="http://schemas.microsoft.com/office/powerpoint/2010/main" val="2191826000"/>
-      </p:ext>
-    </p:extLst>
-  </p:cSld>
-  <p:clrMapOvr>
-    <a:masterClrMapping/>
-  </p:clrMapOvr>
-  <p:transition spd="slow">
-    <p:cover/>
-  </p:transition>
-</p:sld>
-</file>
-
-<file path=ppt/slides/slide12.xml><?xml version="1.0" encoding="utf-8"?>
-<p:sld xmlns:a="http://schemas.openxmlformats.org/drawingml/2006/main" xmlns:r="http://schemas.openxmlformats.org/officeDocument/2006/relationships" xmlns:p="http://schemas.openxmlformats.org/presentationml/2006/main">
-  <p:cSld>
-    <p:spTree>
-      <p:nvGrpSpPr>
-        <p:cNvPr id="1" name=""/>
-        <p:cNvGrpSpPr/>
-        <p:nvPr/>
-      </p:nvGrpSpPr>
-      <p:grpSpPr>
-        <a:xfrm>
-          <a:off x="0" y="0"/>
-          <a:ext cx="0" cy="0"/>
-          <a:chOff x="0" y="0"/>
-          <a:chExt cx="0" cy="0"/>
-        </a:xfrm>
-      </p:grpSpPr>
-      <p:sp>
-        <p:nvSpPr>
-          <p:cNvPr id="2" name="Título 1">
-            <a:extLst>
-              <a:ext uri="{FF2B5EF4-FFF2-40B4-BE49-F238E27FC236}">
-                <a16:creationId xmlns:a16="http://schemas.microsoft.com/office/drawing/2014/main" id="{7C25BD2A-223B-4886-95F6-197166A45D44}"/>
-              </a:ext>
-            </a:extLst>
-          </p:cNvPr>
-          <p:cNvSpPr>
-            <a:spLocks noGrp="1"/>
-          </p:cNvSpPr>
-          <p:nvPr>
-            <p:ph type="ctrTitle"/>
-          </p:nvPr>
-        </p:nvSpPr>
-        <p:spPr>
-          <a:xfrm>
-            <a:off x="1060209" y="165822"/>
-            <a:ext cx="10058400" cy="3566160"/>
-          </a:xfrm>
-        </p:spPr>
-        <p:txBody>
-          <a:bodyPr>
-            <a:normAutofit/>
-          </a:bodyPr>
-          <a:lstStyle/>
-          <a:p>
-            <a:r>
-              <a:rPr lang="pt-PT" sz="4800" b="1" dirty="0">
-                <a:solidFill>
-                  <a:schemeClr val="bg1">
-                    <a:lumMod val="50000"/>
-                  </a:schemeClr>
-                </a:solidFill>
-              </a:rPr>
-              <a:t>Conceção e Implementação de um Gestor de Diálogos para um Tutor Artificial</a:t>
-            </a:r>
-            <a:endParaRPr lang="pt-PT" sz="4800" b="1" dirty="0"/>
-          </a:p>
-        </p:txBody>
-      </p:sp>
-      <p:sp>
-        <p:nvSpPr>
-          <p:cNvPr id="3" name="Subtítulo 2">
-            <a:extLst>
-              <a:ext uri="{FF2B5EF4-FFF2-40B4-BE49-F238E27FC236}">
-                <a16:creationId xmlns:a16="http://schemas.microsoft.com/office/drawing/2014/main" id="{524F64DE-3061-42FD-9E5E-390B7D127416}"/>
-              </a:ext>
-            </a:extLst>
-          </p:cNvPr>
-          <p:cNvSpPr>
-            <a:spLocks noGrp="1"/>
-          </p:cNvSpPr>
-          <p:nvPr>
-            <p:ph type="subTitle" idx="1"/>
-          </p:nvPr>
-        </p:nvSpPr>
-        <p:spPr>
-          <a:xfrm>
-            <a:off x="1100051" y="4356761"/>
-            <a:ext cx="10058400" cy="1143000"/>
-          </a:xfrm>
-        </p:spPr>
-        <p:txBody>
-          <a:bodyPr>
-            <a:normAutofit/>
-          </a:bodyPr>
-          <a:lstStyle/>
-          <a:p>
-            <a:pPr algn="r"/>
-            <a:r>
-              <a:rPr lang="pt-PT" cap="none" dirty="0"/>
-              <a:t>A Iniciativa LEONARDO</a:t>
-            </a:r>
-            <a:endParaRPr lang="pt-PT" dirty="0"/>
-          </a:p>
-        </p:txBody>
-      </p:sp>
-      <p:pic>
-        <p:nvPicPr>
-          <p:cNvPr id="8" name="Imagem 7" descr="EENG">
-            <a:extLst>
-              <a:ext uri="{FF2B5EF4-FFF2-40B4-BE49-F238E27FC236}">
-                <a16:creationId xmlns:a16="http://schemas.microsoft.com/office/drawing/2014/main" id="{D47250D0-4D50-410E-8522-6DAD62A9D283}"/>
-              </a:ext>
-            </a:extLst>
-          </p:cNvPr>
-          <p:cNvPicPr/>
-          <p:nvPr/>
-        </p:nvPicPr>
-        <p:blipFill>
-          <a:blip r:embed="rId3" cstate="screen">
-            <a:extLst>
-              <a:ext uri="{28A0092B-C50C-407E-A947-70E740481C1C}">
-                <a14:useLocalDpi xmlns:a14="http://schemas.microsoft.com/office/drawing/2010/main"/>
-              </a:ext>
-            </a:extLst>
-          </a:blip>
-          <a:srcRect/>
-          <a:stretch>
-            <a:fillRect/>
-          </a:stretch>
-        </p:blipFill>
-        <p:spPr bwMode="auto">
-          <a:xfrm>
-            <a:off x="162696" y="167503"/>
-            <a:ext cx="2097179" cy="1587298"/>
-          </a:xfrm>
-          <a:prstGeom prst="rect">
-            <a:avLst/>
-          </a:prstGeom>
-          <a:noFill/>
-          <a:ln w="9525">
-            <a:noFill/>
-            <a:miter lim="800000"/>
-            <a:headEnd/>
-            <a:tailEnd/>
-          </a:ln>
-        </p:spPr>
-      </p:pic>
-      <p:sp>
-        <p:nvSpPr>
-          <p:cNvPr id="9" name="CaixaDeTexto 8">
-            <a:extLst>
-              <a:ext uri="{FF2B5EF4-FFF2-40B4-BE49-F238E27FC236}">
-                <a16:creationId xmlns:a16="http://schemas.microsoft.com/office/drawing/2014/main" id="{C4C8927B-E775-4EF3-B23F-1E60433416E8}"/>
-              </a:ext>
-            </a:extLst>
-          </p:cNvPr>
-          <p:cNvSpPr txBox="1"/>
-          <p:nvPr/>
-        </p:nvSpPr>
-        <p:spPr>
-          <a:xfrm>
-            <a:off x="3001280" y="204747"/>
-            <a:ext cx="6080935" cy="1200329"/>
-          </a:xfrm>
-          <a:prstGeom prst="rect">
-            <a:avLst/>
-          </a:prstGeom>
-          <a:noFill/>
-        </p:spPr>
-        <p:txBody>
-          <a:bodyPr wrap="square" rtlCol="0">
-            <a:spAutoFit/>
-          </a:bodyPr>
-          <a:lstStyle/>
-          <a:p>
-            <a:pPr hangingPunct="0"/>
-            <a:r>
-              <a:rPr lang="pt-PT" dirty="0">
-                <a:solidFill>
-                  <a:schemeClr val="bg1">
-                    <a:lumMod val="50000"/>
-                  </a:schemeClr>
-                </a:solidFill>
-              </a:rPr>
-              <a:t>Mestrado Integrado em Engenharia Informática</a:t>
-            </a:r>
-          </a:p>
-          <a:p>
-            <a:pPr hangingPunct="0"/>
-            <a:r>
-              <a:rPr lang="pt-PT" dirty="0">
-                <a:solidFill>
-                  <a:schemeClr val="bg1">
-                    <a:lumMod val="50000"/>
-                  </a:schemeClr>
-                </a:solidFill>
-              </a:rPr>
-              <a:t>Unidade Curricular de Laboratório de Engenharia Informática</a:t>
-            </a:r>
-          </a:p>
-          <a:p>
-            <a:pPr hangingPunct="0"/>
-            <a:endParaRPr lang="pt-PT" dirty="0">
-              <a:solidFill>
-                <a:schemeClr val="bg1">
-                  <a:lumMod val="50000"/>
-                </a:schemeClr>
-              </a:solidFill>
-            </a:endParaRPr>
-          </a:p>
-          <a:p>
-            <a:pPr hangingPunct="0"/>
-            <a:r>
-              <a:rPr lang="pt-PT" dirty="0">
-                <a:solidFill>
-                  <a:schemeClr val="bg1">
-                    <a:lumMod val="50000"/>
-                  </a:schemeClr>
-                </a:solidFill>
-              </a:rPr>
-              <a:t>Março de 2019</a:t>
-            </a:r>
-          </a:p>
-        </p:txBody>
-      </p:sp>
-      <p:sp>
-        <p:nvSpPr>
-          <p:cNvPr id="10" name="CaixaDeTexto 9">
-            <a:extLst>
-              <a:ext uri="{FF2B5EF4-FFF2-40B4-BE49-F238E27FC236}">
-                <a16:creationId xmlns:a16="http://schemas.microsoft.com/office/drawing/2014/main" id="{4037F2EA-6259-4F03-A24F-D9F0BDA03CB7}"/>
-              </a:ext>
-            </a:extLst>
-          </p:cNvPr>
-          <p:cNvSpPr txBox="1"/>
-          <p:nvPr/>
-        </p:nvSpPr>
-        <p:spPr>
-          <a:xfrm>
-            <a:off x="1134351" y="5016732"/>
-            <a:ext cx="10058400" cy="1046440"/>
-          </a:xfrm>
-          <a:prstGeom prst="rect">
-            <a:avLst/>
-          </a:prstGeom>
-          <a:noFill/>
-        </p:spPr>
-        <p:txBody>
-          <a:bodyPr wrap="square" rtlCol="0">
-            <a:spAutoFit/>
-          </a:bodyPr>
-          <a:lstStyle/>
-          <a:p>
-            <a:r>
-              <a:rPr lang="pt-PT" sz="2400" b="1" dirty="0"/>
-              <a:t>Diana Costa, Gil Cunha e Luís Costa</a:t>
-            </a:r>
-            <a:br>
-              <a:rPr lang="pt-PT" sz="2400" b="1" dirty="0"/>
-            </a:br>
-            <a:endParaRPr lang="pt-PT" sz="2400" b="1" dirty="0"/>
-          </a:p>
-          <a:p>
-            <a:r>
-              <a:rPr lang="pt-PT" sz="1400" dirty="0">
-                <a:solidFill>
-                  <a:schemeClr val="bg1">
-                    <a:lumMod val="50000"/>
-                  </a:schemeClr>
-                </a:solidFill>
-              </a:rPr>
-              <a:t>Orientação de Orlando Belo</a:t>
-            </a:r>
-            <a:endParaRPr lang="pt-PT" b="1" dirty="0">
-              <a:solidFill>
-                <a:schemeClr val="bg1">
-                  <a:lumMod val="50000"/>
-                </a:schemeClr>
-              </a:solidFill>
-              <a:effectLst>
-                <a:outerShdw blurRad="38100" dist="38100" dir="2700000" algn="tl">
-                  <a:srgbClr val="000000">
-                    <a:alpha val="43137"/>
-                  </a:srgbClr>
-                </a:outerShdw>
-              </a:effectLst>
-            </a:endParaRPr>
-          </a:p>
-        </p:txBody>
-      </p:sp>
-    </p:spTree>
-    <p:extLst>
-      <p:ext uri="{BB962C8B-B14F-4D97-AF65-F5344CB8AC3E}">
-        <p14:creationId xmlns:p14="http://schemas.microsoft.com/office/powerpoint/2010/main" val="615748169"/>
-      </p:ext>
-    </p:extLst>
-  </p:cSld>
-  <p:clrMapOvr>
-    <a:masterClrMapping/>
-  </p:clrMapOvr>
-  <p:transition spd="slow">
-    <p:cover/>
-  </p:transition>
+  <p:timing>
+    <p:tnLst>
+      <p:par>
+        <p:cTn id="1" dur="indefinite" restart="never" nodeType="tmRoot">
+          <p:childTnLst>
+            <p:seq concurrent="1" nextAc="seek">
+              <p:cTn id="2" dur="indefinite" nodeType="mainSeq">
+                <p:childTnLst>
+                  <p:par>
+                    <p:cTn id="3" fill="hold">
+                      <p:stCondLst>
+                        <p:cond delay="indefinite"/>
+                      </p:stCondLst>
+                      <p:childTnLst>
+                        <p:par>
+                          <p:cTn id="4" fill="hold">
+                            <p:stCondLst>
+                              <p:cond delay="0"/>
+                            </p:stCondLst>
+                            <p:childTnLst>
+                              <p:par>
+                                <p:cTn id="5" presetID="10" presetClass="entr" presetSubtype="0" fill="hold" grpId="0" nodeType="clickEffect">
+                                  <p:stCondLst>
+                                    <p:cond delay="0"/>
+                                  </p:stCondLst>
+                                  <p:childTnLst>
+                                    <p:set>
+                                      <p:cBhvr>
+                                        <p:cTn id="6" dur="1" fill="hold">
+                                          <p:stCondLst>
+                                            <p:cond delay="0"/>
+                                          </p:stCondLst>
+                                        </p:cTn>
+                                        <p:tgtEl>
+                                          <p:spTgt spid="17"/>
+                                        </p:tgtEl>
+                                        <p:attrNameLst>
+                                          <p:attrName>style.visibility</p:attrName>
+                                        </p:attrNameLst>
+                                      </p:cBhvr>
+                                      <p:to>
+                                        <p:strVal val="visible"/>
+                                      </p:to>
+                                    </p:set>
+                                    <p:animEffect transition="in" filter="fade">
+                                      <p:cBhvr>
+                                        <p:cTn id="7" dur="500"/>
+                                        <p:tgtEl>
+                                          <p:spTgt spid="17"/>
+                                        </p:tgtEl>
+                                      </p:cBhvr>
+                                    </p:animEffect>
+                                  </p:childTnLst>
+                                </p:cTn>
+                              </p:par>
+                            </p:childTnLst>
+                          </p:cTn>
+                        </p:par>
+                      </p:childTnLst>
+                    </p:cTn>
+                  </p:par>
+                </p:childTnLst>
+              </p:cTn>
+              <p:prevCondLst>
+                <p:cond evt="onPrev" delay="0">
+                  <p:tgtEl>
+                    <p:sldTgt/>
+                  </p:tgtEl>
+                </p:cond>
+              </p:prevCondLst>
+              <p:nextCondLst>
+                <p:cond evt="onNext" delay="0">
+                  <p:tgtEl>
+                    <p:sldTgt/>
+                  </p:tgtEl>
+                </p:cond>
+              </p:nextCondLst>
+            </p:seq>
+          </p:childTnLst>
+        </p:cTn>
+      </p:par>
+    </p:tnLst>
+    <p:bldLst>
+      <p:bldP spid="17" grpId="0" animBg="1"/>
+    </p:bldLst>
+  </p:timing>
 </p:sld>
 </file>
 
@@ -6819,7 +5225,7 @@
           <p:cNvPr id="2" name="Título 1">
             <a:extLst>
               <a:ext uri="{FF2B5EF4-FFF2-40B4-BE49-F238E27FC236}">
-                <a16:creationId xmlns:a16="http://schemas.microsoft.com/office/drawing/2014/main" id="{5C20F771-AF31-4EEC-ABD2-41F5084655DE}"/>
+                <a16:creationId xmlns:a16="http://schemas.microsoft.com/office/drawing/2014/main" id="{C9DA4474-206D-415E-90A2-22F6698BD392}"/>
               </a:ext>
             </a:extLst>
           </p:cNvPr>
@@ -6843,102 +5249,351 @@
                   </a:schemeClr>
                 </a:solidFill>
               </a:rPr>
-              <a:t>Estrutura da Apresentação</a:t>
-            </a:r>
-          </a:p>
-        </p:txBody>
-      </p:sp>
-      <p:sp>
-        <p:nvSpPr>
-          <p:cNvPr id="3" name="Marcador de Posição de Conteúdo 2">
+              <a:t>Conceção e Implementação do Sistema</a:t>
+            </a:r>
+          </a:p>
+        </p:txBody>
+      </p:sp>
+      <p:pic>
+        <p:nvPicPr>
+          <p:cNvPr id="5" name="Imagem 4">
             <a:extLst>
               <a:ext uri="{FF2B5EF4-FFF2-40B4-BE49-F238E27FC236}">
-                <a16:creationId xmlns:a16="http://schemas.microsoft.com/office/drawing/2014/main" id="{31943E7B-9CF1-4EA1-9275-257EF8B743C1}"/>
+                <a16:creationId xmlns:a16="http://schemas.microsoft.com/office/drawing/2014/main" id="{A071BA8A-8BE0-477E-BBFF-00AE52C4F5FC}"/>
               </a:ext>
             </a:extLst>
           </p:cNvPr>
-          <p:cNvSpPr>
-            <a:spLocks noGrp="1"/>
-          </p:cNvSpPr>
-          <p:nvPr>
-            <p:ph idx="1"/>
-          </p:nvPr>
-        </p:nvSpPr>
+          <p:cNvPicPr>
+            <a:picLocks noChangeAspect="1"/>
+          </p:cNvPicPr>
+          <p:nvPr/>
+        </p:nvPicPr>
+        <p:blipFill>
+          <a:blip r:embed="rId3">
+            <a:extLst>
+              <a:ext uri="{28A0092B-C50C-407E-A947-70E740481C1C}">
+                <a14:useLocalDpi xmlns:a14="http://schemas.microsoft.com/office/drawing/2010/main" val="0"/>
+              </a:ext>
+            </a:extLst>
+          </a:blip>
+          <a:stretch>
+            <a:fillRect/>
+          </a:stretch>
+        </p:blipFill>
         <p:spPr>
           <a:xfrm>
-            <a:off x="1097280" y="1930884"/>
-            <a:ext cx="10058400" cy="4023360"/>
+            <a:off x="2479248" y="3444826"/>
+            <a:ext cx="7294464" cy="2807550"/>
+          </a:xfrm>
+          <a:prstGeom prst="rect">
+            <a:avLst/>
+          </a:prstGeom>
+        </p:spPr>
+      </p:pic>
+      <p:sp>
+        <p:nvSpPr>
+          <p:cNvPr id="7" name="Marcador de Posição de Conteúdo 2">
+            <a:extLst>
+              <a:ext uri="{FF2B5EF4-FFF2-40B4-BE49-F238E27FC236}">
+                <a16:creationId xmlns:a16="http://schemas.microsoft.com/office/drawing/2014/main" id="{3EC6D872-E846-4670-BF08-540C59BD27FC}"/>
+              </a:ext>
+            </a:extLst>
+          </p:cNvPr>
+          <p:cNvSpPr>
+            <a:spLocks noGrp="1"/>
+          </p:cNvSpPr>
+          <p:nvPr>
+            <p:ph idx="1"/>
+          </p:nvPr>
+        </p:nvSpPr>
+        <p:spPr>
+          <a:xfrm>
+            <a:off x="1097280" y="1930401"/>
+            <a:ext cx="10058400" cy="1450757"/>
           </a:xfrm>
         </p:spPr>
         <p:txBody>
-          <a:bodyPr/>
+          <a:bodyPr>
+            <a:normAutofit fontScale="85000" lnSpcReduction="20000"/>
+          </a:bodyPr>
           <a:lstStyle/>
+          <a:p>
+            <a:pPr>
+              <a:lnSpc>
+                <a:spcPct val="110000"/>
+              </a:lnSpc>
+              <a:buFont typeface="Wingdings" panose="05000000000000000000" pitchFamily="2" charset="2"/>
+              <a:buChar char="q"/>
+            </a:pPr>
+            <a:r>
+              <a:rPr lang="pt-PT" dirty="0"/>
+              <a:t> Funcionalidade por subcomponente:</a:t>
+            </a:r>
+          </a:p>
+          <a:p>
+            <a:pPr lvl="1">
+              <a:lnSpc>
+                <a:spcPct val="110000"/>
+              </a:lnSpc>
+              <a:buFont typeface="Wingdings" panose="05000000000000000000" pitchFamily="2" charset="2"/>
+              <a:buChar char="q"/>
+            </a:pPr>
+            <a:r>
+              <a:rPr lang="pt-PT" dirty="0"/>
+              <a:t> </a:t>
+            </a:r>
+            <a:r>
+              <a:rPr lang="pt-PT" b="1" dirty="0"/>
+              <a:t>Análise do Padrão</a:t>
+            </a:r>
+            <a:r>
+              <a:rPr lang="pt-PT" dirty="0"/>
+              <a:t>: Analisar padrão vindo de outra componente e extração/conversão de informação útil;</a:t>
+            </a:r>
+          </a:p>
+          <a:p>
+            <a:pPr lvl="1">
+              <a:lnSpc>
+                <a:spcPct val="110000"/>
+              </a:lnSpc>
+              <a:buFont typeface="Wingdings" panose="05000000000000000000" pitchFamily="2" charset="2"/>
+              <a:buChar char="q"/>
+            </a:pPr>
+            <a:r>
+              <a:rPr lang="pt-PT" dirty="0"/>
+              <a:t> </a:t>
+            </a:r>
+            <a:r>
+              <a:rPr lang="pt-PT" b="1" dirty="0"/>
+              <a:t>Motor de Regras: </a:t>
+            </a:r>
+            <a:r>
+              <a:rPr lang="pt-PT" dirty="0"/>
+              <a:t>Análise de dados provenientes do padrão e realização de testes, comparando esses dados com as condições das regras, do motor de regras;</a:t>
+            </a:r>
+          </a:p>
+          <a:p>
+            <a:pPr lvl="1">
+              <a:lnSpc>
+                <a:spcPct val="110000"/>
+              </a:lnSpc>
+              <a:buFont typeface="Wingdings" panose="05000000000000000000" pitchFamily="2" charset="2"/>
+              <a:buChar char="q"/>
+            </a:pPr>
+            <a:r>
+              <a:rPr lang="pt-PT" dirty="0"/>
+              <a:t> </a:t>
+            </a:r>
+            <a:r>
+              <a:rPr lang="pt-PT" b="1" dirty="0"/>
+              <a:t>Seleção de Diálogo: </a:t>
+            </a:r>
+            <a:r>
+              <a:rPr lang="pt-PT" dirty="0"/>
+              <a:t>Através das estruturas de decisão, selecionar qual a frase a enviar ao utilizador.</a:t>
+            </a:r>
+          </a:p>
           <a:p>
             <a:pPr>
               <a:buFont typeface="Wingdings" panose="05000000000000000000" pitchFamily="2" charset="2"/>
               <a:buChar char="q"/>
             </a:pPr>
-            <a:r>
-              <a:rPr lang="pt-PT" dirty="0"/>
-              <a:t> Contextualização</a:t>
-            </a:r>
-          </a:p>
-          <a:p>
-            <a:pPr>
-              <a:buFont typeface="Wingdings" panose="05000000000000000000" pitchFamily="2" charset="2"/>
-              <a:buChar char="q"/>
-            </a:pPr>
-            <a:r>
-              <a:rPr lang="pt-PT" dirty="0"/>
-              <a:t> Motivação</a:t>
-            </a:r>
-          </a:p>
-          <a:p>
-            <a:pPr>
-              <a:buFont typeface="Wingdings" panose="05000000000000000000" pitchFamily="2" charset="2"/>
-              <a:buChar char="q"/>
-            </a:pPr>
-            <a:r>
-              <a:rPr lang="pt-PT" dirty="0"/>
-              <a:t> Objetivos</a:t>
-            </a:r>
-          </a:p>
-          <a:p>
-            <a:pPr>
-              <a:buFont typeface="Wingdings" panose="05000000000000000000" pitchFamily="2" charset="2"/>
-              <a:buChar char="q"/>
-            </a:pPr>
-            <a:r>
-              <a:rPr lang="pt-PT" dirty="0"/>
-              <a:t> Apresentação do Componente</a:t>
-            </a:r>
-          </a:p>
-          <a:p>
-            <a:pPr>
-              <a:buFont typeface="Wingdings" panose="05000000000000000000" pitchFamily="2" charset="2"/>
-              <a:buChar char="q"/>
-            </a:pPr>
-            <a:r>
-              <a:rPr lang="pt-PT" dirty="0"/>
-              <a:t> Ferramentas utilizadas</a:t>
-            </a:r>
-          </a:p>
-          <a:p>
-            <a:pPr>
-              <a:buFont typeface="Wingdings" panose="05000000000000000000" pitchFamily="2" charset="2"/>
-              <a:buChar char="q"/>
-            </a:pPr>
-            <a:r>
-              <a:rPr lang="pt-PT" dirty="0"/>
-              <a:t> Conclusão e Trabalho Futuro</a:t>
-            </a:r>
+            <a:endParaRPr lang="pt-PT" dirty="0"/>
+          </a:p>
+        </p:txBody>
+      </p:sp>
+      <p:sp>
+        <p:nvSpPr>
+          <p:cNvPr id="8" name="Oval 7">
+            <a:extLst>
+              <a:ext uri="{FF2B5EF4-FFF2-40B4-BE49-F238E27FC236}">
+                <a16:creationId xmlns:a16="http://schemas.microsoft.com/office/drawing/2014/main" id="{CAA34BE3-7154-4936-AE39-4CF930C6DFC5}"/>
+              </a:ext>
+            </a:extLst>
+          </p:cNvPr>
+          <p:cNvSpPr/>
+          <p:nvPr/>
+        </p:nvSpPr>
+        <p:spPr>
+          <a:xfrm>
+            <a:off x="10188582" y="3930555"/>
+            <a:ext cx="1381578" cy="1351128"/>
+          </a:xfrm>
+          <a:prstGeom prst="ellipse">
+            <a:avLst/>
+          </a:prstGeom>
+        </p:spPr>
+        <p:style>
+          <a:lnRef idx="3">
+            <a:schemeClr val="lt1"/>
+          </a:lnRef>
+          <a:fillRef idx="1">
+            <a:schemeClr val="accent1"/>
+          </a:fillRef>
+          <a:effectRef idx="1">
+            <a:schemeClr val="accent1"/>
+          </a:effectRef>
+          <a:fontRef idx="minor">
+            <a:schemeClr val="lt1"/>
+          </a:fontRef>
+        </p:style>
+        <p:txBody>
+          <a:bodyPr rtlCol="0" anchor="ctr"/>
+          <a:lstStyle/>
+          <a:p>
+            <a:pPr algn="ctr"/>
+            <a:endParaRPr lang="pt-PT"/>
+          </a:p>
+        </p:txBody>
+      </p:sp>
+      <p:sp>
+        <p:nvSpPr>
+          <p:cNvPr id="4" name="Retângulo 3">
+            <a:extLst>
+              <a:ext uri="{FF2B5EF4-FFF2-40B4-BE49-F238E27FC236}">
+                <a16:creationId xmlns:a16="http://schemas.microsoft.com/office/drawing/2014/main" id="{DAA9AF42-AD52-4341-8234-74FD665058A9}"/>
+              </a:ext>
+            </a:extLst>
+          </p:cNvPr>
+          <p:cNvSpPr/>
+          <p:nvPr/>
+        </p:nvSpPr>
+        <p:spPr>
+          <a:xfrm>
+            <a:off x="10372373" y="4421453"/>
+            <a:ext cx="1013996" cy="369332"/>
+          </a:xfrm>
+          <a:prstGeom prst="rect">
+            <a:avLst/>
+          </a:prstGeom>
+        </p:spPr>
+        <p:txBody>
+          <a:bodyPr wrap="none">
+            <a:spAutoFit/>
+          </a:bodyPr>
+          <a:lstStyle/>
+          <a:p>
+            <a:r>
+              <a:rPr lang="pt-PT" i="1" dirty="0">
+                <a:solidFill>
+                  <a:schemeClr val="bg1"/>
+                </a:solidFill>
+                <a:effectLst>
+                  <a:outerShdw blurRad="38100" dist="38100" dir="2700000" algn="tl">
+                    <a:srgbClr val="000000">
+                      <a:alpha val="43137"/>
+                    </a:srgbClr>
+                  </a:outerShdw>
+                </a:effectLst>
+              </a:rPr>
+              <a:t>Interface</a:t>
+            </a:r>
+            <a:endParaRPr lang="pt-PT" dirty="0">
+              <a:solidFill>
+                <a:schemeClr val="bg1"/>
+              </a:solidFill>
+            </a:endParaRPr>
+          </a:p>
+        </p:txBody>
+      </p:sp>
+      <p:sp>
+        <p:nvSpPr>
+          <p:cNvPr id="9" name="Oval 8">
+            <a:extLst>
+              <a:ext uri="{FF2B5EF4-FFF2-40B4-BE49-F238E27FC236}">
+                <a16:creationId xmlns:a16="http://schemas.microsoft.com/office/drawing/2014/main" id="{D76E3B00-DDD2-4A26-9F94-9C21B6D94724}"/>
+              </a:ext>
+            </a:extLst>
+          </p:cNvPr>
+          <p:cNvSpPr/>
+          <p:nvPr/>
+        </p:nvSpPr>
+        <p:spPr>
+          <a:xfrm>
+            <a:off x="682800" y="3930555"/>
+            <a:ext cx="1381578" cy="1351128"/>
+          </a:xfrm>
+          <a:prstGeom prst="ellipse">
+            <a:avLst/>
+          </a:prstGeom>
+        </p:spPr>
+        <p:style>
+          <a:lnRef idx="3">
+            <a:schemeClr val="lt1"/>
+          </a:lnRef>
+          <a:fillRef idx="1">
+            <a:schemeClr val="accent1"/>
+          </a:fillRef>
+          <a:effectRef idx="1">
+            <a:schemeClr val="accent1"/>
+          </a:effectRef>
+          <a:fontRef idx="minor">
+            <a:schemeClr val="lt1"/>
+          </a:fontRef>
+        </p:style>
+        <p:txBody>
+          <a:bodyPr rtlCol="0" anchor="ctr"/>
+          <a:lstStyle/>
+          <a:p>
+            <a:pPr algn="ctr"/>
+            <a:endParaRPr lang="pt-PT"/>
+          </a:p>
+        </p:txBody>
+      </p:sp>
+      <p:sp>
+        <p:nvSpPr>
+          <p:cNvPr id="3" name="Retângulo 2">
+            <a:extLst>
+              <a:ext uri="{FF2B5EF4-FFF2-40B4-BE49-F238E27FC236}">
+                <a16:creationId xmlns:a16="http://schemas.microsoft.com/office/drawing/2014/main" id="{1C918481-3604-4115-9927-848E600E0BCA}"/>
+              </a:ext>
+            </a:extLst>
+          </p:cNvPr>
+          <p:cNvSpPr/>
+          <p:nvPr/>
+        </p:nvSpPr>
+        <p:spPr>
+          <a:xfrm>
+            <a:off x="940617" y="4421453"/>
+            <a:ext cx="865943" cy="369332"/>
+          </a:xfrm>
+          <a:prstGeom prst="rect">
+            <a:avLst/>
+          </a:prstGeom>
+        </p:spPr>
+        <p:txBody>
+          <a:bodyPr wrap="none">
+            <a:spAutoFit/>
+          </a:bodyPr>
+          <a:lstStyle/>
+          <a:p>
+            <a:r>
+              <a:rPr lang="pt-PT" i="1" dirty="0" err="1">
+                <a:solidFill>
+                  <a:schemeClr val="bg1"/>
+                </a:solidFill>
+                <a:effectLst>
+                  <a:outerShdw blurRad="38100" dist="38100" dir="2700000" algn="tl">
+                    <a:srgbClr val="000000">
+                      <a:alpha val="43137"/>
+                    </a:srgbClr>
+                  </a:outerShdw>
+                </a:effectLst>
+              </a:rPr>
+              <a:t>Profiler</a:t>
+            </a:r>
+            <a:endParaRPr lang="pt-PT" dirty="0">
+              <a:solidFill>
+                <a:schemeClr val="bg1"/>
+              </a:solidFill>
+            </a:endParaRPr>
           </a:p>
         </p:txBody>
       </p:sp>
     </p:spTree>
     <p:extLst>
       <p:ext uri="{BB962C8B-B14F-4D97-AF65-F5344CB8AC3E}">
-        <p14:creationId xmlns:p14="http://schemas.microsoft.com/office/powerpoint/2010/main" val="1453793189"/>
+        <p14:creationId xmlns:p14="http://schemas.microsoft.com/office/powerpoint/2010/main" val="3735119211"/>
       </p:ext>
     </p:extLst>
   </p:cSld>
@@ -6970,10 +5625,10 @@
       </p:grpSpPr>
       <p:sp>
         <p:nvSpPr>
-          <p:cNvPr id="2" name="Título 1">
+          <p:cNvPr id="9" name="Título 8">
             <a:extLst>
               <a:ext uri="{FF2B5EF4-FFF2-40B4-BE49-F238E27FC236}">
-                <a16:creationId xmlns:a16="http://schemas.microsoft.com/office/drawing/2014/main" id="{9DA54CA6-DF71-42B3-BA6C-A5070B9A6FCF}"/>
+                <a16:creationId xmlns:a16="http://schemas.microsoft.com/office/drawing/2014/main" id="{2242052A-3CCC-4918-9A02-55A0F086A6AC}"/>
               </a:ext>
             </a:extLst>
           </p:cNvPr>
@@ -6984,177 +5639,759 @@
             <p:ph type="title"/>
           </p:nvPr>
         </p:nvSpPr>
-        <p:spPr/>
+        <p:spPr>
+          <a:xfrm>
+            <a:off x="457200" y="529294"/>
+            <a:ext cx="3200400" cy="2286000"/>
+          </a:xfrm>
+        </p:spPr>
         <p:txBody>
           <a:bodyPr/>
           <a:lstStyle/>
           <a:p>
             <a:r>
-              <a:rPr lang="pt-PT" dirty="0">
+              <a:rPr lang="pt-PT" dirty="0"/>
+              <a:t>Diálogo suportado pelo sistema (exemplo)</a:t>
+            </a:r>
+          </a:p>
+        </p:txBody>
+      </p:sp>
+      <p:sp>
+        <p:nvSpPr>
+          <p:cNvPr id="11" name="Marcador de Posição do Texto 10">
+            <a:extLst>
+              <a:ext uri="{FF2B5EF4-FFF2-40B4-BE49-F238E27FC236}">
+                <a16:creationId xmlns:a16="http://schemas.microsoft.com/office/drawing/2014/main" id="{861DA2B8-2C4C-499C-9373-7AF65343E67A}"/>
+              </a:ext>
+            </a:extLst>
+          </p:cNvPr>
+          <p:cNvSpPr>
+            <a:spLocks noGrp="1"/>
+          </p:cNvSpPr>
+          <p:nvPr>
+            <p:ph type="body" sz="half" idx="2"/>
+          </p:nvPr>
+        </p:nvSpPr>
+        <p:spPr>
+          <a:xfrm>
+            <a:off x="457200" y="3117149"/>
+            <a:ext cx="3200400" cy="3379124"/>
+          </a:xfrm>
+        </p:spPr>
+        <p:txBody>
+          <a:bodyPr/>
+          <a:lstStyle/>
+          <a:p>
+            <a:r>
+              <a:rPr lang="pt-PT" b="1" dirty="0"/>
+              <a:t>Leonardo</a:t>
+            </a:r>
+            <a:r>
+              <a:rPr lang="pt-PT" dirty="0"/>
+              <a:t>: </a:t>
+            </a:r>
+            <a:r>
+              <a:rPr lang="pt-PT" i="1" dirty="0"/>
+              <a:t>“Bom dia</a:t>
+            </a:r>
+            <a:r>
+              <a:rPr lang="pt-PT" sz="1600" i="1" dirty="0"/>
+              <a:t>. Então, és novo por aqui? Vamos ao trabalho!"</a:t>
+            </a:r>
+          </a:p>
+          <a:p>
+            <a:r>
+              <a:rPr lang="pt-PT" b="1" dirty="0"/>
+              <a:t>Utilizador</a:t>
+            </a:r>
+            <a:r>
+              <a:rPr lang="pt-PT" dirty="0"/>
+              <a:t>: </a:t>
+            </a:r>
+            <a:r>
+              <a:rPr lang="pt-PT" i="1" dirty="0"/>
+              <a:t>“S</a:t>
+            </a:r>
+            <a:r>
+              <a:rPr lang="pt-PT" sz="1600" i="1" dirty="0"/>
+              <a:t>im, vamos lá!“</a:t>
+            </a:r>
+          </a:p>
+          <a:p>
+            <a:br>
+              <a:rPr lang="pt-PT" dirty="0"/>
+            </a:br>
+            <a:r>
+              <a:rPr lang="pt-PT" b="1" dirty="0"/>
+              <a:t>Leonardo</a:t>
+            </a:r>
+            <a:r>
+              <a:rPr lang="pt-PT" dirty="0"/>
+              <a:t> : </a:t>
+            </a:r>
+            <a:r>
+              <a:rPr lang="pt-PT" i="1" dirty="0"/>
+              <a:t>“Escolhe o tema para</a:t>
+            </a:r>
+            <a:br>
+              <a:rPr lang="pt-PT" i="1" dirty="0"/>
+            </a:br>
+            <a:r>
+              <a:rPr lang="pt-PT" i="1" dirty="0"/>
+              <a:t>                    avaliação.”</a:t>
+            </a:r>
+            <a:br>
+              <a:rPr lang="pt-PT" dirty="0"/>
+            </a:br>
+            <a:endParaRPr lang="pt-PT" dirty="0"/>
+          </a:p>
+          <a:p>
+            <a:r>
+              <a:rPr lang="pt-PT" dirty="0"/>
+              <a:t>(…)</a:t>
+            </a:r>
+            <a:br>
+              <a:rPr lang="pt-PT" dirty="0"/>
+            </a:br>
+            <a:r>
+              <a:rPr lang="pt-PT" dirty="0"/>
+              <a:t>* Aluno realiza um teste e termina com um bom desempenho*</a:t>
+            </a:r>
+            <a:br>
+              <a:rPr lang="pt-PT" dirty="0"/>
+            </a:br>
+            <a:r>
+              <a:rPr lang="pt-PT" dirty="0"/>
+              <a:t>(…)</a:t>
+            </a:r>
+            <a:br>
+              <a:rPr lang="pt-PT" dirty="0"/>
+            </a:br>
+            <a:br>
+              <a:rPr lang="pt-PT" dirty="0"/>
+            </a:br>
+            <a:r>
+              <a:rPr lang="pt-PT" b="1" dirty="0"/>
+              <a:t>Leonardo</a:t>
+            </a:r>
+            <a:r>
+              <a:rPr lang="pt-PT" dirty="0"/>
+              <a:t>: </a:t>
+            </a:r>
+            <a:r>
+              <a:rPr lang="pt-PT" i="1" dirty="0"/>
+              <a:t>“Bom trabalho!”</a:t>
+            </a:r>
+          </a:p>
+        </p:txBody>
+      </p:sp>
+      <p:sp>
+        <p:nvSpPr>
+          <p:cNvPr id="2" name="CaixaDeTexto 1">
+            <a:extLst>
+              <a:ext uri="{FF2B5EF4-FFF2-40B4-BE49-F238E27FC236}">
+                <a16:creationId xmlns:a16="http://schemas.microsoft.com/office/drawing/2014/main" id="{05C683FA-98EB-4B8E-9C70-94D306549FBC}"/>
+              </a:ext>
+            </a:extLst>
+          </p:cNvPr>
+          <p:cNvSpPr txBox="1"/>
+          <p:nvPr/>
+        </p:nvSpPr>
+        <p:spPr>
+          <a:xfrm>
+            <a:off x="7621969" y="537602"/>
+            <a:ext cx="4570031" cy="5478423"/>
+          </a:xfrm>
+          <a:prstGeom prst="rect">
+            <a:avLst/>
+          </a:prstGeom>
+          <a:ln w="28575"/>
+        </p:spPr>
+        <p:style>
+          <a:lnRef idx="2">
+            <a:schemeClr val="accent1"/>
+          </a:lnRef>
+          <a:fillRef idx="1">
+            <a:schemeClr val="lt1"/>
+          </a:fillRef>
+          <a:effectRef idx="0">
+            <a:schemeClr val="accent1"/>
+          </a:effectRef>
+          <a:fontRef idx="minor">
+            <a:schemeClr val="dk1"/>
+          </a:fontRef>
+        </p:style>
+        <p:txBody>
+          <a:bodyPr wrap="square" rtlCol="0">
+            <a:spAutoFit/>
+          </a:bodyPr>
+          <a:lstStyle/>
+          <a:p>
+            <a:r>
+              <a:rPr lang="pt-PT" sz="1400" b="1" dirty="0">
                 <a:solidFill>
-                  <a:schemeClr val="bg1">
-                    <a:lumMod val="50000"/>
+                  <a:srgbClr val="0070C0"/>
+                </a:solidFill>
+              </a:rPr>
+              <a:t>"</a:t>
+            </a:r>
+            <a:r>
+              <a:rPr lang="pt-PT" sz="1400" b="1" dirty="0" err="1">
+                <a:solidFill>
+                  <a:srgbClr val="0070C0"/>
+                </a:solidFill>
+              </a:rPr>
+              <a:t>greetingsI</a:t>
+            </a:r>
+            <a:r>
+              <a:rPr lang="pt-PT" sz="1400" b="1" dirty="0">
+                <a:solidFill>
+                  <a:srgbClr val="0070C0"/>
+                </a:solidFill>
+              </a:rPr>
+              <a:t>": </a:t>
+            </a:r>
+            <a:r>
+              <a:rPr lang="pt-PT" sz="1400" dirty="0"/>
+              <a:t>{</a:t>
+            </a:r>
+          </a:p>
+          <a:p>
+            <a:r>
+              <a:rPr lang="pt-PT" sz="1400" dirty="0"/>
+              <a:t>    </a:t>
+            </a:r>
+            <a:r>
+              <a:rPr lang="pt-PT" sz="1400" b="1" dirty="0">
+                <a:solidFill>
+                  <a:srgbClr val="00B050"/>
+                </a:solidFill>
+              </a:rPr>
+              <a:t>"Normal": </a:t>
+            </a:r>
+            <a:r>
+              <a:rPr lang="pt-PT" sz="1400" dirty="0"/>
+              <a:t>{ </a:t>
+            </a:r>
+          </a:p>
+          <a:p>
+            <a:r>
+              <a:rPr lang="pt-PT" sz="1400" dirty="0"/>
+              <a:t>          </a:t>
+            </a:r>
+            <a:r>
+              <a:rPr lang="pt-PT" sz="1400" b="1" dirty="0">
+                <a:solidFill>
+                  <a:srgbClr val="92D050"/>
+                </a:solidFill>
+              </a:rPr>
+              <a:t>"</a:t>
+            </a:r>
+            <a:r>
+              <a:rPr lang="pt-PT" sz="1400" b="1" dirty="0" err="1">
+                <a:solidFill>
+                  <a:srgbClr val="92D050"/>
+                </a:solidFill>
+              </a:rPr>
+              <a:t>Phrases</a:t>
+            </a:r>
+            <a:r>
+              <a:rPr lang="pt-PT" sz="1400" b="1" dirty="0">
+                <a:solidFill>
+                  <a:srgbClr val="92D050"/>
+                </a:solidFill>
+              </a:rPr>
+              <a:t>": </a:t>
+            </a:r>
+            <a:r>
+              <a:rPr lang="pt-PT" sz="1400" dirty="0"/>
+              <a:t>[	"_</a:t>
+            </a:r>
+            <a:r>
+              <a:rPr lang="pt-PT" sz="1400" dirty="0" err="1"/>
+              <a:t>day</a:t>
+            </a:r>
+            <a:r>
+              <a:rPr lang="pt-PT" sz="1400" dirty="0"/>
+              <a:t>_. Então, és novo por aqui? Vamos ao trabalho!",</a:t>
+            </a:r>
+          </a:p>
+          <a:p>
+            <a:r>
+              <a:rPr lang="pt-PT" sz="1400" dirty="0"/>
+              <a:t>                      		"Então, tudo bem? Vamos a isto! 😜",</a:t>
+            </a:r>
+          </a:p>
+          <a:p>
+            <a:r>
+              <a:rPr lang="pt-PT" sz="1400" dirty="0"/>
+              <a:t>                     		"Olá, tudo bem? Vai um teste?",</a:t>
+            </a:r>
+          </a:p>
+          <a:p>
+            <a:r>
+              <a:rPr lang="pt-PT" sz="1400" dirty="0"/>
+              <a:t>			… ],</a:t>
+            </a:r>
+          </a:p>
+          <a:p>
+            <a:endParaRPr lang="pt-PT" sz="1400" dirty="0"/>
+          </a:p>
+          <a:p>
+            <a:r>
+              <a:rPr lang="pt-PT" sz="1400" b="1" dirty="0">
+                <a:solidFill>
+                  <a:srgbClr val="C00000"/>
+                </a:solidFill>
+              </a:rPr>
+              <a:t>        "</a:t>
+            </a:r>
+            <a:r>
+              <a:rPr lang="pt-PT" sz="1400" b="1" dirty="0" err="1">
+                <a:solidFill>
+                  <a:srgbClr val="C00000"/>
+                </a:solidFill>
+              </a:rPr>
+              <a:t>Answers</a:t>
+            </a:r>
+            <a:r>
+              <a:rPr lang="pt-PT" sz="1400" b="1" dirty="0">
+                <a:solidFill>
+                  <a:srgbClr val="C00000"/>
+                </a:solidFill>
+              </a:rPr>
+              <a:t>": </a:t>
+            </a:r>
+            <a:r>
+              <a:rPr lang="pt-PT" sz="1400" dirty="0"/>
+              <a:t>{</a:t>
+            </a:r>
+          </a:p>
+          <a:p>
+            <a:r>
+              <a:rPr lang="pt-PT" sz="1400" b="1" dirty="0">
+                <a:solidFill>
+                  <a:schemeClr val="accent2">
+                    <a:lumMod val="75000"/>
                   </a:schemeClr>
                 </a:solidFill>
               </a:rPr>
-              <a:t>Contextualização</a:t>
-            </a:r>
-          </a:p>
-        </p:txBody>
-      </p:sp>
-      <p:sp>
-        <p:nvSpPr>
-          <p:cNvPr id="3" name="Marcador de Posição de Conteúdo 2">
+              <a:t>          "</a:t>
+            </a:r>
+            <a:r>
+              <a:rPr lang="pt-PT" sz="1400" b="1" dirty="0" err="1">
+                <a:solidFill>
+                  <a:schemeClr val="accent2">
+                    <a:lumMod val="75000"/>
+                  </a:schemeClr>
+                </a:solidFill>
+              </a:rPr>
+              <a:t>domain</a:t>
+            </a:r>
+            <a:r>
+              <a:rPr lang="pt-PT" sz="1400" b="1" dirty="0">
+                <a:solidFill>
+                  <a:schemeClr val="accent2">
+                    <a:lumMod val="75000"/>
+                  </a:schemeClr>
+                </a:solidFill>
+              </a:rPr>
+              <a:t>" : </a:t>
+            </a:r>
+            <a:r>
+              <a:rPr lang="pt-PT" sz="1400" dirty="0"/>
+              <a:t>[	"Sim, estou preparado(a)!",</a:t>
+            </a:r>
+          </a:p>
+          <a:p>
+            <a:r>
+              <a:rPr lang="pt-PT" sz="1400" dirty="0"/>
+              <a:t>                     		"Sim, vamos lá!",</a:t>
+            </a:r>
+          </a:p>
+          <a:p>
+            <a:r>
+              <a:rPr lang="pt-PT" sz="1400" dirty="0"/>
+              <a:t>                     		 "Estou preparado(a) para tudo!",</a:t>
+            </a:r>
+          </a:p>
+          <a:p>
+            <a:r>
+              <a:rPr lang="pt-PT" sz="1400" dirty="0"/>
+              <a:t>                     		 …],</a:t>
+            </a:r>
+          </a:p>
+          <a:p>
+            <a:r>
+              <a:rPr lang="pt-PT" sz="1400" dirty="0"/>
+              <a:t>                      </a:t>
+            </a:r>
+          </a:p>
+          <a:p>
+            <a:r>
+              <a:rPr lang="pt-PT" sz="1400" b="1" dirty="0">
+                <a:solidFill>
+                  <a:schemeClr val="accent2">
+                    <a:lumMod val="75000"/>
+                  </a:schemeClr>
+                </a:solidFill>
+              </a:rPr>
+              <a:t>          "</a:t>
+            </a:r>
+            <a:r>
+              <a:rPr lang="pt-PT" sz="1400" b="1" dirty="0" err="1">
+                <a:solidFill>
+                  <a:schemeClr val="accent2">
+                    <a:lumMod val="75000"/>
+                  </a:schemeClr>
+                </a:solidFill>
+              </a:rPr>
+              <a:t>bye</a:t>
+            </a:r>
+            <a:r>
+              <a:rPr lang="pt-PT" sz="1400" b="1" dirty="0">
+                <a:solidFill>
+                  <a:schemeClr val="accent2">
+                    <a:lumMod val="75000"/>
+                  </a:schemeClr>
+                </a:solidFill>
+              </a:rPr>
+              <a:t>": </a:t>
+            </a:r>
+            <a:r>
+              <a:rPr lang="pt-PT" sz="1400" dirty="0"/>
+              <a:t>["Afinal, não quero estar aqui.",</a:t>
+            </a:r>
+          </a:p>
+          <a:p>
+            <a:r>
+              <a:rPr lang="pt-PT" sz="1400" dirty="0"/>
+              <a:t>                  	"Não estou preparado(a).",</a:t>
+            </a:r>
+          </a:p>
+          <a:p>
+            <a:r>
+              <a:rPr lang="pt-PT" sz="1400" dirty="0"/>
+              <a:t>                  	"Acho que preciso de mais tempo.",</a:t>
+            </a:r>
+          </a:p>
+          <a:p>
+            <a:r>
+              <a:rPr lang="pt-PT" sz="1400" dirty="0"/>
+              <a:t>		…],</a:t>
+            </a:r>
+          </a:p>
+          <a:p>
+            <a:endParaRPr lang="pt-PT" sz="1400" dirty="0"/>
+          </a:p>
+          <a:p>
+            <a:r>
+              <a:rPr lang="pt-PT" sz="1400" dirty="0"/>
+              <a:t>          </a:t>
+            </a:r>
+            <a:r>
+              <a:rPr lang="pt-PT" sz="1400" b="1" dirty="0">
+                <a:solidFill>
+                  <a:schemeClr val="accent2">
+                    <a:lumMod val="75000"/>
+                  </a:schemeClr>
+                </a:solidFill>
+              </a:rPr>
+              <a:t>"</a:t>
+            </a:r>
+            <a:r>
+              <a:rPr lang="pt-PT" sz="1400" b="1" dirty="0" err="1">
+                <a:solidFill>
+                  <a:schemeClr val="accent2">
+                    <a:lumMod val="75000"/>
+                  </a:schemeClr>
+                </a:solidFill>
+              </a:rPr>
+              <a:t>doubt</a:t>
+            </a:r>
+            <a:r>
+              <a:rPr lang="pt-PT" sz="1400" b="1" dirty="0">
+                <a:solidFill>
+                  <a:schemeClr val="accent2">
+                    <a:lumMod val="75000"/>
+                  </a:schemeClr>
+                </a:solidFill>
+              </a:rPr>
+              <a:t>": </a:t>
+            </a:r>
+            <a:r>
+              <a:rPr lang="pt-PT" sz="1400" dirty="0"/>
+              <a:t>[	"Não tenho a certeza se quero continuar...",</a:t>
+            </a:r>
+          </a:p>
+          <a:p>
+            <a:r>
+              <a:rPr lang="pt-PT" sz="1400" dirty="0"/>
+              <a:t>                   		 "Tem de ser, não é?",</a:t>
+            </a:r>
+          </a:p>
+          <a:p>
+            <a:r>
+              <a:rPr lang="pt-PT" sz="1400" dirty="0"/>
+              <a:t>                   		 "Que remédio, Leonardo!",</a:t>
+            </a:r>
+          </a:p>
+          <a:p>
+            <a:r>
+              <a:rPr lang="pt-PT" sz="1400" dirty="0"/>
+              <a:t>			…]</a:t>
+            </a:r>
+          </a:p>
+          <a:p>
+            <a:r>
+              <a:rPr lang="pt-PT" sz="1400" dirty="0"/>
+              <a:t>        }</a:t>
+            </a:r>
+          </a:p>
+        </p:txBody>
+      </p:sp>
+      <p:sp>
+        <p:nvSpPr>
+          <p:cNvPr id="3" name="CaixaDeTexto 2">
             <a:extLst>
               <a:ext uri="{FF2B5EF4-FFF2-40B4-BE49-F238E27FC236}">
-                <a16:creationId xmlns:a16="http://schemas.microsoft.com/office/drawing/2014/main" id="{9AC072B4-F76D-46EF-9BF9-52FD93046E58}"/>
+                <a16:creationId xmlns:a16="http://schemas.microsoft.com/office/drawing/2014/main" id="{EE6E3B98-9AD3-42A7-9483-FB98F54A6CDB}"/>
               </a:ext>
             </a:extLst>
           </p:cNvPr>
-          <p:cNvSpPr>
-            <a:spLocks noGrp="1"/>
-          </p:cNvSpPr>
-          <p:nvPr>
-            <p:ph idx="1"/>
-          </p:nvPr>
+          <p:cNvSpPr txBox="1"/>
+          <p:nvPr/>
         </p:nvSpPr>
         <p:spPr>
           <a:xfrm>
-            <a:off x="1097280" y="1930401"/>
-            <a:ext cx="10058400" cy="4023360"/>
+            <a:off x="4094328" y="1937986"/>
+            <a:ext cx="3527641" cy="2677656"/>
           </a:xfrm>
+          <a:prstGeom prst="rect">
+            <a:avLst/>
+          </a:prstGeom>
+          <a:ln w="28575"/>
         </p:spPr>
-        <p:txBody>
-          <a:bodyPr/>
+        <p:style>
+          <a:lnRef idx="2">
+            <a:schemeClr val="accent1"/>
+          </a:lnRef>
+          <a:fillRef idx="1">
+            <a:schemeClr val="lt1"/>
+          </a:fillRef>
+          <a:effectRef idx="0">
+            <a:schemeClr val="accent1"/>
+          </a:effectRef>
+          <a:fontRef idx="minor">
+            <a:schemeClr val="dk1"/>
+          </a:fontRef>
+        </p:style>
+        <p:txBody>
+          <a:bodyPr wrap="square" rtlCol="0">
+            <a:spAutoFit/>
+          </a:bodyPr>
           <a:lstStyle/>
           <a:p>
-            <a:pPr>
-              <a:buFont typeface="Wingdings" panose="05000000000000000000" pitchFamily="2" charset="2"/>
-              <a:buChar char="q"/>
-            </a:pPr>
-            <a:r>
-              <a:rPr lang="pt-PT" dirty="0"/>
-              <a:t> Projeto “Leonardo” surge como um sistema de avaliação de determinadas </a:t>
-            </a:r>
-            <a:r>
-              <a:rPr lang="pt-PT" dirty="0" err="1"/>
-              <a:t>UCs</a:t>
-            </a:r>
-            <a:r>
-              <a:rPr lang="pt-PT" dirty="0"/>
-              <a:t>:</a:t>
-            </a:r>
-          </a:p>
-          <a:p>
-            <a:pPr lvl="1">
-              <a:buFont typeface="Wingdings" panose="05000000000000000000" pitchFamily="2" charset="2"/>
-              <a:buChar char="q"/>
-            </a:pPr>
-            <a:r>
-              <a:rPr lang="pt-PT" dirty="0"/>
-              <a:t> Bases de Dados</a:t>
-            </a:r>
-          </a:p>
-          <a:p>
-            <a:pPr lvl="2">
-              <a:buFont typeface="Wingdings" panose="05000000000000000000" pitchFamily="2" charset="2"/>
-              <a:buChar char="q"/>
-            </a:pPr>
-            <a:r>
-              <a:rPr lang="pt-PT" dirty="0"/>
-              <a:t> Álgebra Relacional</a:t>
-            </a:r>
-          </a:p>
-          <a:p>
-            <a:pPr lvl="2">
-              <a:buFont typeface="Wingdings" panose="05000000000000000000" pitchFamily="2" charset="2"/>
-              <a:buChar char="q"/>
-            </a:pPr>
-            <a:r>
-              <a:rPr lang="pt-PT" dirty="0"/>
-              <a:t> Modelo Conceptual </a:t>
-            </a:r>
-          </a:p>
-          <a:p>
-            <a:pPr lvl="2">
-              <a:buFont typeface="Wingdings" panose="05000000000000000000" pitchFamily="2" charset="2"/>
-              <a:buChar char="q"/>
-            </a:pPr>
-            <a:r>
-              <a:rPr lang="pt-PT" dirty="0"/>
-              <a:t> Modelo Lógico</a:t>
-            </a:r>
-          </a:p>
-          <a:p>
-            <a:pPr lvl="2">
-              <a:buFont typeface="Wingdings" panose="05000000000000000000" pitchFamily="2" charset="2"/>
-              <a:buChar char="q"/>
-            </a:pPr>
-            <a:r>
-              <a:rPr lang="pt-PT" dirty="0"/>
-              <a:t>…</a:t>
-            </a:r>
-          </a:p>
-          <a:p>
-            <a:pPr>
-              <a:buFont typeface="Wingdings" panose="05000000000000000000" pitchFamily="2" charset="2"/>
-              <a:buChar char="q"/>
-            </a:pPr>
-            <a:r>
-              <a:rPr lang="pt-PT" dirty="0"/>
-              <a:t> Cada aluno tem um perfil</a:t>
-            </a:r>
-            <a:r>
-              <a:rPr lang="pt-PT" i="1" dirty="0"/>
-              <a:t>: </a:t>
-            </a:r>
-          </a:p>
-          <a:p>
-            <a:pPr lvl="1">
-              <a:buFont typeface="Wingdings" panose="05000000000000000000" pitchFamily="2" charset="2"/>
-              <a:buChar char="q"/>
-            </a:pPr>
-            <a:r>
-              <a:rPr lang="pt-PT" i="1" dirty="0"/>
+            <a:r>
+              <a:rPr lang="pt-PT" sz="1400" b="1" dirty="0">
+                <a:solidFill>
+                  <a:srgbClr val="0070C0"/>
+                </a:solidFill>
+              </a:rPr>
+              <a:t>“Tipo de </a:t>
+            </a:r>
+            <a:r>
+              <a:rPr lang="pt-PT" sz="1400" b="1" i="1" dirty="0" err="1">
+                <a:solidFill>
+                  <a:srgbClr val="0070C0"/>
+                </a:solidFill>
+              </a:rPr>
+              <a:t>query</a:t>
+            </a:r>
+            <a:r>
+              <a:rPr lang="pt-PT" sz="1400" b="1" dirty="0">
+                <a:solidFill>
+                  <a:srgbClr val="0070C0"/>
+                </a:solidFill>
+              </a:rPr>
+              <a:t>": </a:t>
+            </a:r>
+            <a:r>
+              <a:rPr lang="pt-PT" sz="1400" dirty="0"/>
+              <a:t>{</a:t>
+            </a:r>
+          </a:p>
+          <a:p>
+            <a:r>
+              <a:rPr lang="pt-PT" sz="1400" b="1" dirty="0"/>
+              <a:t>    </a:t>
+            </a:r>
+            <a:r>
+              <a:rPr lang="pt-PT" sz="1400" b="1" dirty="0">
+                <a:solidFill>
+                  <a:srgbClr val="00B050"/>
+                </a:solidFill>
+              </a:rPr>
+              <a:t>“Tipo de frase": </a:t>
+            </a:r>
+            <a:r>
+              <a:rPr lang="pt-PT" sz="1400" dirty="0"/>
+              <a:t>{ </a:t>
+            </a:r>
+          </a:p>
+          <a:p>
+            <a:r>
+              <a:rPr lang="pt-PT" sz="1400" dirty="0"/>
+              <a:t>          </a:t>
+            </a:r>
+            <a:r>
+              <a:rPr lang="pt-PT" sz="1400" b="1" dirty="0">
+                <a:solidFill>
+                  <a:srgbClr val="92D050"/>
+                </a:solidFill>
+              </a:rPr>
+              <a:t>“Frases": </a:t>
+            </a:r>
+            <a:r>
+              <a:rPr lang="pt-PT" sz="1400" dirty="0"/>
+              <a:t>[ … ],</a:t>
+            </a:r>
+          </a:p>
+          <a:p>
+            <a:endParaRPr lang="pt-PT" sz="1400" dirty="0"/>
+          </a:p>
+          <a:p>
+            <a:r>
+              <a:rPr lang="pt-PT" sz="1400" dirty="0"/>
+              <a:t>        </a:t>
+            </a:r>
+            <a:r>
+              <a:rPr lang="pt-PT" sz="1400" b="1" dirty="0">
+                <a:solidFill>
+                  <a:srgbClr val="C00000"/>
+                </a:solidFill>
+              </a:rPr>
+              <a:t>“Respostas": </a:t>
+            </a:r>
+            <a:r>
+              <a:rPr lang="pt-PT" sz="1400" dirty="0"/>
+              <a:t>{</a:t>
+            </a:r>
+          </a:p>
+          <a:p>
+            <a:r>
+              <a:rPr lang="pt-PT" sz="1400" dirty="0"/>
+              <a:t>          </a:t>
+            </a:r>
+            <a:r>
+              <a:rPr lang="pt-PT" sz="1400" b="1" dirty="0">
+                <a:solidFill>
+                  <a:schemeClr val="accent2">
+                    <a:lumMod val="75000"/>
+                  </a:schemeClr>
+                </a:solidFill>
+              </a:rPr>
+              <a:t>“Remete para </a:t>
+            </a:r>
+            <a:r>
+              <a:rPr lang="pt-PT" sz="1400" b="1" i="1" dirty="0" err="1">
+                <a:solidFill>
+                  <a:schemeClr val="accent2">
+                    <a:lumMod val="75000"/>
+                  </a:schemeClr>
+                </a:solidFill>
+              </a:rPr>
+              <a:t>query</a:t>
+            </a:r>
+            <a:r>
+              <a:rPr lang="pt-PT" sz="1400" b="1" i="1" dirty="0">
+                <a:solidFill>
+                  <a:schemeClr val="accent2">
+                    <a:lumMod val="75000"/>
+                  </a:schemeClr>
+                </a:solidFill>
+              </a:rPr>
               <a:t> </a:t>
             </a:r>
             <a:r>
-              <a:rPr lang="pt-PT" dirty="0"/>
-              <a:t>Diferentes desempenhos e destrezas em vários temas avaliados;</a:t>
-            </a:r>
-          </a:p>
-          <a:p>
-            <a:pPr lvl="1">
-              <a:buFont typeface="Wingdings" panose="05000000000000000000" pitchFamily="2" charset="2"/>
-              <a:buChar char="q"/>
-            </a:pPr>
-            <a:r>
-              <a:rPr lang="pt-PT" dirty="0"/>
-              <a:t> “Personalidade” e “Sensibilidade”;</a:t>
-            </a:r>
-          </a:p>
-          <a:p>
-            <a:pPr>
-              <a:buFont typeface="Wingdings" panose="05000000000000000000" pitchFamily="2" charset="2"/>
-              <a:buChar char="q"/>
-            </a:pPr>
-            <a:r>
-              <a:rPr lang="pt-PT" dirty="0"/>
-              <a:t> Desenvolvimento de um gestor de diálogos como personificação do Leonardo.</a:t>
-            </a:r>
-          </a:p>
-          <a:p>
-            <a:endParaRPr lang="pt-PT" dirty="0"/>
-          </a:p>
-          <a:p>
-            <a:endParaRPr lang="pt-PT" dirty="0"/>
+              <a:rPr lang="pt-PT" sz="1400" b="1" dirty="0">
+                <a:solidFill>
+                  <a:schemeClr val="accent2">
+                    <a:lumMod val="75000"/>
+                  </a:schemeClr>
+                </a:solidFill>
+              </a:rPr>
+              <a:t> domínio" : </a:t>
+            </a:r>
+            <a:r>
+              <a:rPr lang="pt-PT" sz="1400" dirty="0"/>
+              <a:t>[ … ],</a:t>
+            </a:r>
+          </a:p>
+          <a:p>
+            <a:r>
+              <a:rPr lang="pt-PT" sz="1400" dirty="0"/>
+              <a:t>                      </a:t>
+            </a:r>
+          </a:p>
+          <a:p>
+            <a:r>
+              <a:rPr lang="pt-PT" sz="1400" dirty="0"/>
+              <a:t>          </a:t>
+            </a:r>
+            <a:r>
+              <a:rPr lang="pt-PT" sz="1400" b="1" dirty="0">
+                <a:solidFill>
+                  <a:schemeClr val="accent2">
+                    <a:lumMod val="75000"/>
+                  </a:schemeClr>
+                </a:solidFill>
+              </a:rPr>
+              <a:t>" Remete para saída ": </a:t>
+            </a:r>
+            <a:r>
+              <a:rPr lang="pt-PT" sz="1400" dirty="0"/>
+              <a:t>[ … ],</a:t>
+            </a:r>
+          </a:p>
+          <a:p>
+            <a:endParaRPr lang="pt-PT" sz="1400" dirty="0"/>
+          </a:p>
+          <a:p>
+            <a:r>
+              <a:rPr lang="pt-PT" sz="1400" dirty="0"/>
+              <a:t>          </a:t>
+            </a:r>
+            <a:r>
+              <a:rPr lang="pt-PT" sz="1400" b="1" dirty="0">
+                <a:solidFill>
+                  <a:schemeClr val="accent2">
+                    <a:lumMod val="75000"/>
+                  </a:schemeClr>
+                </a:solidFill>
+              </a:rPr>
+              <a:t>" Remete para confirmação": </a:t>
+            </a:r>
+            <a:r>
+              <a:rPr lang="pt-PT" sz="1400" dirty="0"/>
+              <a:t>[ … ]</a:t>
+            </a:r>
+          </a:p>
+          <a:p>
+            <a:r>
+              <a:rPr lang="pt-PT" sz="1400" dirty="0"/>
+              <a:t>        }</a:t>
+            </a:r>
+          </a:p>
+          <a:p>
+            <a:endParaRPr lang="pt-PT" sz="1400" dirty="0"/>
           </a:p>
         </p:txBody>
       </p:sp>
     </p:spTree>
     <p:extLst>
       <p:ext uri="{BB962C8B-B14F-4D97-AF65-F5344CB8AC3E}">
-        <p14:creationId xmlns:p14="http://schemas.microsoft.com/office/powerpoint/2010/main" val="3413792368"/>
+        <p14:creationId xmlns:p14="http://schemas.microsoft.com/office/powerpoint/2010/main" val="2018381725"/>
       </p:ext>
     </p:extLst>
   </p:cSld>
@@ -7170,6 +6407,14 @@
 <file path=ppt/slides/slide4.xml><?xml version="1.0" encoding="utf-8"?>
 <p:sld xmlns:a="http://schemas.openxmlformats.org/drawingml/2006/main" xmlns:r="http://schemas.openxmlformats.org/officeDocument/2006/relationships" xmlns:p="http://schemas.openxmlformats.org/presentationml/2006/main">
   <p:cSld>
+    <p:bg>
+      <p:bgPr>
+        <a:solidFill>
+          <a:schemeClr val="bg1"/>
+        </a:solidFill>
+        <a:effectLst/>
+      </p:bgPr>
+    </p:bg>
     <p:spTree>
       <p:nvGrpSpPr>
         <p:cNvPr id="1" name=""/>
@@ -7186,10 +6431,235 @@
       </p:grpSpPr>
       <p:sp>
         <p:nvSpPr>
+          <p:cNvPr id="1028" name="Rectangle 70">
+            <a:extLst>
+              <a:ext uri="{FF2B5EF4-FFF2-40B4-BE49-F238E27FC236}">
+                <a16:creationId xmlns:a16="http://schemas.microsoft.com/office/drawing/2014/main" id="{5F54226A-15A5-4F46-926F-81F3EC4664A8}"/>
+              </a:ext>
+              <a:ext uri="{C183D7F6-B498-43B3-948B-1728B52AA6E4}">
+                <adec:decorative xmlns:adec="http://schemas.microsoft.com/office/drawing/2017/decorative" val="1"/>
+              </a:ext>
+            </a:extLst>
+          </p:cNvPr>
+          <p:cNvSpPr>
+            <a:spLocks noGrp="1" noRot="1" noChangeAspect="1" noMove="1" noResize="1" noEditPoints="1" noAdjustHandles="1" noChangeArrowheads="1" noChangeShapeType="1" noTextEdit="1"/>
+          </p:cNvSpPr>
+          <p:nvPr>
+            <p:extLst>
+              <p:ext uri="{386F3935-93C4-4BCD-93E2-E3B085C9AB24}">
+                <p16:designElem xmlns:p16="http://schemas.microsoft.com/office/powerpoint/2015/main" val="1"/>
+              </p:ext>
+            </p:extLst>
+          </p:nvPr>
+        </p:nvSpPr>
+        <p:spPr>
+          <a:xfrm>
+            <a:off x="3175" y="6400800"/>
+            <a:ext cx="12188825" cy="457200"/>
+          </a:xfrm>
+          <a:prstGeom prst="rect">
+            <a:avLst/>
+          </a:prstGeom>
+          <a:solidFill>
+            <a:schemeClr val="accent2"/>
+          </a:solidFill>
+          <a:ln>
+            <a:noFill/>
+          </a:ln>
+        </p:spPr>
+        <p:style>
+          <a:lnRef idx="2">
+            <a:schemeClr val="accent1">
+              <a:shade val="50000"/>
+            </a:schemeClr>
+          </a:lnRef>
+          <a:fillRef idx="1">
+            <a:schemeClr val="accent1"/>
+          </a:fillRef>
+          <a:effectRef idx="0">
+            <a:schemeClr val="accent1"/>
+          </a:effectRef>
+          <a:fontRef idx="minor">
+            <a:schemeClr val="lt1"/>
+          </a:fontRef>
+        </p:style>
+      </p:sp>
+      <p:sp>
+        <p:nvSpPr>
+          <p:cNvPr id="1029" name="Rectangle 72">
+            <a:extLst>
+              <a:ext uri="{FF2B5EF4-FFF2-40B4-BE49-F238E27FC236}">
+                <a16:creationId xmlns:a16="http://schemas.microsoft.com/office/drawing/2014/main" id="{CFCF670F-3E94-4C8F-95AE-035FB459B9D2}"/>
+              </a:ext>
+              <a:ext uri="{C183D7F6-B498-43B3-948B-1728B52AA6E4}">
+                <adec:decorative xmlns:adec="http://schemas.microsoft.com/office/drawing/2017/decorative" val="1"/>
+              </a:ext>
+            </a:extLst>
+          </p:cNvPr>
+          <p:cNvSpPr>
+            <a:spLocks noGrp="1" noRot="1" noChangeAspect="1" noMove="1" noResize="1" noEditPoints="1" noAdjustHandles="1" noChangeArrowheads="1" noChangeShapeType="1" noTextEdit="1"/>
+          </p:cNvSpPr>
+          <p:nvPr>
+            <p:extLst>
+              <p:ext uri="{386F3935-93C4-4BCD-93E2-E3B085C9AB24}">
+                <p16:designElem xmlns:p16="http://schemas.microsoft.com/office/powerpoint/2015/main" val="1"/>
+              </p:ext>
+            </p:extLst>
+          </p:nvPr>
+        </p:nvSpPr>
+        <p:spPr>
+          <a:xfrm>
+            <a:off x="15" y="6334316"/>
+            <a:ext cx="12188825" cy="64008"/>
+          </a:xfrm>
+          <a:prstGeom prst="rect">
+            <a:avLst/>
+          </a:prstGeom>
+          <a:solidFill>
+            <a:schemeClr val="accent1"/>
+          </a:solidFill>
+          <a:ln>
+            <a:noFill/>
+          </a:ln>
+        </p:spPr>
+        <p:style>
+          <a:lnRef idx="2">
+            <a:schemeClr val="accent1">
+              <a:shade val="50000"/>
+            </a:schemeClr>
+          </a:lnRef>
+          <a:fillRef idx="1">
+            <a:schemeClr val="accent1"/>
+          </a:fillRef>
+          <a:effectRef idx="0">
+            <a:schemeClr val="accent1"/>
+          </a:effectRef>
+          <a:fontRef idx="minor">
+            <a:schemeClr val="lt1"/>
+          </a:fontRef>
+        </p:style>
+      </p:sp>
+      <p:cxnSp>
+        <p:nvCxnSpPr>
+          <p:cNvPr id="1030" name="Straight Connector 74">
+            <a:extLst>
+              <a:ext uri="{FF2B5EF4-FFF2-40B4-BE49-F238E27FC236}">
+                <a16:creationId xmlns:a16="http://schemas.microsoft.com/office/drawing/2014/main" id="{90479AEA-6C87-4786-A668-54BF815A73D7}"/>
+              </a:ext>
+              <a:ext uri="{C183D7F6-B498-43B3-948B-1728B52AA6E4}">
+                <adec:decorative xmlns:adec="http://schemas.microsoft.com/office/drawing/2017/decorative" val="1"/>
+              </a:ext>
+            </a:extLst>
+          </p:cNvPr>
+          <p:cNvCxnSpPr>
+            <a:cxnSpLocks noGrp="1" noRot="1" noChangeAspect="1" noMove="1" noResize="1" noEditPoints="1" noAdjustHandles="1" noChangeArrowheads="1" noChangeShapeType="1"/>
+          </p:cNvCxnSpPr>
+          <p:nvPr>
+            <p:extLst>
+              <p:ext uri="{386F3935-93C4-4BCD-93E2-E3B085C9AB24}">
+                <p16:designElem xmlns:p16="http://schemas.microsoft.com/office/powerpoint/2015/main" val="1"/>
+              </p:ext>
+            </p:extLst>
+          </p:nvPr>
+        </p:nvCxnSpPr>
+        <p:spPr>
+          <a:xfrm>
+            <a:off x="1207658" y="4343400"/>
+            <a:ext cx="9875520" cy="0"/>
+          </a:xfrm>
+          <a:prstGeom prst="line">
+            <a:avLst/>
+          </a:prstGeom>
+          <a:ln w="6350">
+            <a:solidFill>
+              <a:schemeClr val="tx1">
+                <a:lumMod val="50000"/>
+                <a:lumOff val="50000"/>
+              </a:schemeClr>
+            </a:solidFill>
+          </a:ln>
+        </p:spPr>
+        <p:style>
+          <a:lnRef idx="1">
+            <a:schemeClr val="accent1"/>
+          </a:lnRef>
+          <a:fillRef idx="0">
+            <a:schemeClr val="accent1"/>
+          </a:fillRef>
+          <a:effectRef idx="0">
+            <a:schemeClr val="accent1"/>
+          </a:effectRef>
+          <a:fontRef idx="minor">
+            <a:schemeClr val="tx1"/>
+          </a:fontRef>
+        </p:style>
+      </p:cxnSp>
+      <p:sp useBgFill="1">
+        <p:nvSpPr>
+          <p:cNvPr id="1031" name="Rectangle 76">
+            <a:extLst>
+              <a:ext uri="{FF2B5EF4-FFF2-40B4-BE49-F238E27FC236}">
+                <a16:creationId xmlns:a16="http://schemas.microsoft.com/office/drawing/2014/main" id="{36D50BAE-2B1C-44EA-98D3-FF227A6942F3}"/>
+              </a:ext>
+              <a:ext uri="{C183D7F6-B498-43B3-948B-1728B52AA6E4}">
+                <adec:decorative xmlns:adec="http://schemas.microsoft.com/office/drawing/2017/decorative" val="1"/>
+              </a:ext>
+            </a:extLst>
+          </p:cNvPr>
+          <p:cNvSpPr>
+            <a:spLocks noGrp="1" noRot="1" noChangeAspect="1" noMove="1" noResize="1" noEditPoints="1" noAdjustHandles="1" noChangeArrowheads="1" noChangeShapeType="1" noTextEdit="1"/>
+          </p:cNvSpPr>
+          <p:nvPr>
+            <p:extLst>
+              <p:ext uri="{386F3935-93C4-4BCD-93E2-E3B085C9AB24}">
+                <p16:designElem xmlns:p16="http://schemas.microsoft.com/office/powerpoint/2015/main" val="1"/>
+              </p:ext>
+            </p:extLst>
+          </p:nvPr>
+        </p:nvSpPr>
+        <p:spPr>
+          <a:xfrm>
+            <a:off x="0" y="0"/>
+            <a:ext cx="12192001" cy="6334316"/>
+          </a:xfrm>
+          <a:prstGeom prst="rect">
+            <a:avLst/>
+          </a:prstGeom>
+          <a:ln>
+            <a:noFill/>
+          </a:ln>
+        </p:spPr>
+        <p:style>
+          <a:lnRef idx="2">
+            <a:schemeClr val="accent1">
+              <a:shade val="50000"/>
+            </a:schemeClr>
+          </a:lnRef>
+          <a:fillRef idx="1">
+            <a:schemeClr val="accent1"/>
+          </a:fillRef>
+          <a:effectRef idx="0">
+            <a:schemeClr val="accent1"/>
+          </a:effectRef>
+          <a:fontRef idx="minor">
+            <a:schemeClr val="lt1"/>
+          </a:fontRef>
+        </p:style>
+        <p:txBody>
+          <a:bodyPr rtlCol="0" anchor="ctr"/>
+          <a:lstStyle/>
+          <a:p>
+            <a:pPr algn="ctr"/>
+            <a:endParaRPr lang="en-US"/>
+          </a:p>
+        </p:txBody>
+      </p:sp>
+      <p:sp>
+        <p:nvSpPr>
           <p:cNvPr id="2" name="Título 1">
             <a:extLst>
               <a:ext uri="{FF2B5EF4-FFF2-40B4-BE49-F238E27FC236}">
-                <a16:creationId xmlns:a16="http://schemas.microsoft.com/office/drawing/2014/main" id="{6C9FBC37-A4DC-42B0-93BE-431C67A2D247}"/>
+                <a16:creationId xmlns:a16="http://schemas.microsoft.com/office/drawing/2014/main" id="{D6A7957C-DC5E-4548-8077-D8829D44F171}"/>
               </a:ext>
             </a:extLst>
           </p:cNvPr>
@@ -7200,278 +6670,38 @@
             <p:ph type="title"/>
           </p:nvPr>
         </p:nvSpPr>
-        <p:spPr/>
-        <p:txBody>
-          <a:bodyPr/>
+        <p:spPr>
+          <a:xfrm>
+            <a:off x="633999" y="4550229"/>
+            <a:ext cx="10909073" cy="1057655"/>
+          </a:xfrm>
+        </p:spPr>
+        <p:txBody>
+          <a:bodyPr vert="horz" lIns="91440" tIns="45720" rIns="91440" bIns="45720" rtlCol="0" anchor="b">
+            <a:normAutofit/>
+          </a:bodyPr>
           <a:lstStyle/>
           <a:p>
             <a:r>
-              <a:rPr lang="pt-PT" dirty="0">
+              <a:rPr lang="en-US" sz="6000">
                 <a:solidFill>
-                  <a:schemeClr val="bg1">
-                    <a:lumMod val="50000"/>
+                  <a:schemeClr val="tx1">
+                    <a:lumMod val="85000"/>
+                    <a:lumOff val="15000"/>
                   </a:schemeClr>
                 </a:solidFill>
               </a:rPr>
-              <a:t>Motivação</a:t>
-            </a:r>
-          </a:p>
-        </p:txBody>
-      </p:sp>
-      <p:sp>
-        <p:nvSpPr>
-          <p:cNvPr id="3" name="Marcador de Posição de Conteúdo 2">
+              <a:t>Recursos Computacionais</a:t>
+            </a:r>
+          </a:p>
+        </p:txBody>
+      </p:sp>
+      <p:pic>
+        <p:nvPicPr>
+          <p:cNvPr id="11" name="Imagem 10" descr="Uma imagem com objeto&#10;&#10;Descrição gerada automaticamente">
             <a:extLst>
               <a:ext uri="{FF2B5EF4-FFF2-40B4-BE49-F238E27FC236}">
-                <a16:creationId xmlns:a16="http://schemas.microsoft.com/office/drawing/2014/main" id="{5EE258BC-B64A-4F62-8241-57130EEF2895}"/>
-              </a:ext>
-            </a:extLst>
-          </p:cNvPr>
-          <p:cNvSpPr>
-            <a:spLocks noGrp="1"/>
-          </p:cNvSpPr>
-          <p:nvPr>
-            <p:ph idx="1"/>
-          </p:nvPr>
-        </p:nvSpPr>
-        <p:spPr>
-          <a:xfrm>
-            <a:off x="1097280" y="1930401"/>
-            <a:ext cx="10058400" cy="4023360"/>
-          </a:xfrm>
-        </p:spPr>
-        <p:txBody>
-          <a:bodyPr/>
-          <a:lstStyle/>
-          <a:p>
-            <a:pPr>
-              <a:buFont typeface="Wingdings" panose="05000000000000000000" pitchFamily="2" charset="2"/>
-              <a:buChar char="q"/>
-            </a:pPr>
-            <a:r>
-              <a:rPr lang="pt-PT" dirty="0"/>
-              <a:t> Tornar o sistema “Leonardo” mais interativo, amigável e cativante;</a:t>
-            </a:r>
-          </a:p>
-          <a:p>
-            <a:pPr>
-              <a:buFont typeface="Wingdings" panose="05000000000000000000" pitchFamily="2" charset="2"/>
-              <a:buChar char="q"/>
-            </a:pPr>
-            <a:r>
-              <a:rPr lang="pt-PT" dirty="0"/>
-              <a:t> Capacidade de desenvolver diálogos mais expeditos com os utilizadores;</a:t>
-            </a:r>
-          </a:p>
-          <a:p>
-            <a:pPr>
-              <a:buFont typeface="Wingdings" panose="05000000000000000000" pitchFamily="2" charset="2"/>
-              <a:buChar char="q"/>
-            </a:pPr>
-            <a:r>
-              <a:rPr lang="pt-PT" dirty="0"/>
-              <a:t> Incentivo à utilização do sistema durante um processo de avaliação;</a:t>
-            </a:r>
-          </a:p>
-        </p:txBody>
-      </p:sp>
-    </p:spTree>
-    <p:extLst>
-      <p:ext uri="{BB962C8B-B14F-4D97-AF65-F5344CB8AC3E}">
-        <p14:creationId xmlns:p14="http://schemas.microsoft.com/office/powerpoint/2010/main" val="1730745467"/>
-      </p:ext>
-    </p:extLst>
-  </p:cSld>
-  <p:clrMapOvr>
-    <a:masterClrMapping/>
-  </p:clrMapOvr>
-  <p:transition spd="slow">
-    <p:cover/>
-  </p:transition>
-</p:sld>
-</file>
-
-<file path=ppt/slides/slide5.xml><?xml version="1.0" encoding="utf-8"?>
-<p:sld xmlns:a="http://schemas.openxmlformats.org/drawingml/2006/main" xmlns:r="http://schemas.openxmlformats.org/officeDocument/2006/relationships" xmlns:p="http://schemas.openxmlformats.org/presentationml/2006/main">
-  <p:cSld>
-    <p:spTree>
-      <p:nvGrpSpPr>
-        <p:cNvPr id="1" name=""/>
-        <p:cNvGrpSpPr/>
-        <p:nvPr/>
-      </p:nvGrpSpPr>
-      <p:grpSpPr>
-        <a:xfrm>
-          <a:off x="0" y="0"/>
-          <a:ext cx="0" cy="0"/>
-          <a:chOff x="0" y="0"/>
-          <a:chExt cx="0" cy="0"/>
-        </a:xfrm>
-      </p:grpSpPr>
-      <p:sp>
-        <p:nvSpPr>
-          <p:cNvPr id="2" name="Título 1">
-            <a:extLst>
-              <a:ext uri="{FF2B5EF4-FFF2-40B4-BE49-F238E27FC236}">
-                <a16:creationId xmlns:a16="http://schemas.microsoft.com/office/drawing/2014/main" id="{DAD0529E-691C-49B6-AF9B-BBF8CBF4DF87}"/>
-              </a:ext>
-            </a:extLst>
-          </p:cNvPr>
-          <p:cNvSpPr>
-            <a:spLocks noGrp="1"/>
-          </p:cNvSpPr>
-          <p:nvPr>
-            <p:ph type="title"/>
-          </p:nvPr>
-        </p:nvSpPr>
-        <p:spPr/>
-        <p:txBody>
-          <a:bodyPr/>
-          <a:lstStyle/>
-          <a:p>
-            <a:r>
-              <a:rPr lang="pt-PT" dirty="0">
-                <a:solidFill>
-                  <a:schemeClr val="bg1">
-                    <a:lumMod val="50000"/>
-                  </a:schemeClr>
-                </a:solidFill>
-              </a:rPr>
-              <a:t>Objetivos</a:t>
-            </a:r>
-          </a:p>
-        </p:txBody>
-      </p:sp>
-      <p:sp>
-        <p:nvSpPr>
-          <p:cNvPr id="3" name="Marcador de Posição de Conteúdo 2">
-            <a:extLst>
-              <a:ext uri="{FF2B5EF4-FFF2-40B4-BE49-F238E27FC236}">
-                <a16:creationId xmlns:a16="http://schemas.microsoft.com/office/drawing/2014/main" id="{1A6D056D-46A0-4D10-B863-EB94981A8C46}"/>
-              </a:ext>
-            </a:extLst>
-          </p:cNvPr>
-          <p:cNvSpPr>
-            <a:spLocks noGrp="1"/>
-          </p:cNvSpPr>
-          <p:nvPr>
-            <p:ph idx="1"/>
-          </p:nvPr>
-        </p:nvSpPr>
-        <p:spPr>
-          <a:xfrm>
-            <a:off x="1097280" y="1929433"/>
-            <a:ext cx="10058400" cy="4023360"/>
-          </a:xfrm>
-        </p:spPr>
-        <p:txBody>
-          <a:bodyPr/>
-          <a:lstStyle/>
-          <a:p>
-            <a:pPr>
-              <a:buFont typeface="Wingdings" panose="05000000000000000000" pitchFamily="2" charset="2"/>
-              <a:buChar char="q"/>
-            </a:pPr>
-            <a:r>
-              <a:rPr lang="pt-PT" dirty="0"/>
-              <a:t> Criar um componente autónomo, capaz de interatuar com os outros módulos do sistema e de fácil integração (e manutenção) no sistema geral;</a:t>
-            </a:r>
-          </a:p>
-          <a:p>
-            <a:pPr>
-              <a:buFont typeface="Wingdings" panose="05000000000000000000" pitchFamily="2" charset="2"/>
-              <a:buChar char="q"/>
-            </a:pPr>
-            <a:r>
-              <a:rPr lang="pt-PT" dirty="0"/>
-              <a:t> Providenciar um sistema de geração de frases capaz de suportar os vários processos do sistema, em termos gerais e em termos de cada domínio de estudo, em particular;</a:t>
-            </a:r>
-          </a:p>
-          <a:p>
-            <a:pPr>
-              <a:buFont typeface="Wingdings" panose="05000000000000000000" pitchFamily="2" charset="2"/>
-              <a:buChar char="q"/>
-            </a:pPr>
-            <a:r>
-              <a:rPr lang="pt-PT" dirty="0"/>
-              <a:t> Desenvolver um sistema de diálogos que dispõe frases à medida do contexto e com alguma capacidade de adaptação a cada estado de um processo de avaliação.</a:t>
-            </a:r>
-          </a:p>
-        </p:txBody>
-      </p:sp>
-    </p:spTree>
-    <p:extLst>
-      <p:ext uri="{BB962C8B-B14F-4D97-AF65-F5344CB8AC3E}">
-        <p14:creationId xmlns:p14="http://schemas.microsoft.com/office/powerpoint/2010/main" val="1634778810"/>
-      </p:ext>
-    </p:extLst>
-  </p:cSld>
-  <p:clrMapOvr>
-    <a:masterClrMapping/>
-  </p:clrMapOvr>
-  <p:transition spd="slow">
-    <p:cover/>
-  </p:transition>
-</p:sld>
-</file>
-
-<file path=ppt/slides/slide6.xml><?xml version="1.0" encoding="utf-8"?>
-<p:sld xmlns:a="http://schemas.openxmlformats.org/drawingml/2006/main" xmlns:r="http://schemas.openxmlformats.org/officeDocument/2006/relationships" xmlns:p="http://schemas.openxmlformats.org/presentationml/2006/main">
-  <p:cSld>
-    <p:spTree>
-      <p:nvGrpSpPr>
-        <p:cNvPr id="1" name=""/>
-        <p:cNvGrpSpPr/>
-        <p:nvPr/>
-      </p:nvGrpSpPr>
-      <p:grpSpPr>
-        <a:xfrm>
-          <a:off x="0" y="0"/>
-          <a:ext cx="0" cy="0"/>
-          <a:chOff x="0" y="0"/>
-          <a:chExt cx="0" cy="0"/>
-        </a:xfrm>
-      </p:grpSpPr>
-      <p:sp>
-        <p:nvSpPr>
-          <p:cNvPr id="2" name="Título 1">
-            <a:extLst>
-              <a:ext uri="{FF2B5EF4-FFF2-40B4-BE49-F238E27FC236}">
-                <a16:creationId xmlns:a16="http://schemas.microsoft.com/office/drawing/2014/main" id="{C9DA4474-206D-415E-90A2-22F6698BD392}"/>
-              </a:ext>
-            </a:extLst>
-          </p:cNvPr>
-          <p:cNvSpPr>
-            <a:spLocks noGrp="1"/>
-          </p:cNvSpPr>
-          <p:nvPr>
-            <p:ph type="title"/>
-          </p:nvPr>
-        </p:nvSpPr>
-        <p:spPr/>
-        <p:txBody>
-          <a:bodyPr/>
-          <a:lstStyle/>
-          <a:p>
-            <a:r>
-              <a:rPr lang="pt-PT" dirty="0">
-                <a:solidFill>
-                  <a:schemeClr val="bg1">
-                    <a:lumMod val="50000"/>
-                  </a:schemeClr>
-                </a:solidFill>
-              </a:rPr>
-              <a:t>Apresentação do Componente</a:t>
-            </a:r>
-          </a:p>
-        </p:txBody>
-      </p:sp>
-      <p:pic>
-        <p:nvPicPr>
-          <p:cNvPr id="5" name="Imagem 4">
-            <a:extLst>
-              <a:ext uri="{FF2B5EF4-FFF2-40B4-BE49-F238E27FC236}">
-                <a16:creationId xmlns:a16="http://schemas.microsoft.com/office/drawing/2014/main" id="{A071BA8A-8BE0-477E-BBFF-00AE52C4F5FC}"/>
+                <a16:creationId xmlns:a16="http://schemas.microsoft.com/office/drawing/2014/main" id="{56C23E1A-3E18-429C-9802-D27661FD0B1C}"/>
               </a:ext>
             </a:extLst>
           </p:cNvPr>
@@ -7494,8 +6724,8 @@
         </p:blipFill>
         <p:spPr>
           <a:xfrm>
-            <a:off x="2061599" y="3130967"/>
-            <a:ext cx="8068801" cy="3105583"/>
+            <a:off x="635458" y="1820226"/>
+            <a:ext cx="2484888" cy="1242444"/>
           </a:xfrm>
           <a:prstGeom prst="rect">
             <a:avLst/>
@@ -7504,212 +6734,49 @@
       </p:pic>
       <p:sp>
         <p:nvSpPr>
-          <p:cNvPr id="7" name="Marcador de Posição de Conteúdo 2">
+          <p:cNvPr id="1032" name="Rectangle 78">
             <a:extLst>
               <a:ext uri="{FF2B5EF4-FFF2-40B4-BE49-F238E27FC236}">
-                <a16:creationId xmlns:a16="http://schemas.microsoft.com/office/drawing/2014/main" id="{3EC6D872-E846-4670-BF08-540C59BD27FC}"/>
+                <a16:creationId xmlns:a16="http://schemas.microsoft.com/office/drawing/2014/main" id="{A0354A3E-8646-42D8-BBA1-296667346E2E}"/>
+              </a:ext>
+              <a:ext uri="{C183D7F6-B498-43B3-948B-1728B52AA6E4}">
+                <adec:decorative xmlns:adec="http://schemas.microsoft.com/office/drawing/2017/decorative" val="1"/>
               </a:ext>
             </a:extLst>
           </p:cNvPr>
           <p:cNvSpPr>
-            <a:spLocks noGrp="1"/>
-          </p:cNvSpPr>
-          <p:nvPr>
-            <p:ph idx="1"/>
+            <a:spLocks noGrp="1" noRot="1" noChangeAspect="1" noMove="1" noResize="1" noEditPoints="1" noAdjustHandles="1" noChangeArrowheads="1" noChangeShapeType="1" noTextEdit="1"/>
+          </p:cNvSpPr>
+          <p:nvPr>
+            <p:extLst>
+              <p:ext uri="{386F3935-93C4-4BCD-93E2-E3B085C9AB24}">
+                <p16:designElem xmlns:p16="http://schemas.microsoft.com/office/powerpoint/2015/main" val="1"/>
+              </p:ext>
+            </p:extLst>
           </p:nvPr>
         </p:nvSpPr>
         <p:spPr>
           <a:xfrm>
-            <a:off x="1097280" y="1930401"/>
-            <a:ext cx="10058400" cy="1450757"/>
-          </a:xfrm>
-        </p:spPr>
-        <p:txBody>
-          <a:bodyPr>
-            <a:normAutofit fontScale="92500" lnSpcReduction="10000"/>
-          </a:bodyPr>
-          <a:lstStyle/>
-          <a:p>
-            <a:pPr>
-              <a:buFont typeface="Wingdings" panose="05000000000000000000" pitchFamily="2" charset="2"/>
-              <a:buChar char="q"/>
-            </a:pPr>
-            <a:r>
-              <a:rPr lang="pt-PT" dirty="0"/>
-              <a:t> Funcionalidade por subcomponente:</a:t>
-            </a:r>
-          </a:p>
-          <a:p>
-            <a:pPr lvl="1">
-              <a:buFont typeface="Wingdings" panose="05000000000000000000" pitchFamily="2" charset="2"/>
-              <a:buChar char="q"/>
-            </a:pPr>
-            <a:r>
-              <a:rPr lang="pt-PT" dirty="0"/>
-              <a:t> Análise do Padrão: Analisar padrão vindo de outra componente e extração/conversão de informação útil;</a:t>
-            </a:r>
-          </a:p>
-          <a:p>
-            <a:pPr lvl="1">
-              <a:buFont typeface="Wingdings" panose="05000000000000000000" pitchFamily="2" charset="2"/>
-              <a:buChar char="q"/>
-            </a:pPr>
-            <a:r>
-              <a:rPr lang="pt-PT" dirty="0"/>
-              <a:t> Motor de Regras: Análise de dados provenientes do padrão e realização de testes, comparando esses dados com as condições das regras, do motor de regras</a:t>
-            </a:r>
-          </a:p>
-          <a:p>
-            <a:pPr lvl="1">
-              <a:buFont typeface="Wingdings" panose="05000000000000000000" pitchFamily="2" charset="2"/>
-              <a:buChar char="q"/>
-            </a:pPr>
-            <a:r>
-              <a:rPr lang="pt-PT" dirty="0"/>
-              <a:t> Seleção de Diálogo: Através das estruturas de decisão, selecionar qual a frase a enviar ao utilizador.</a:t>
-            </a:r>
-          </a:p>
-          <a:p>
-            <a:pPr>
-              <a:buFont typeface="Wingdings" panose="05000000000000000000" pitchFamily="2" charset="2"/>
-              <a:buChar char="q"/>
-            </a:pPr>
-            <a:endParaRPr lang="pt-PT" dirty="0"/>
-          </a:p>
-        </p:txBody>
-      </p:sp>
-    </p:spTree>
-    <p:extLst>
-      <p:ext uri="{BB962C8B-B14F-4D97-AF65-F5344CB8AC3E}">
-        <p14:creationId xmlns:p14="http://schemas.microsoft.com/office/powerpoint/2010/main" val="3735119211"/>
-      </p:ext>
-    </p:extLst>
-  </p:cSld>
-  <p:clrMapOvr>
-    <a:masterClrMapping/>
-  </p:clrMapOvr>
-  <p:transition spd="slow">
-    <p:cover/>
-  </p:transition>
-</p:sld>
-</file>
-
-<file path=ppt/slides/slide7.xml><?xml version="1.0" encoding="utf-8"?>
-<p:sld xmlns:a="http://schemas.openxmlformats.org/drawingml/2006/main" xmlns:r="http://schemas.openxmlformats.org/officeDocument/2006/relationships" xmlns:p="http://schemas.openxmlformats.org/presentationml/2006/main">
-  <p:cSld>
-    <p:spTree>
-      <p:nvGrpSpPr>
-        <p:cNvPr id="1" name=""/>
-        <p:cNvGrpSpPr/>
-        <p:nvPr/>
-      </p:nvGrpSpPr>
-      <p:grpSpPr>
-        <a:xfrm>
-          <a:off x="0" y="0"/>
-          <a:ext cx="0" cy="0"/>
-          <a:chOff x="0" y="0"/>
-          <a:chExt cx="0" cy="0"/>
-        </a:xfrm>
-      </p:grpSpPr>
-      <p:sp>
-        <p:nvSpPr>
-          <p:cNvPr id="2" name="Título 1">
-            <a:extLst>
-              <a:ext uri="{FF2B5EF4-FFF2-40B4-BE49-F238E27FC236}">
-                <a16:creationId xmlns:a16="http://schemas.microsoft.com/office/drawing/2014/main" id="{C9DA4474-206D-415E-90A2-22F6698BD392}"/>
-              </a:ext>
-            </a:extLst>
-          </p:cNvPr>
-          <p:cNvSpPr>
-            <a:spLocks noGrp="1"/>
-          </p:cNvSpPr>
-          <p:nvPr>
-            <p:ph type="title"/>
-          </p:nvPr>
-        </p:nvSpPr>
-        <p:spPr/>
-        <p:txBody>
-          <a:bodyPr/>
-          <a:lstStyle/>
-          <a:p>
-            <a:r>
-              <a:rPr lang="pt-PT" dirty="0">
-                <a:solidFill>
-                  <a:schemeClr val="bg1">
-                    <a:lumMod val="50000"/>
-                  </a:schemeClr>
-                </a:solidFill>
-              </a:rPr>
-              <a:t>Apresentação do Componente</a:t>
-            </a:r>
-          </a:p>
-        </p:txBody>
-      </p:sp>
-      <p:pic>
-        <p:nvPicPr>
-          <p:cNvPr id="5" name="Imagem 4">
-            <a:extLst>
-              <a:ext uri="{FF2B5EF4-FFF2-40B4-BE49-F238E27FC236}">
-                <a16:creationId xmlns:a16="http://schemas.microsoft.com/office/drawing/2014/main" id="{A071BA8A-8BE0-477E-BBFF-00AE52C4F5FC}"/>
-              </a:ext>
-            </a:extLst>
-          </p:cNvPr>
-          <p:cNvPicPr>
-            <a:picLocks noChangeAspect="1"/>
-          </p:cNvPicPr>
-          <p:nvPr/>
-        </p:nvPicPr>
-        <p:blipFill>
-          <a:blip r:embed="rId3">
-            <a:extLst>
-              <a:ext uri="{28A0092B-C50C-407E-A947-70E740481C1C}">
-                <a14:useLocalDpi xmlns:a14="http://schemas.microsoft.com/office/drawing/2010/main" val="0"/>
-              </a:ext>
-            </a:extLst>
-          </a:blip>
-          <a:stretch>
-            <a:fillRect/>
-          </a:stretch>
-        </p:blipFill>
-        <p:spPr>
-          <a:xfrm>
-            <a:off x="2061599" y="2649491"/>
-            <a:ext cx="8068801" cy="3105583"/>
+            <a:off x="3246201" y="886968"/>
+            <a:ext cx="64008" cy="3108960"/>
           </a:xfrm>
           <a:prstGeom prst="rect">
             <a:avLst/>
           </a:prstGeom>
-        </p:spPr>
-      </p:pic>
-      <p:sp>
-        <p:nvSpPr>
-          <p:cNvPr id="3" name="Oval 2">
-            <a:extLst>
-              <a:ext uri="{FF2B5EF4-FFF2-40B4-BE49-F238E27FC236}">
-                <a16:creationId xmlns:a16="http://schemas.microsoft.com/office/drawing/2014/main" id="{29E9DD23-BBFC-4EBB-BAD0-425A92F9B41A}"/>
-              </a:ext>
-            </a:extLst>
-          </p:cNvPr>
-          <p:cNvSpPr/>
-          <p:nvPr/>
-        </p:nvSpPr>
-        <p:spPr>
-          <a:xfrm>
-            <a:off x="10243820" y="3466254"/>
-            <a:ext cx="1219200" cy="1209041"/>
-          </a:xfrm>
-          <a:prstGeom prst="ellipse">
-            <a:avLst/>
-          </a:prstGeom>
+          <a:ln>
+            <a:noFill/>
+          </a:ln>
         </p:spPr>
         <p:style>
-          <a:lnRef idx="3">
-            <a:schemeClr val="lt1"/>
+          <a:lnRef idx="2">
+            <a:schemeClr val="accent1">
+              <a:shade val="50000"/>
+            </a:schemeClr>
           </a:lnRef>
           <a:fillRef idx="1">
             <a:schemeClr val="accent1"/>
           </a:fillRef>
-          <a:effectRef idx="1">
+          <a:effectRef idx="0">
             <a:schemeClr val="accent1"/>
           </a:effectRef>
           <a:fontRef idx="minor">
@@ -7721,362 +6788,21 @@
           <a:lstStyle/>
           <a:p>
             <a:pPr algn="ctr"/>
-            <a:endParaRPr lang="pt-PT"/>
-          </a:p>
-        </p:txBody>
-      </p:sp>
-      <p:sp>
-        <p:nvSpPr>
-          <p:cNvPr id="6" name="Oval 5">
+            <a:endParaRPr lang="en-US"/>
+          </a:p>
+        </p:txBody>
+      </p:sp>
+      <p:pic>
+        <p:nvPicPr>
+          <p:cNvPr id="1026" name="Picture 2" descr="Resultado de imagem para nltk">
             <a:extLst>
               <a:ext uri="{FF2B5EF4-FFF2-40B4-BE49-F238E27FC236}">
-                <a16:creationId xmlns:a16="http://schemas.microsoft.com/office/drawing/2014/main" id="{73DA8051-3890-44E6-B9AC-2008EEE802ED}"/>
-              </a:ext>
-            </a:extLst>
-          </p:cNvPr>
-          <p:cNvSpPr/>
-          <p:nvPr/>
-        </p:nvSpPr>
-        <p:spPr>
-          <a:xfrm>
-            <a:off x="639199" y="3466254"/>
-            <a:ext cx="1219200" cy="1209041"/>
-          </a:xfrm>
-          <a:prstGeom prst="ellipse">
-            <a:avLst/>
-          </a:prstGeom>
-        </p:spPr>
-        <p:style>
-          <a:lnRef idx="3">
-            <a:schemeClr val="lt1"/>
-          </a:lnRef>
-          <a:fillRef idx="1">
-            <a:schemeClr val="accent1"/>
-          </a:fillRef>
-          <a:effectRef idx="1">
-            <a:schemeClr val="accent1"/>
-          </a:effectRef>
-          <a:fontRef idx="minor">
-            <a:schemeClr val="lt1"/>
-          </a:fontRef>
-        </p:style>
-        <p:txBody>
-          <a:bodyPr rtlCol="0" anchor="ctr"/>
-          <a:lstStyle/>
-          <a:p>
-            <a:pPr algn="ctr"/>
-            <a:endParaRPr lang="pt-PT"/>
-          </a:p>
-        </p:txBody>
-      </p:sp>
-      <p:sp>
-        <p:nvSpPr>
-          <p:cNvPr id="4" name="CaixaDeTexto 3">
-            <a:extLst>
-              <a:ext uri="{FF2B5EF4-FFF2-40B4-BE49-F238E27FC236}">
-                <a16:creationId xmlns:a16="http://schemas.microsoft.com/office/drawing/2014/main" id="{D3649FF5-04AA-4E5C-A44C-3CCD9ADE4C05}"/>
-              </a:ext>
-            </a:extLst>
-          </p:cNvPr>
-          <p:cNvSpPr txBox="1"/>
-          <p:nvPr/>
-        </p:nvSpPr>
-        <p:spPr>
-          <a:xfrm>
-            <a:off x="639199" y="2649492"/>
-            <a:ext cx="2201333" cy="584775"/>
-          </a:xfrm>
-          <a:prstGeom prst="rect">
-            <a:avLst/>
-          </a:prstGeom>
-          <a:noFill/>
-        </p:spPr>
-        <p:txBody>
-          <a:bodyPr wrap="square" rtlCol="0">
-            <a:spAutoFit/>
-          </a:bodyPr>
-          <a:lstStyle/>
-          <a:p>
-            <a:r>
-              <a:rPr lang="pt-PT" sz="3200" i="1" dirty="0" err="1">
-                <a:solidFill>
-                  <a:schemeClr val="bg1">
-                    <a:lumMod val="50000"/>
-                  </a:schemeClr>
-                </a:solidFill>
-                <a:effectLst>
-                  <a:outerShdw blurRad="38100" dist="38100" dir="2700000" algn="tl">
-                    <a:srgbClr val="000000">
-                      <a:alpha val="43137"/>
-                    </a:srgbClr>
-                  </a:outerShdw>
-                </a:effectLst>
-              </a:rPr>
-              <a:t>Profiler</a:t>
-            </a:r>
-            <a:endParaRPr lang="pt-PT" sz="3200" i="1" dirty="0">
-              <a:solidFill>
-                <a:schemeClr val="bg1">
-                  <a:lumMod val="50000"/>
-                </a:schemeClr>
-              </a:solidFill>
-              <a:effectLst>
-                <a:outerShdw blurRad="38100" dist="38100" dir="2700000" algn="tl">
-                  <a:srgbClr val="000000">
-                    <a:alpha val="43137"/>
-                  </a:srgbClr>
-                </a:outerShdw>
-              </a:effectLst>
-            </a:endParaRPr>
-          </a:p>
-        </p:txBody>
-      </p:sp>
-      <p:sp>
-        <p:nvSpPr>
-          <p:cNvPr id="7" name="CaixaDeTexto 6">
-            <a:extLst>
-              <a:ext uri="{FF2B5EF4-FFF2-40B4-BE49-F238E27FC236}">
-                <a16:creationId xmlns:a16="http://schemas.microsoft.com/office/drawing/2014/main" id="{CD680EE5-899C-49B9-8F64-6501BABE3879}"/>
-              </a:ext>
-            </a:extLst>
-          </p:cNvPr>
-          <p:cNvSpPr txBox="1"/>
-          <p:nvPr/>
-        </p:nvSpPr>
-        <p:spPr>
-          <a:xfrm>
-            <a:off x="9990667" y="2649491"/>
-            <a:ext cx="2201333" cy="584775"/>
-          </a:xfrm>
-          <a:prstGeom prst="rect">
-            <a:avLst/>
-          </a:prstGeom>
-          <a:noFill/>
-        </p:spPr>
-        <p:txBody>
-          <a:bodyPr wrap="square" rtlCol="0">
-            <a:spAutoFit/>
-          </a:bodyPr>
-          <a:lstStyle/>
-          <a:p>
-            <a:r>
-              <a:rPr lang="pt-PT" sz="3200" i="1" dirty="0">
-                <a:solidFill>
-                  <a:schemeClr val="bg1">
-                    <a:lumMod val="50000"/>
-                  </a:schemeClr>
-                </a:solidFill>
-                <a:effectLst>
-                  <a:outerShdw blurRad="38100" dist="38100" dir="2700000" algn="tl">
-                    <a:srgbClr val="000000">
-                      <a:alpha val="43137"/>
-                    </a:srgbClr>
-                  </a:outerShdw>
-                </a:effectLst>
-              </a:rPr>
-              <a:t>Interface</a:t>
-            </a:r>
-          </a:p>
-        </p:txBody>
-      </p:sp>
-    </p:spTree>
-    <p:extLst>
-      <p:ext uri="{BB962C8B-B14F-4D97-AF65-F5344CB8AC3E}">
-        <p14:creationId xmlns:p14="http://schemas.microsoft.com/office/powerpoint/2010/main" val="2947764199"/>
-      </p:ext>
-    </p:extLst>
-  </p:cSld>
-  <p:clrMapOvr>
-    <a:masterClrMapping/>
-  </p:clrMapOvr>
-  <p:transition spd="slow">
-    <p:cover/>
-  </p:transition>
-</p:sld>
-</file>
-
-<file path=ppt/slides/slide8.xml><?xml version="1.0" encoding="utf-8"?>
-<p:sld xmlns:a="http://schemas.openxmlformats.org/drawingml/2006/main" xmlns:r="http://schemas.openxmlformats.org/officeDocument/2006/relationships" xmlns:p="http://schemas.openxmlformats.org/presentationml/2006/main">
-  <p:cSld>
-    <p:spTree>
-      <p:nvGrpSpPr>
-        <p:cNvPr id="1" name=""/>
-        <p:cNvGrpSpPr/>
-        <p:nvPr/>
-      </p:nvGrpSpPr>
-      <p:grpSpPr>
-        <a:xfrm>
-          <a:off x="0" y="0"/>
-          <a:ext cx="0" cy="0"/>
-          <a:chOff x="0" y="0"/>
-          <a:chExt cx="0" cy="0"/>
-        </a:xfrm>
-      </p:grpSpPr>
-      <p:sp>
-        <p:nvSpPr>
-          <p:cNvPr id="9" name="Título 8">
-            <a:extLst>
-              <a:ext uri="{FF2B5EF4-FFF2-40B4-BE49-F238E27FC236}">
-                <a16:creationId xmlns:a16="http://schemas.microsoft.com/office/drawing/2014/main" id="{2242052A-3CCC-4918-9A02-55A0F086A6AC}"/>
-              </a:ext>
-            </a:extLst>
-          </p:cNvPr>
-          <p:cNvSpPr>
-            <a:spLocks noGrp="1"/>
-          </p:cNvSpPr>
-          <p:nvPr>
-            <p:ph type="title"/>
-          </p:nvPr>
-        </p:nvSpPr>
-        <p:spPr/>
-        <p:txBody>
-          <a:bodyPr/>
-          <a:lstStyle/>
-          <a:p>
-            <a:r>
-              <a:rPr lang="pt-PT" dirty="0"/>
-              <a:t>Diálogo suportado pelo sistema (exemplo)</a:t>
-            </a:r>
-          </a:p>
-        </p:txBody>
-      </p:sp>
-      <p:sp>
-        <p:nvSpPr>
-          <p:cNvPr id="11" name="Marcador de Posição do Texto 10">
-            <a:extLst>
-              <a:ext uri="{FF2B5EF4-FFF2-40B4-BE49-F238E27FC236}">
-                <a16:creationId xmlns:a16="http://schemas.microsoft.com/office/drawing/2014/main" id="{861DA2B8-2C4C-499C-9373-7AF65343E67A}"/>
-              </a:ext>
-            </a:extLst>
-          </p:cNvPr>
-          <p:cNvSpPr>
-            <a:spLocks noGrp="1"/>
-          </p:cNvSpPr>
-          <p:nvPr>
-            <p:ph type="body" sz="half" idx="2"/>
-          </p:nvPr>
-        </p:nvSpPr>
-        <p:spPr/>
-        <p:txBody>
-          <a:bodyPr/>
-          <a:lstStyle/>
-          <a:p>
-            <a:r>
-              <a:rPr lang="pt-PT" dirty="0"/>
-              <a:t>Leonardo: Então Einstein, vamos a</a:t>
-            </a:r>
-            <a:br>
-              <a:rPr lang="pt-PT" dirty="0"/>
-            </a:br>
-            <a:r>
-              <a:rPr lang="pt-PT" dirty="0"/>
-              <a:t>                   mais um teste?</a:t>
-            </a:r>
-            <a:br>
-              <a:rPr lang="pt-PT" dirty="0"/>
-            </a:br>
-            <a:r>
-              <a:rPr lang="pt-PT" dirty="0"/>
-              <a:t>Utilizador: Eu sei tudo!</a:t>
-            </a:r>
-            <a:br>
-              <a:rPr lang="pt-PT" dirty="0"/>
-            </a:br>
-            <a:r>
-              <a:rPr lang="pt-PT" dirty="0"/>
-              <a:t>Leonardo : Escolhe o tema para</a:t>
-            </a:r>
-            <a:br>
-              <a:rPr lang="pt-PT" dirty="0"/>
-            </a:br>
-            <a:r>
-              <a:rPr lang="pt-PT" dirty="0"/>
-              <a:t>                    avaliação.</a:t>
-            </a:r>
-            <a:br>
-              <a:rPr lang="pt-PT" dirty="0"/>
-            </a:br>
-            <a:endParaRPr lang="pt-PT" dirty="0"/>
-          </a:p>
-          <a:p>
-            <a:r>
-              <a:rPr lang="pt-PT" dirty="0"/>
-              <a:t>(…)</a:t>
-            </a:r>
-            <a:br>
-              <a:rPr lang="pt-PT" dirty="0"/>
-            </a:br>
-            <a:r>
-              <a:rPr lang="pt-PT" dirty="0"/>
-              <a:t>* Aluno realiza um teste e termina com boa performance *</a:t>
-            </a:r>
-            <a:br>
-              <a:rPr lang="pt-PT" dirty="0"/>
-            </a:br>
-            <a:r>
-              <a:rPr lang="pt-PT" dirty="0"/>
-              <a:t>(…)</a:t>
-            </a:r>
-            <a:br>
-              <a:rPr lang="pt-PT" dirty="0"/>
-            </a:br>
-            <a:br>
-              <a:rPr lang="pt-PT" dirty="0"/>
-            </a:br>
-            <a:r>
-              <a:rPr lang="pt-PT" dirty="0"/>
-              <a:t>Leonardo: É para o 20.</a:t>
-            </a:r>
-          </a:p>
-        </p:txBody>
-      </p:sp>
-      <p:pic>
-        <p:nvPicPr>
-          <p:cNvPr id="6" name="Imagem 5">
-            <a:extLst>
-              <a:ext uri="{FF2B5EF4-FFF2-40B4-BE49-F238E27FC236}">
-                <a16:creationId xmlns:a16="http://schemas.microsoft.com/office/drawing/2014/main" id="{29C326E9-55EA-47E8-8815-2DF28E56CE08}"/>
+                <a16:creationId xmlns:a16="http://schemas.microsoft.com/office/drawing/2014/main" id="{9738948D-D64D-4C6B-8A63-54529E749186}"/>
               </a:ext>
             </a:extLst>
           </p:cNvPr>
           <p:cNvPicPr>
-            <a:picLocks noChangeAspect="1"/>
-          </p:cNvPicPr>
-          <p:nvPr/>
-        </p:nvPicPr>
-        <p:blipFill>
-          <a:blip r:embed="rId3">
-            <a:extLst>
-              <a:ext uri="{28A0092B-C50C-407E-A947-70E740481C1C}">
-                <a14:useLocalDpi xmlns:a14="http://schemas.microsoft.com/office/drawing/2010/main" val="0"/>
-              </a:ext>
-            </a:extLst>
-          </a:blip>
-          <a:stretch>
-            <a:fillRect/>
-          </a:stretch>
-        </p:blipFill>
-        <p:spPr>
-          <a:xfrm>
-            <a:off x="4257858" y="0"/>
-            <a:ext cx="4852275" cy="3641535"/>
-          </a:xfrm>
-          <a:prstGeom prst="rect">
-            <a:avLst/>
-          </a:prstGeom>
-        </p:spPr>
-      </p:pic>
-      <p:pic>
-        <p:nvPicPr>
-          <p:cNvPr id="8" name="Imagem 7">
-            <a:extLst>
-              <a:ext uri="{FF2B5EF4-FFF2-40B4-BE49-F238E27FC236}">
-                <a16:creationId xmlns:a16="http://schemas.microsoft.com/office/drawing/2014/main" id="{1E4737B7-0097-4870-AF81-03E8531FC890}"/>
-              </a:ext>
-            </a:extLst>
-          </p:cNvPr>
-          <p:cNvPicPr>
-            <a:picLocks noChangeAspect="1"/>
+            <a:picLocks noChangeAspect="1" noChangeArrowheads="1"/>
           </p:cNvPicPr>
           <p:nvPr/>
         </p:nvPicPr>
@@ -8092,86 +6818,89 @@
             <a:fillRect/>
           </a:stretch>
         </p:blipFill>
-        <p:spPr>
+        <p:spPr bwMode="auto">
           <a:xfrm>
-            <a:off x="4299315" y="3641535"/>
-            <a:ext cx="5072409" cy="3198816"/>
+            <a:off x="3436064" y="1794381"/>
+            <a:ext cx="2476811" cy="1294133"/>
           </a:xfrm>
           <a:prstGeom prst="rect">
             <a:avLst/>
           </a:prstGeom>
+          <a:noFill/>
+          <a:extLst>
+            <a:ext uri="{909E8E84-426E-40DD-AFC4-6F175D3DCCD1}">
+              <a14:hiddenFill xmlns:a14="http://schemas.microsoft.com/office/drawing/2010/main">
+                <a:solidFill>
+                  <a:srgbClr val="FFFFFF"/>
+                </a:solidFill>
+              </a14:hiddenFill>
+            </a:ext>
+          </a:extLst>
         </p:spPr>
       </p:pic>
-    </p:spTree>
-    <p:extLst>
-      <p:ext uri="{BB962C8B-B14F-4D97-AF65-F5344CB8AC3E}">
-        <p14:creationId xmlns:p14="http://schemas.microsoft.com/office/powerpoint/2010/main" val="2018381725"/>
-      </p:ext>
-    </p:extLst>
-  </p:cSld>
-  <p:clrMapOvr>
-    <a:masterClrMapping/>
-  </p:clrMapOvr>
-  <p:transition spd="slow">
-    <p:cover/>
-  </p:transition>
-</p:sld>
-</file>
-
-<file path=ppt/slides/slide9.xml><?xml version="1.0" encoding="utf-8"?>
-<p:sld xmlns:a="http://schemas.openxmlformats.org/drawingml/2006/main" xmlns:r="http://schemas.openxmlformats.org/officeDocument/2006/relationships" xmlns:p="http://schemas.openxmlformats.org/presentationml/2006/main">
-  <p:cSld>
-    <p:spTree>
-      <p:nvGrpSpPr>
-        <p:cNvPr id="1" name=""/>
-        <p:cNvGrpSpPr/>
-        <p:nvPr/>
-      </p:nvGrpSpPr>
-      <p:grpSpPr>
-        <a:xfrm>
-          <a:off x="0" y="0"/>
-          <a:ext cx="0" cy="0"/>
-          <a:chOff x="0" y="0"/>
-          <a:chExt cx="0" cy="0"/>
-        </a:xfrm>
-      </p:grpSpPr>
-      <p:sp>
-        <p:nvSpPr>
-          <p:cNvPr id="2" name="Título 1">
+      <p:sp>
+        <p:nvSpPr>
+          <p:cNvPr id="1033" name="Rectangle 80">
             <a:extLst>
               <a:ext uri="{FF2B5EF4-FFF2-40B4-BE49-F238E27FC236}">
-                <a16:creationId xmlns:a16="http://schemas.microsoft.com/office/drawing/2014/main" id="{D6A7957C-DC5E-4548-8077-D8829D44F171}"/>
+                <a16:creationId xmlns:a16="http://schemas.microsoft.com/office/drawing/2014/main" id="{8D8F64D4-85B6-4B50-8267-A34225759265}"/>
+              </a:ext>
+              <a:ext uri="{C183D7F6-B498-43B3-948B-1728B52AA6E4}">
+                <adec:decorative xmlns:adec="http://schemas.microsoft.com/office/drawing/2017/decorative" val="1"/>
               </a:ext>
             </a:extLst>
           </p:cNvPr>
           <p:cNvSpPr>
-            <a:spLocks noGrp="1"/>
-          </p:cNvSpPr>
-          <p:nvPr>
-            <p:ph type="title"/>
-          </p:nvPr>
-        </p:nvSpPr>
-        <p:spPr/>
-        <p:txBody>
-          <a:bodyPr/>
+            <a:spLocks noGrp="1" noRot="1" noChangeAspect="1" noMove="1" noResize="1" noEditPoints="1" noAdjustHandles="1" noChangeArrowheads="1" noChangeShapeType="1" noTextEdit="1"/>
+          </p:cNvSpPr>
+          <p:nvPr>
+            <p:extLst>
+              <p:ext uri="{386F3935-93C4-4BCD-93E2-E3B085C9AB24}">
+                <p16:designElem xmlns:p16="http://schemas.microsoft.com/office/powerpoint/2015/main" val="1"/>
+              </p:ext>
+            </p:extLst>
+          </p:nvPr>
+        </p:nvSpPr>
+        <p:spPr>
+          <a:xfrm>
+            <a:off x="6038730" y="886968"/>
+            <a:ext cx="64008" cy="3108960"/>
+          </a:xfrm>
+          <a:prstGeom prst="rect">
+            <a:avLst/>
+          </a:prstGeom>
+          <a:ln>
+            <a:noFill/>
+          </a:ln>
+        </p:spPr>
+        <p:style>
+          <a:lnRef idx="2">
+            <a:schemeClr val="accent1">
+              <a:shade val="50000"/>
+            </a:schemeClr>
+          </a:lnRef>
+          <a:fillRef idx="1">
+            <a:schemeClr val="accent1"/>
+          </a:fillRef>
+          <a:effectRef idx="0">
+            <a:schemeClr val="accent1"/>
+          </a:effectRef>
+          <a:fontRef idx="minor">
+            <a:schemeClr val="lt1"/>
+          </a:fontRef>
+        </p:style>
+        <p:txBody>
+          <a:bodyPr rtlCol="0" anchor="ctr"/>
           <a:lstStyle/>
           <a:p>
-            <a:r>
-              <a:rPr lang="pt-PT" dirty="0">
-                <a:solidFill>
-                  <a:schemeClr val="bg1">
-                    <a:lumMod val="50000"/>
-                  </a:schemeClr>
-                </a:solidFill>
-              </a:rPr>
-              <a:t>Ferramentas utilizadas</a:t>
-            </a:r>
+            <a:pPr algn="ctr"/>
+            <a:endParaRPr lang="en-US"/>
           </a:p>
         </p:txBody>
       </p:sp>
       <p:pic>
         <p:nvPicPr>
-          <p:cNvPr id="5" name="Imagem 4">
+          <p:cNvPr id="5" name="Imagem 4" descr="Uma imagem com ClipArt&#10;&#10;Descrição gerada automaticamente">
             <a:extLst>
               <a:ext uri="{FF2B5EF4-FFF2-40B4-BE49-F238E27FC236}">
                 <a16:creationId xmlns:a16="http://schemas.microsoft.com/office/drawing/2014/main" id="{314C4566-E3D5-4C54-8686-5B9ECE2D9E35}"/>
@@ -8184,7 +6913,7 @@
           <p:nvPr/>
         </p:nvPicPr>
         <p:blipFill>
-          <a:blip r:embed="rId3">
+          <a:blip r:embed="rId5">
             <a:extLst>
               <a:ext uri="{28A0092B-C50C-407E-A947-70E740481C1C}">
                 <a14:useLocalDpi xmlns:a14="http://schemas.microsoft.com/office/drawing/2010/main" val="0"/>
@@ -8197,92 +6926,80 @@
         </p:blipFill>
         <p:spPr>
           <a:xfrm>
-            <a:off x="6781586" y="4431467"/>
-            <a:ext cx="4162425" cy="1095375"/>
+            <a:off x="6228593" y="2111051"/>
+            <a:ext cx="2511016" cy="660793"/>
           </a:xfrm>
           <a:prstGeom prst="rect">
             <a:avLst/>
           </a:prstGeom>
         </p:spPr>
       </p:pic>
+      <p:sp>
+        <p:nvSpPr>
+          <p:cNvPr id="1034" name="Rectangle 82">
+            <a:extLst>
+              <a:ext uri="{FF2B5EF4-FFF2-40B4-BE49-F238E27FC236}">
+                <a16:creationId xmlns:a16="http://schemas.microsoft.com/office/drawing/2014/main" id="{982E57E1-FBFC-4937-B6B9-C381D1C95225}"/>
+              </a:ext>
+              <a:ext uri="{C183D7F6-B498-43B3-948B-1728B52AA6E4}">
+                <adec:decorative xmlns:adec="http://schemas.microsoft.com/office/drawing/2017/decorative" val="1"/>
+              </a:ext>
+            </a:extLst>
+          </p:cNvPr>
+          <p:cNvSpPr>
+            <a:spLocks noGrp="1" noRot="1" noChangeAspect="1" noMove="1" noResize="1" noEditPoints="1" noAdjustHandles="1" noChangeArrowheads="1" noChangeShapeType="1" noTextEdit="1"/>
+          </p:cNvSpPr>
+          <p:nvPr>
+            <p:extLst>
+              <p:ext uri="{386F3935-93C4-4BCD-93E2-E3B085C9AB24}">
+                <p16:designElem xmlns:p16="http://schemas.microsoft.com/office/powerpoint/2015/main" val="1"/>
+              </p:ext>
+            </p:extLst>
+          </p:nvPr>
+        </p:nvSpPr>
+        <p:spPr>
+          <a:xfrm>
+            <a:off x="8865464" y="886968"/>
+            <a:ext cx="64008" cy="3108960"/>
+          </a:xfrm>
+          <a:prstGeom prst="rect">
+            <a:avLst/>
+          </a:prstGeom>
+          <a:ln>
+            <a:noFill/>
+          </a:ln>
+        </p:spPr>
+        <p:style>
+          <a:lnRef idx="2">
+            <a:schemeClr val="accent1">
+              <a:shade val="50000"/>
+            </a:schemeClr>
+          </a:lnRef>
+          <a:fillRef idx="1">
+            <a:schemeClr val="accent1"/>
+          </a:fillRef>
+          <a:effectRef idx="0">
+            <a:schemeClr val="accent1"/>
+          </a:effectRef>
+          <a:fontRef idx="minor">
+            <a:schemeClr val="lt1"/>
+          </a:fontRef>
+        </p:style>
+        <p:txBody>
+          <a:bodyPr rtlCol="0" anchor="ctr"/>
+          <a:lstStyle/>
+          <a:p>
+            <a:pPr algn="ctr"/>
+            <a:endParaRPr lang="en-US"/>
+          </a:p>
+        </p:txBody>
+      </p:sp>
       <p:pic>
         <p:nvPicPr>
           <p:cNvPr id="7" name="Imagem 6">
             <a:extLst>
               <a:ext uri="{FF2B5EF4-FFF2-40B4-BE49-F238E27FC236}">
                 <a16:creationId xmlns:a16="http://schemas.microsoft.com/office/drawing/2014/main" id="{896B0D0B-613F-40CF-9E5B-ED2D0E0E299E}"/>
-              </a:ext>
-            </a:extLst>
-          </p:cNvPr>
-          <p:cNvPicPr>
-            <a:picLocks noChangeAspect="1"/>
-          </p:cNvPicPr>
-          <p:nvPr/>
-        </p:nvPicPr>
-        <p:blipFill>
-          <a:blip r:embed="rId4">
-            <a:extLst>
-              <a:ext uri="{28A0092B-C50C-407E-A947-70E740481C1C}">
-                <a14:useLocalDpi xmlns:a14="http://schemas.microsoft.com/office/drawing/2010/main" val="0"/>
-              </a:ext>
-            </a:extLst>
-          </a:blip>
-          <a:stretch>
-            <a:fillRect/>
-          </a:stretch>
-        </p:blipFill>
-        <p:spPr>
-          <a:xfrm>
-            <a:off x="6857359" y="1827256"/>
-            <a:ext cx="3664800" cy="1752730"/>
-          </a:xfrm>
-          <a:prstGeom prst="rect">
-            <a:avLst/>
-          </a:prstGeom>
-        </p:spPr>
-      </p:pic>
-      <p:pic>
-        <p:nvPicPr>
-          <p:cNvPr id="9" name="Imagem 8">
-            <a:extLst>
-              <a:ext uri="{FF2B5EF4-FFF2-40B4-BE49-F238E27FC236}">
-                <a16:creationId xmlns:a16="http://schemas.microsoft.com/office/drawing/2014/main" id="{36CC0437-23EE-4BD1-ADC3-A33696204AFF}"/>
-              </a:ext>
-            </a:extLst>
-          </p:cNvPr>
-          <p:cNvPicPr>
-            <a:picLocks noChangeAspect="1"/>
-          </p:cNvPicPr>
-          <p:nvPr/>
-        </p:nvPicPr>
-        <p:blipFill>
-          <a:blip r:embed="rId5" cstate="hqprint">
-            <a:extLst>
-              <a:ext uri="{28A0092B-C50C-407E-A947-70E740481C1C}">
-                <a14:useLocalDpi xmlns:a14="http://schemas.microsoft.com/office/drawing/2010/main" val="0"/>
-              </a:ext>
-            </a:extLst>
-          </a:blip>
-          <a:stretch>
-            <a:fillRect/>
-          </a:stretch>
-        </p:blipFill>
-        <p:spPr>
-          <a:xfrm>
-            <a:off x="1038300" y="2022537"/>
-            <a:ext cx="4296342" cy="1450757"/>
-          </a:xfrm>
-          <a:prstGeom prst="rect">
-            <a:avLst/>
-          </a:prstGeom>
-        </p:spPr>
-      </p:pic>
-      <p:pic>
-        <p:nvPicPr>
-          <p:cNvPr id="11" name="Imagem 10">
-            <a:extLst>
-              <a:ext uri="{FF2B5EF4-FFF2-40B4-BE49-F238E27FC236}">
-                <a16:creationId xmlns:a16="http://schemas.microsoft.com/office/drawing/2014/main" id="{56C23E1A-3E18-429C-9802-D27661FD0B1C}"/>
               </a:ext>
             </a:extLst>
           </p:cNvPr>
@@ -8305,14 +7022,178 @@
         </p:blipFill>
         <p:spPr>
           <a:xfrm>
-            <a:off x="1301122" y="3579986"/>
-            <a:ext cx="4033520" cy="2016760"/>
+            <a:off x="9055327" y="1846552"/>
+            <a:ext cx="2487746" cy="1189791"/>
           </a:xfrm>
           <a:prstGeom prst="rect">
             <a:avLst/>
           </a:prstGeom>
         </p:spPr>
       </p:pic>
+      <p:cxnSp>
+        <p:nvCxnSpPr>
+          <p:cNvPr id="1035" name="Straight Connector 84">
+            <a:extLst>
+              <a:ext uri="{FF2B5EF4-FFF2-40B4-BE49-F238E27FC236}">
+                <a16:creationId xmlns:a16="http://schemas.microsoft.com/office/drawing/2014/main" id="{7105A204-F287-4494-909D-5FD20667E7D1}"/>
+              </a:ext>
+              <a:ext uri="{C183D7F6-B498-43B3-948B-1728B52AA6E4}">
+                <adec:decorative xmlns:adec="http://schemas.microsoft.com/office/drawing/2017/decorative" val="1"/>
+              </a:ext>
+            </a:extLst>
+          </p:cNvPr>
+          <p:cNvCxnSpPr>
+            <a:cxnSpLocks noGrp="1" noRot="1" noChangeAspect="1" noMove="1" noResize="1" noEditPoints="1" noAdjustHandles="1" noChangeArrowheads="1" noChangeShapeType="1"/>
+          </p:cNvCxnSpPr>
+          <p:nvPr>
+            <p:extLst>
+              <p:ext uri="{386F3935-93C4-4BCD-93E2-E3B085C9AB24}">
+                <p16:designElem xmlns:p16="http://schemas.microsoft.com/office/powerpoint/2015/main" val="1"/>
+              </p:ext>
+            </p:extLst>
+          </p:nvPr>
+        </p:nvCxnSpPr>
+        <p:spPr>
+          <a:xfrm>
+            <a:off x="721086" y="5618770"/>
+            <a:ext cx="10515600" cy="0"/>
+          </a:xfrm>
+          <a:prstGeom prst="line">
+            <a:avLst/>
+          </a:prstGeom>
+          <a:ln w="6350">
+            <a:solidFill>
+              <a:schemeClr val="tx2">
+                <a:alpha val="90000"/>
+              </a:schemeClr>
+            </a:solidFill>
+          </a:ln>
+        </p:spPr>
+        <p:style>
+          <a:lnRef idx="1">
+            <a:schemeClr val="accent1"/>
+          </a:lnRef>
+          <a:fillRef idx="0">
+            <a:schemeClr val="accent1"/>
+          </a:fillRef>
+          <a:effectRef idx="0">
+            <a:schemeClr val="accent1"/>
+          </a:effectRef>
+          <a:fontRef idx="minor">
+            <a:schemeClr val="tx1"/>
+          </a:fontRef>
+        </p:style>
+      </p:cxnSp>
+      <p:sp>
+        <p:nvSpPr>
+          <p:cNvPr id="1036" name="Rectangle 86">
+            <a:extLst>
+              <a:ext uri="{FF2B5EF4-FFF2-40B4-BE49-F238E27FC236}">
+                <a16:creationId xmlns:a16="http://schemas.microsoft.com/office/drawing/2014/main" id="{A08B6943-0110-4993-B7F6-7A6A1EC667AE}"/>
+              </a:ext>
+              <a:ext uri="{C183D7F6-B498-43B3-948B-1728B52AA6E4}">
+                <adec:decorative xmlns:adec="http://schemas.microsoft.com/office/drawing/2017/decorative" val="1"/>
+              </a:ext>
+            </a:extLst>
+          </p:cNvPr>
+          <p:cNvSpPr>
+            <a:spLocks noGrp="1" noRot="1" noChangeAspect="1" noMove="1" noResize="1" noEditPoints="1" noAdjustHandles="1" noChangeArrowheads="1" noChangeShapeType="1" noTextEdit="1"/>
+          </p:cNvSpPr>
+          <p:nvPr>
+            <p:extLst>
+              <p:ext uri="{386F3935-93C4-4BCD-93E2-E3B085C9AB24}">
+                <p16:designElem xmlns:p16="http://schemas.microsoft.com/office/powerpoint/2015/main" val="1"/>
+              </p:ext>
+            </p:extLst>
+          </p:nvPr>
+        </p:nvSpPr>
+        <p:spPr>
+          <a:xfrm>
+            <a:off x="15" y="6334316"/>
+            <a:ext cx="12191985" cy="66484"/>
+          </a:xfrm>
+          <a:prstGeom prst="rect">
+            <a:avLst/>
+          </a:prstGeom>
+          <a:solidFill>
+            <a:schemeClr val="accent1"/>
+          </a:solidFill>
+          <a:ln>
+            <a:noFill/>
+          </a:ln>
+        </p:spPr>
+        <p:style>
+          <a:lnRef idx="2">
+            <a:schemeClr val="accent1">
+              <a:shade val="50000"/>
+            </a:schemeClr>
+          </a:lnRef>
+          <a:fillRef idx="1">
+            <a:schemeClr val="accent1"/>
+          </a:fillRef>
+          <a:effectRef idx="0">
+            <a:schemeClr val="accent1"/>
+          </a:effectRef>
+          <a:fontRef idx="minor">
+            <a:schemeClr val="lt1"/>
+          </a:fontRef>
+        </p:style>
+      </p:sp>
+      <p:sp>
+        <p:nvSpPr>
+          <p:cNvPr id="89" name="Rectangle 88">
+            <a:extLst>
+              <a:ext uri="{FF2B5EF4-FFF2-40B4-BE49-F238E27FC236}">
+                <a16:creationId xmlns:a16="http://schemas.microsoft.com/office/drawing/2014/main" id="{011BBFEE-907A-4DF1-9F7B-C5211B637BE9}"/>
+              </a:ext>
+              <a:ext uri="{C183D7F6-B498-43B3-948B-1728B52AA6E4}">
+                <adec:decorative xmlns:adec="http://schemas.microsoft.com/office/drawing/2017/decorative" val="1"/>
+              </a:ext>
+            </a:extLst>
+          </p:cNvPr>
+          <p:cNvSpPr>
+            <a:spLocks noGrp="1" noRot="1" noChangeAspect="1" noMove="1" noResize="1" noEditPoints="1" noAdjustHandles="1" noChangeArrowheads="1" noChangeShapeType="1" noTextEdit="1"/>
+          </p:cNvSpPr>
+          <p:nvPr>
+            <p:extLst>
+              <p:ext uri="{386F3935-93C4-4BCD-93E2-E3B085C9AB24}">
+                <p16:designElem xmlns:p16="http://schemas.microsoft.com/office/powerpoint/2015/main" val="1"/>
+              </p:ext>
+            </p:extLst>
+          </p:nvPr>
+        </p:nvSpPr>
+        <p:spPr>
+          <a:xfrm>
+            <a:off x="1" y="6400800"/>
+            <a:ext cx="12192000" cy="457200"/>
+          </a:xfrm>
+          <a:prstGeom prst="rect">
+            <a:avLst/>
+          </a:prstGeom>
+          <a:solidFill>
+            <a:schemeClr val="accent2"/>
+          </a:solidFill>
+          <a:ln>
+            <a:noFill/>
+          </a:ln>
+        </p:spPr>
+        <p:style>
+          <a:lnRef idx="2">
+            <a:schemeClr val="accent1">
+              <a:shade val="50000"/>
+            </a:schemeClr>
+          </a:lnRef>
+          <a:fillRef idx="1">
+            <a:schemeClr val="accent1"/>
+          </a:fillRef>
+          <a:effectRef idx="0">
+            <a:schemeClr val="accent1"/>
+          </a:effectRef>
+          <a:fontRef idx="minor">
+            <a:schemeClr val="lt1"/>
+          </a:fontRef>
+        </p:style>
+      </p:sp>
     </p:spTree>
     <p:extLst>
       <p:ext uri="{BB962C8B-B14F-4D97-AF65-F5344CB8AC3E}">
